--- a/Presentation.pptx
+++ b/Presentation.pptx
@@ -5,7 +5,7 @@
     <p:sldMasterId id="2147484050" r:id="rId1"/>
   </p:sldMasterIdLst>
   <p:notesMasterIdLst>
-    <p:notesMasterId r:id="rId29"/>
+    <p:notesMasterId r:id="rId33"/>
   </p:notesMasterIdLst>
   <p:sldIdLst>
     <p:sldId id="256" r:id="rId2"/>
@@ -14,27 +14,31 @@
     <p:sldId id="259" r:id="rId5"/>
     <p:sldId id="260" r:id="rId6"/>
     <p:sldId id="261" r:id="rId7"/>
-    <p:sldId id="262" r:id="rId8"/>
-    <p:sldId id="263" r:id="rId9"/>
-    <p:sldId id="264" r:id="rId10"/>
-    <p:sldId id="265" r:id="rId11"/>
-    <p:sldId id="266" r:id="rId12"/>
-    <p:sldId id="267" r:id="rId13"/>
-    <p:sldId id="268" r:id="rId14"/>
-    <p:sldId id="269" r:id="rId15"/>
-    <p:sldId id="270" r:id="rId16"/>
-    <p:sldId id="271" r:id="rId17"/>
-    <p:sldId id="272" r:id="rId18"/>
-    <p:sldId id="273" r:id="rId19"/>
-    <p:sldId id="274" r:id="rId20"/>
-    <p:sldId id="275" r:id="rId21"/>
-    <p:sldId id="276" r:id="rId22"/>
-    <p:sldId id="277" r:id="rId23"/>
-    <p:sldId id="278" r:id="rId24"/>
-    <p:sldId id="279" r:id="rId25"/>
-    <p:sldId id="281" r:id="rId26"/>
-    <p:sldId id="280" r:id="rId27"/>
-    <p:sldId id="283" r:id="rId28"/>
+    <p:sldId id="284" r:id="rId8"/>
+    <p:sldId id="262" r:id="rId9"/>
+    <p:sldId id="286" r:id="rId10"/>
+    <p:sldId id="285" r:id="rId11"/>
+    <p:sldId id="287" r:id="rId12"/>
+    <p:sldId id="263" r:id="rId13"/>
+    <p:sldId id="288" r:id="rId14"/>
+    <p:sldId id="265" r:id="rId15"/>
+    <p:sldId id="266" r:id="rId16"/>
+    <p:sldId id="267" r:id="rId17"/>
+    <p:sldId id="268" r:id="rId18"/>
+    <p:sldId id="269" r:id="rId19"/>
+    <p:sldId id="270" r:id="rId20"/>
+    <p:sldId id="271" r:id="rId21"/>
+    <p:sldId id="272" r:id="rId22"/>
+    <p:sldId id="273" r:id="rId23"/>
+    <p:sldId id="274" r:id="rId24"/>
+    <p:sldId id="275" r:id="rId25"/>
+    <p:sldId id="276" r:id="rId26"/>
+    <p:sldId id="277" r:id="rId27"/>
+    <p:sldId id="278" r:id="rId28"/>
+    <p:sldId id="279" r:id="rId29"/>
+    <p:sldId id="281" r:id="rId30"/>
+    <p:sldId id="283" r:id="rId31"/>
+    <p:sldId id="289" r:id="rId32"/>
   </p:sldIdLst>
   <p:sldSz cx="12192000" cy="6858000"/>
   <p:notesSz cx="6858000" cy="9144000"/>
@@ -4362,45 +4366,45 @@
           <a:chExt cx="0" cy="0"/>
         </a:xfrm>
       </p:grpSpPr>
-      <p:pic>
-        <p:nvPicPr>
-          <p:cNvPr id="4" name="Content Placeholder 3" descr="module count 1.png"/>
-          <p:cNvPicPr>
-            <a:picLocks noGrp="1" noChangeAspect="1"/>
-          </p:cNvPicPr>
-          <p:nvPr>
-            <p:ph idx="1"/>
-          </p:nvPr>
-        </p:nvPicPr>
-        <p:blipFill>
-          <a:blip r:embed="rId2">
-            <a:extLst>
-              <a:ext uri="{28A0092B-C50C-407E-A947-70E740481C1C}">
-                <a14:useLocalDpi xmlns:a14="http://schemas.microsoft.com/office/drawing/2010/main" val="0"/>
-              </a:ext>
-            </a:extLst>
-          </a:blip>
-          <a:stretch>
-            <a:fillRect/>
-          </a:stretch>
-        </p:blipFill>
-        <p:spPr>
-          <a:xfrm>
-            <a:off x="2291766" y="391885"/>
-            <a:ext cx="8714691" cy="5268686"/>
-          </a:xfrm>
-        </p:spPr>
-      </p:pic>
-      <p:sp>
-        <p:nvSpPr>
-          <p:cNvPr id="5" name="TextBox 4"/>
+      <p:sp>
+        <p:nvSpPr>
+          <p:cNvPr id="2" name="Title 1"/>
+          <p:cNvSpPr>
+            <a:spLocks noGrp="1"/>
+          </p:cNvSpPr>
+          <p:nvPr>
+            <p:ph type="title"/>
+          </p:nvPr>
+        </p:nvSpPr>
+        <p:spPr>
+          <a:xfrm>
+            <a:off x="1671917" y="2017059"/>
+            <a:ext cx="9959788" cy="1452283"/>
+          </a:xfrm>
+        </p:spPr>
+        <p:txBody>
+          <a:bodyPr/>
+          <a:lstStyle/>
+          <a:p>
+            <a:pPr algn="ctr"/>
+            <a:r>
+              <a:rPr lang="en-US" dirty="0" smtClean="0"/>
+              <a:t>Is there any problem with this program ?</a:t>
+            </a:r>
+            <a:endParaRPr lang="en-US" dirty="0"/>
+          </a:p>
+        </p:txBody>
+      </p:sp>
+      <p:sp>
+        <p:nvSpPr>
+          <p:cNvPr id="3" name="TextBox 2"/>
           <p:cNvSpPr txBox="1"/>
           <p:nvPr/>
         </p:nvSpPr>
         <p:spPr>
           <a:xfrm>
-            <a:off x="4691743" y="5812971"/>
-            <a:ext cx="3211072" cy="369332"/>
+            <a:off x="3033929" y="3455896"/>
+            <a:ext cx="7235763" cy="769441"/>
           </a:xfrm>
           <a:prstGeom prst="rect">
             <a:avLst/>
@@ -4414,21 +4418,39 @@
           <a:lstStyle/>
           <a:p>
             <a:r>
-              <a:rPr lang="en-US" dirty="0" smtClean="0"/>
-              <a:t>http://</a:t>
-            </a:r>
-            <a:r>
-              <a:rPr lang="en-US" dirty="0" err="1" smtClean="0"/>
-              <a:t>www.modulecounts.com</a:t>
-            </a:r>
-            <a:endParaRPr lang="en-US" dirty="0"/>
+              <a:rPr lang="en-US" sz="4400" dirty="0" smtClean="0">
+                <a:ln>
+                  <a:solidFill>
+                    <a:srgbClr val="FF0000"/>
+                  </a:solidFill>
+                </a:ln>
+                <a:solidFill>
+                  <a:schemeClr val="accent6">
+                    <a:lumMod val="75000"/>
+                  </a:schemeClr>
+                </a:solidFill>
+              </a:rPr>
+              <a:t>What if the file is very HUGE ?</a:t>
+            </a:r>
+            <a:endParaRPr lang="en-US" sz="4400" dirty="0">
+              <a:ln>
+                <a:solidFill>
+                  <a:srgbClr val="FF0000"/>
+                </a:solidFill>
+              </a:ln>
+              <a:solidFill>
+                <a:schemeClr val="accent6">
+                  <a:lumMod val="75000"/>
+                </a:schemeClr>
+              </a:solidFill>
+            </a:endParaRPr>
           </a:p>
         </p:txBody>
       </p:sp>
     </p:spTree>
     <p:extLst>
       <p:ext uri="{BB962C8B-B14F-4D97-AF65-F5344CB8AC3E}">
-        <p14:creationId xmlns:p14="http://schemas.microsoft.com/office/powerpoint/2010/main" val="1209734969"/>
+        <p14:creationId xmlns:p14="http://schemas.microsoft.com/office/powerpoint/2010/main" val="101072999"/>
       </p:ext>
     </p:extLst>
   </p:cSld>
@@ -4438,9 +4460,80 @@
   <p:timing>
     <p:tnLst>
       <p:par>
-        <p:cTn id="1" dur="indefinite" restart="never" nodeType="tmRoot"/>
+        <p:cTn id="1" dur="indefinite" restart="never" nodeType="tmRoot">
+          <p:childTnLst>
+            <p:seq concurrent="1" nextAc="seek">
+              <p:cTn id="2" dur="indefinite" nodeType="mainSeq">
+                <p:childTnLst>
+                  <p:par>
+                    <p:cTn id="3" fill="hold">
+                      <p:stCondLst>
+                        <p:cond delay="indefinite"/>
+                      </p:stCondLst>
+                      <p:childTnLst>
+                        <p:par>
+                          <p:cTn id="4" fill="hold">
+                            <p:stCondLst>
+                              <p:cond delay="0"/>
+                            </p:stCondLst>
+                            <p:childTnLst>
+                              <p:par>
+                                <p:cTn id="5" presetID="1" presetClass="entr" presetSubtype="0" fill="hold" grpId="0" nodeType="clickEffect">
+                                  <p:stCondLst>
+                                    <p:cond delay="0"/>
+                                  </p:stCondLst>
+                                  <p:childTnLst>
+                                    <p:set>
+                                      <p:cBhvr>
+                                        <p:cTn id="6" dur="1" fill="hold">
+                                          <p:stCondLst>
+                                            <p:cond delay="0"/>
+                                          </p:stCondLst>
+                                        </p:cTn>
+                                        <p:tgtEl>
+                                          <p:spTgt spid="3"/>
+                                        </p:tgtEl>
+                                        <p:attrNameLst>
+                                          <p:attrName>style.visibility</p:attrName>
+                                        </p:attrNameLst>
+                                      </p:cBhvr>
+                                      <p:to>
+                                        <p:strVal val="visible"/>
+                                      </p:to>
+                                    </p:set>
+                                  </p:childTnLst>
+                                </p:cTn>
+                              </p:par>
+                            </p:childTnLst>
+                          </p:cTn>
+                        </p:par>
+                      </p:childTnLst>
+                    </p:cTn>
+                  </p:par>
+                </p:childTnLst>
+              </p:cTn>
+              <p:prevCondLst>
+                <p:cond evt="onPrev" delay="0">
+                  <p:tgtEl>
+                    <p:sldTgt/>
+                  </p:tgtEl>
+                </p:cond>
+              </p:prevCondLst>
+              <p:nextCondLst>
+                <p:cond evt="onNext" delay="0">
+                  <p:tgtEl>
+                    <p:sldTgt/>
+                  </p:tgtEl>
+                </p:cond>
+              </p:nextCondLst>
+            </p:seq>
+          </p:childTnLst>
+        </p:cTn>
       </p:par>
     </p:tnLst>
+    <p:bldLst>
+      <p:bldP spid="3" grpId="0"/>
+    </p:bldLst>
   </p:timing>
 </p:sld>
 </file>
@@ -4462,183 +4555,59 @@
           <a:chExt cx="0" cy="0"/>
         </a:xfrm>
       </p:grpSpPr>
-      <p:pic>
-        <p:nvPicPr>
-          <p:cNvPr id="4" name="Content Placeholder 3" descr="module count 2.png"/>
-          <p:cNvPicPr>
-            <a:picLocks noGrp="1" noChangeAspect="1"/>
-          </p:cNvPicPr>
-          <p:nvPr>
-            <p:ph idx="1"/>
-          </p:nvPr>
-        </p:nvPicPr>
-        <p:blipFill>
-          <a:blip r:embed="rId2">
-            <a:extLst>
-              <a:ext uri="{28A0092B-C50C-407E-A947-70E740481C1C}">
-                <a14:useLocalDpi xmlns:a14="http://schemas.microsoft.com/office/drawing/2010/main" val="0"/>
-              </a:ext>
-            </a:extLst>
-          </a:blip>
-          <a:stretch>
-            <a:fillRect/>
-          </a:stretch>
-        </p:blipFill>
-        <p:spPr>
-          <a:xfrm>
-            <a:off x="1304165" y="885523"/>
-            <a:ext cx="10498070" cy="4818590"/>
-          </a:xfrm>
-        </p:spPr>
-      </p:pic>
-      <p:sp>
-        <p:nvSpPr>
-          <p:cNvPr id="5" name="Rectangle 4"/>
-          <p:cNvSpPr/>
-          <p:nvPr/>
-        </p:nvSpPr>
-        <p:spPr>
-          <a:xfrm>
-            <a:off x="1415143" y="2645230"/>
-            <a:ext cx="10232571" cy="228600"/>
-          </a:xfrm>
-          <a:prstGeom prst="rect">
-            <a:avLst/>
-          </a:prstGeom>
-          <a:noFill/>
-          <a:ln>
-            <a:solidFill>
-              <a:schemeClr val="accent6">
-                <a:lumMod val="75000"/>
-              </a:schemeClr>
-            </a:solidFill>
-          </a:ln>
-        </p:spPr>
-        <p:style>
-          <a:lnRef idx="2">
-            <a:schemeClr val="accent1">
-              <a:shade val="50000"/>
-            </a:schemeClr>
-          </a:lnRef>
-          <a:fillRef idx="1">
-            <a:schemeClr val="accent1"/>
-          </a:fillRef>
-          <a:effectRef idx="0">
-            <a:schemeClr val="accent1"/>
-          </a:effectRef>
-          <a:fontRef idx="minor">
-            <a:schemeClr val="lt1"/>
-          </a:fontRef>
-        </p:style>
-        <p:txBody>
-          <a:bodyPr rtlCol="0" anchor="ctr"/>
+      <p:sp>
+        <p:nvSpPr>
+          <p:cNvPr id="2" name="Title 1"/>
+          <p:cNvSpPr>
+            <a:spLocks noGrp="1"/>
+          </p:cNvSpPr>
+          <p:nvPr>
+            <p:ph type="title"/>
+          </p:nvPr>
+        </p:nvSpPr>
+        <p:spPr>
+          <a:xfrm>
+            <a:off x="1779494" y="2270631"/>
+            <a:ext cx="9601200" cy="2718227"/>
+          </a:xfrm>
+        </p:spPr>
+        <p:txBody>
+          <a:bodyPr>
+            <a:normAutofit/>
+          </a:bodyPr>
           <a:lstStyle/>
           <a:p>
             <a:pPr algn="ctr"/>
-            <a:endParaRPr lang="en-US"/>
-          </a:p>
-        </p:txBody>
-      </p:sp>
-      <p:sp>
-        <p:nvSpPr>
-          <p:cNvPr id="6" name="Rectangle 5"/>
-          <p:cNvSpPr/>
-          <p:nvPr/>
-        </p:nvSpPr>
-        <p:spPr>
-          <a:xfrm>
-            <a:off x="1415143" y="4098472"/>
-            <a:ext cx="10232571" cy="244927"/>
-          </a:xfrm>
-          <a:prstGeom prst="rect">
-            <a:avLst/>
-          </a:prstGeom>
-          <a:noFill/>
-          <a:ln>
-            <a:solidFill>
-              <a:schemeClr val="accent6">
-                <a:lumMod val="75000"/>
-              </a:schemeClr>
-            </a:solidFill>
-          </a:ln>
-        </p:spPr>
-        <p:style>
-          <a:lnRef idx="2">
-            <a:schemeClr val="accent1">
-              <a:shade val="50000"/>
-            </a:schemeClr>
-          </a:lnRef>
-          <a:fillRef idx="1">
-            <a:schemeClr val="accent1"/>
-          </a:fillRef>
-          <a:effectRef idx="0">
-            <a:schemeClr val="accent1"/>
-          </a:effectRef>
-          <a:fontRef idx="minor">
-            <a:schemeClr val="lt1"/>
-          </a:fontRef>
-        </p:style>
-        <p:txBody>
-          <a:bodyPr rtlCol="0" anchor="ctr"/>
-          <a:lstStyle/>
-          <a:p>
-            <a:pPr algn="ctr"/>
-            <a:endParaRPr lang="en-US"/>
-          </a:p>
-        </p:txBody>
-      </p:sp>
-      <p:sp>
-        <p:nvSpPr>
-          <p:cNvPr id="7" name="Rectangle 6"/>
-          <p:cNvSpPr/>
-          <p:nvPr/>
-        </p:nvSpPr>
-        <p:spPr>
-          <a:xfrm>
-            <a:off x="1415143" y="1208314"/>
-            <a:ext cx="10232571" cy="244929"/>
-          </a:xfrm>
-          <a:prstGeom prst="rect">
-            <a:avLst/>
-          </a:prstGeom>
-          <a:noFill/>
-          <a:ln>
-            <a:solidFill>
-              <a:schemeClr val="accent6">
-                <a:lumMod val="75000"/>
-              </a:schemeClr>
-            </a:solidFill>
-          </a:ln>
-        </p:spPr>
-        <p:style>
-          <a:lnRef idx="2">
-            <a:schemeClr val="accent1">
-              <a:shade val="50000"/>
-            </a:schemeClr>
-          </a:lnRef>
-          <a:fillRef idx="1">
-            <a:schemeClr val="accent1"/>
-          </a:fillRef>
-          <a:effectRef idx="0">
-            <a:schemeClr val="accent1"/>
-          </a:effectRef>
-          <a:fontRef idx="minor">
-            <a:schemeClr val="lt1"/>
-          </a:fontRef>
-        </p:style>
-        <p:txBody>
-          <a:bodyPr rtlCol="0" anchor="ctr"/>
-          <a:lstStyle/>
-          <a:p>
-            <a:pPr algn="ctr"/>
-            <a:endParaRPr lang="en-US"/>
+            <a:r>
+              <a:rPr lang="zh-CHT" altLang="en-US" sz="5400" dirty="0" smtClean="0"/>
+              <a:t>解決之道</a:t>
+            </a:r>
+            <a:r>
+              <a:rPr lang="zh-CHT" altLang="en-US" dirty="0" smtClean="0"/>
+              <a:t/>
+            </a:r>
+            <a:br>
+              <a:rPr lang="zh-CHT" altLang="en-US" dirty="0" smtClean="0"/>
+            </a:br>
+            <a:r>
+              <a:rPr lang="zh-CHT" altLang="en-US" dirty="0" smtClean="0"/>
+              <a:t/>
+            </a:r>
+            <a:br>
+              <a:rPr lang="zh-CHT" altLang="en-US" dirty="0" smtClean="0"/>
+            </a:br>
+            <a:r>
+              <a:rPr lang="zh-CHT" altLang="en-US" dirty="0" smtClean="0"/>
+              <a:t>把檔案切成一塊一塊分開處理</a:t>
+            </a:r>
+            <a:endParaRPr lang="en-US" dirty="0"/>
           </a:p>
         </p:txBody>
       </p:sp>
     </p:spTree>
     <p:extLst>
       <p:ext uri="{BB962C8B-B14F-4D97-AF65-F5344CB8AC3E}">
-        <p14:creationId xmlns:p14="http://schemas.microsoft.com/office/powerpoint/2010/main" val="1369678468"/>
+        <p14:creationId xmlns:p14="http://schemas.microsoft.com/office/powerpoint/2010/main" val="447053428"/>
       </p:ext>
     </p:extLst>
   </p:cSld>
@@ -4672,40 +4641,9 @@
           <a:chExt cx="0" cy="0"/>
         </a:xfrm>
       </p:grpSpPr>
-      <p:sp>
-        <p:nvSpPr>
-          <p:cNvPr id="2" name="Title 1"/>
-          <p:cNvSpPr>
-            <a:spLocks noGrp="1"/>
-          </p:cNvSpPr>
-          <p:nvPr>
-            <p:ph type="title"/>
-          </p:nvPr>
-        </p:nvSpPr>
-        <p:spPr/>
-        <p:txBody>
-          <a:bodyPr/>
-          <a:lstStyle/>
-          <a:p>
-            <a:r>
-              <a:rPr lang="en-US" dirty="0" err="1" smtClean="0"/>
-              <a:t>npm</a:t>
-            </a:r>
-            <a:r>
-              <a:rPr lang="en-US" dirty="0" smtClean="0"/>
-              <a:t> &amp; </a:t>
-            </a:r>
-            <a:r>
-              <a:rPr lang="en-US" dirty="0" err="1" smtClean="0"/>
-              <a:t>package.json</a:t>
-            </a:r>
-            <a:endParaRPr lang="en-US" dirty="0"/>
-          </a:p>
-        </p:txBody>
-      </p:sp>
       <p:pic>
         <p:nvPicPr>
-          <p:cNvPr id="5" name="Content Placeholder 4" descr="npm init.png"/>
+          <p:cNvPr id="4" name="Content Placeholder 3" descr="wc2.js.png"/>
           <p:cNvPicPr>
             <a:picLocks noGrp="1" noChangeAspect="1"/>
           </p:cNvPicPr>
@@ -4727,15 +4665,15 @@
         </p:blipFill>
         <p:spPr>
           <a:xfrm>
-            <a:off x="1360714" y="2313744"/>
-            <a:ext cx="9601200" cy="1718884"/>
+            <a:off x="1289146" y="290196"/>
+            <a:ext cx="10456895" cy="5882004"/>
           </a:xfrm>
         </p:spPr>
       </p:pic>
     </p:spTree>
     <p:extLst>
       <p:ext uri="{BB962C8B-B14F-4D97-AF65-F5344CB8AC3E}">
-        <p14:creationId xmlns:p14="http://schemas.microsoft.com/office/powerpoint/2010/main" val="379366797"/>
+        <p14:creationId xmlns:p14="http://schemas.microsoft.com/office/powerpoint/2010/main" val="2058907361"/>
       </p:ext>
     </p:extLst>
   </p:cSld>
@@ -4769,15 +4707,44 @@
           <a:chExt cx="0" cy="0"/>
         </a:xfrm>
       </p:grpSpPr>
+      <p:sp>
+        <p:nvSpPr>
+          <p:cNvPr id="2" name="Title 1"/>
+          <p:cNvSpPr>
+            <a:spLocks noGrp="1"/>
+          </p:cNvSpPr>
+          <p:nvPr>
+            <p:ph type="title"/>
+          </p:nvPr>
+        </p:nvSpPr>
+        <p:spPr/>
+        <p:txBody>
+          <a:bodyPr/>
+          <a:lstStyle/>
+          <a:p>
+            <a:pPr algn="ctr"/>
+            <a:r>
+              <a:rPr lang="en-US" dirty="0" smtClean="0"/>
+              <a:t>NPM – Node Package Manager</a:t>
+            </a:r>
+            <a:br>
+              <a:rPr lang="en-US" dirty="0" smtClean="0"/>
+            </a:br>
+            <a:r>
+              <a:rPr lang="en-US" dirty="0" smtClean="0"/>
+              <a:t>Leverage open source community</a:t>
+            </a:r>
+            <a:endParaRPr lang="en-US" dirty="0"/>
+          </a:p>
+        </p:txBody>
+      </p:sp>
       <p:pic>
         <p:nvPicPr>
-          <p:cNvPr id="4" name="Content Placeholder 3" descr="package.json.png"/>
+          <p:cNvPr id="4" name="Content Placeholder 3" descr="npm.png"/>
           <p:cNvPicPr>
-            <a:picLocks noGrp="1" noChangeAspect="1"/>
+            <a:picLocks noChangeAspect="1"/>
           </p:cNvPicPr>
-          <p:nvPr>
-            <p:ph idx="1"/>
-          </p:nvPr>
+          <p:nvPr/>
         </p:nvPicPr>
         <p:blipFill>
           <a:blip r:embed="rId2">
@@ -4793,49 +4760,18 @@
         </p:blipFill>
         <p:spPr>
           <a:xfrm>
-            <a:off x="1709058" y="1251338"/>
-            <a:ext cx="9491829" cy="4474547"/>
-          </a:xfrm>
-        </p:spPr>
-      </p:pic>
-      <p:sp>
-        <p:nvSpPr>
-          <p:cNvPr id="5" name="TextBox 4"/>
-          <p:cNvSpPr txBox="1"/>
-          <p:nvPr/>
-        </p:nvSpPr>
-        <p:spPr>
-          <a:xfrm>
-            <a:off x="5431972" y="751114"/>
-            <a:ext cx="1470274" cy="369332"/>
+            <a:off x="1237130" y="2431419"/>
+            <a:ext cx="10381129" cy="3331016"/>
           </a:xfrm>
           <a:prstGeom prst="rect">
             <a:avLst/>
           </a:prstGeom>
-          <a:noFill/>
-        </p:spPr>
-        <p:txBody>
-          <a:bodyPr wrap="none" rtlCol="0">
-            <a:spAutoFit/>
-          </a:bodyPr>
-          <a:lstStyle/>
-          <a:p>
-            <a:r>
-              <a:rPr lang="en-US" dirty="0" err="1"/>
-              <a:t>p</a:t>
-            </a:r>
-            <a:r>
-              <a:rPr lang="en-US" dirty="0" err="1" smtClean="0"/>
-              <a:t>ackage.json</a:t>
-            </a:r>
-            <a:endParaRPr lang="en-US" dirty="0"/>
-          </a:p>
-        </p:txBody>
-      </p:sp>
+        </p:spPr>
+      </p:pic>
     </p:spTree>
     <p:extLst>
       <p:ext uri="{BB962C8B-B14F-4D97-AF65-F5344CB8AC3E}">
-        <p14:creationId xmlns:p14="http://schemas.microsoft.com/office/powerpoint/2010/main" val="213952386"/>
+        <p14:creationId xmlns:p14="http://schemas.microsoft.com/office/powerpoint/2010/main" val="2131953877"/>
       </p:ext>
     </p:extLst>
   </p:cSld>
@@ -4871,7 +4807,7 @@
       </p:grpSpPr>
       <p:pic>
         <p:nvPicPr>
-          <p:cNvPr id="4" name="Content Placeholder 3" descr="npm install.png"/>
+          <p:cNvPr id="4" name="Content Placeholder 3" descr="module count 1.png"/>
           <p:cNvPicPr>
             <a:picLocks noGrp="1" noChangeAspect="1"/>
           </p:cNvPicPr>
@@ -4893,105 +4829,49 @@
         </p:blipFill>
         <p:spPr>
           <a:xfrm>
-            <a:off x="1567543" y="1066885"/>
-            <a:ext cx="9601200" cy="925115"/>
+            <a:off x="2291766" y="391885"/>
+            <a:ext cx="8714691" cy="5268686"/>
           </a:xfrm>
         </p:spPr>
       </p:pic>
-      <p:pic>
-        <p:nvPicPr>
-          <p:cNvPr id="5" name="Picture 4" descr="npm install global.png"/>
-          <p:cNvPicPr>
-            <a:picLocks noChangeAspect="1"/>
-          </p:cNvPicPr>
+      <p:sp>
+        <p:nvSpPr>
+          <p:cNvPr id="5" name="TextBox 4"/>
+          <p:cNvSpPr txBox="1"/>
           <p:nvPr/>
-        </p:nvPicPr>
-        <p:blipFill>
-          <a:blip r:embed="rId3">
-            <a:extLst>
-              <a:ext uri="{28A0092B-C50C-407E-A947-70E740481C1C}">
-                <a14:useLocalDpi xmlns:a14="http://schemas.microsoft.com/office/drawing/2010/main" val="0"/>
-              </a:ext>
-            </a:extLst>
-          </a:blip>
-          <a:stretch>
-            <a:fillRect/>
-          </a:stretch>
-        </p:blipFill>
-        <p:spPr>
-          <a:xfrm>
-            <a:off x="1567543" y="2351314"/>
-            <a:ext cx="9601200" cy="1186104"/>
+        </p:nvSpPr>
+        <p:spPr>
+          <a:xfrm>
+            <a:off x="4691743" y="5812971"/>
+            <a:ext cx="3211072" cy="369332"/>
           </a:xfrm>
           <a:prstGeom prst="rect">
             <a:avLst/>
           </a:prstGeom>
-        </p:spPr>
-      </p:pic>
-      <p:pic>
-        <p:nvPicPr>
-          <p:cNvPr id="6" name="Picture 5" descr="npm uninstall.png"/>
-          <p:cNvPicPr>
-            <a:picLocks noChangeAspect="1"/>
-          </p:cNvPicPr>
-          <p:nvPr/>
-        </p:nvPicPr>
-        <p:blipFill>
-          <a:blip r:embed="rId4">
-            <a:extLst>
-              <a:ext uri="{28A0092B-C50C-407E-A947-70E740481C1C}">
-                <a14:useLocalDpi xmlns:a14="http://schemas.microsoft.com/office/drawing/2010/main" val="0"/>
-              </a:ext>
-            </a:extLst>
-          </a:blip>
-          <a:stretch>
-            <a:fillRect/>
-          </a:stretch>
-        </p:blipFill>
-        <p:spPr>
-          <a:xfrm>
-            <a:off x="1567543" y="3896732"/>
-            <a:ext cx="9601200" cy="877394"/>
-          </a:xfrm>
-          <a:prstGeom prst="rect">
-            <a:avLst/>
-          </a:prstGeom>
-        </p:spPr>
-      </p:pic>
-      <p:pic>
-        <p:nvPicPr>
-          <p:cNvPr id="7" name="Picture 6" descr="npm install to another computer.png"/>
-          <p:cNvPicPr>
-            <a:picLocks noChangeAspect="1"/>
-          </p:cNvPicPr>
-          <p:nvPr/>
-        </p:nvPicPr>
-        <p:blipFill>
-          <a:blip r:embed="rId5">
-            <a:extLst>
-              <a:ext uri="{28A0092B-C50C-407E-A947-70E740481C1C}">
-                <a14:useLocalDpi xmlns:a14="http://schemas.microsoft.com/office/drawing/2010/main" val="0"/>
-              </a:ext>
-            </a:extLst>
-          </a:blip>
-          <a:stretch>
-            <a:fillRect/>
-          </a:stretch>
-        </p:blipFill>
-        <p:spPr>
-          <a:xfrm>
-            <a:off x="1567543" y="5133440"/>
-            <a:ext cx="9563100" cy="977900"/>
-          </a:xfrm>
-          <a:prstGeom prst="rect">
-            <a:avLst/>
-          </a:prstGeom>
-        </p:spPr>
-      </p:pic>
+          <a:noFill/>
+        </p:spPr>
+        <p:txBody>
+          <a:bodyPr wrap="none" rtlCol="0">
+            <a:spAutoFit/>
+          </a:bodyPr>
+          <a:lstStyle/>
+          <a:p>
+            <a:r>
+              <a:rPr lang="en-US" dirty="0" smtClean="0"/>
+              <a:t>http://</a:t>
+            </a:r>
+            <a:r>
+              <a:rPr lang="en-US" dirty="0" err="1" smtClean="0"/>
+              <a:t>www.modulecounts.com</a:t>
+            </a:r>
+            <a:endParaRPr lang="en-US" dirty="0"/>
+          </a:p>
+        </p:txBody>
+      </p:sp>
     </p:spTree>
     <p:extLst>
       <p:ext uri="{BB962C8B-B14F-4D97-AF65-F5344CB8AC3E}">
-        <p14:creationId xmlns:p14="http://schemas.microsoft.com/office/powerpoint/2010/main" val="67874133"/>
+        <p14:creationId xmlns:p14="http://schemas.microsoft.com/office/powerpoint/2010/main" val="1209734969"/>
       </p:ext>
     </p:extLst>
   </p:cSld>
@@ -5025,39 +4905,183 @@
           <a:chExt cx="0" cy="0"/>
         </a:xfrm>
       </p:grpSpPr>
-      <p:sp>
-        <p:nvSpPr>
-          <p:cNvPr id="2" name="Title 1"/>
-          <p:cNvSpPr>
-            <a:spLocks noGrp="1"/>
-          </p:cNvSpPr>
-          <p:nvPr>
-            <p:ph type="title"/>
-          </p:nvPr>
-        </p:nvSpPr>
-        <p:spPr>
-          <a:xfrm>
-            <a:off x="1752600" y="2808514"/>
-            <a:ext cx="9601200" cy="1485900"/>
-          </a:xfrm>
-        </p:spPr>
-        <p:txBody>
-          <a:bodyPr/>
+      <p:pic>
+        <p:nvPicPr>
+          <p:cNvPr id="4" name="Content Placeholder 3" descr="module count 2.png"/>
+          <p:cNvPicPr>
+            <a:picLocks noGrp="1" noChangeAspect="1"/>
+          </p:cNvPicPr>
+          <p:nvPr>
+            <p:ph idx="1"/>
+          </p:nvPr>
+        </p:nvPicPr>
+        <p:blipFill>
+          <a:blip r:embed="rId2">
+            <a:extLst>
+              <a:ext uri="{28A0092B-C50C-407E-A947-70E740481C1C}">
+                <a14:useLocalDpi xmlns:a14="http://schemas.microsoft.com/office/drawing/2010/main" val="0"/>
+              </a:ext>
+            </a:extLst>
+          </a:blip>
+          <a:stretch>
+            <a:fillRect/>
+          </a:stretch>
+        </p:blipFill>
+        <p:spPr>
+          <a:xfrm>
+            <a:off x="1304165" y="885523"/>
+            <a:ext cx="10498070" cy="4818590"/>
+          </a:xfrm>
+        </p:spPr>
+      </p:pic>
+      <p:sp>
+        <p:nvSpPr>
+          <p:cNvPr id="5" name="Rectangle 4"/>
+          <p:cNvSpPr/>
+          <p:nvPr/>
+        </p:nvSpPr>
+        <p:spPr>
+          <a:xfrm>
+            <a:off x="1415143" y="2645230"/>
+            <a:ext cx="10232571" cy="228600"/>
+          </a:xfrm>
+          <a:prstGeom prst="rect">
+            <a:avLst/>
+          </a:prstGeom>
+          <a:noFill/>
+          <a:ln>
+            <a:solidFill>
+              <a:schemeClr val="accent6">
+                <a:lumMod val="75000"/>
+              </a:schemeClr>
+            </a:solidFill>
+          </a:ln>
+        </p:spPr>
+        <p:style>
+          <a:lnRef idx="2">
+            <a:schemeClr val="accent1">
+              <a:shade val="50000"/>
+            </a:schemeClr>
+          </a:lnRef>
+          <a:fillRef idx="1">
+            <a:schemeClr val="accent1"/>
+          </a:fillRef>
+          <a:effectRef idx="0">
+            <a:schemeClr val="accent1"/>
+          </a:effectRef>
+          <a:fontRef idx="minor">
+            <a:schemeClr val="lt1"/>
+          </a:fontRef>
+        </p:style>
+        <p:txBody>
+          <a:bodyPr rtlCol="0" anchor="ctr"/>
           <a:lstStyle/>
           <a:p>
             <a:pPr algn="ctr"/>
-            <a:r>
-              <a:rPr lang="en-US" dirty="0" smtClean="0"/>
-              <a:t>How to write our own modules ?</a:t>
-            </a:r>
-            <a:endParaRPr lang="en-US" dirty="0"/>
+            <a:endParaRPr lang="en-US"/>
+          </a:p>
+        </p:txBody>
+      </p:sp>
+      <p:sp>
+        <p:nvSpPr>
+          <p:cNvPr id="6" name="Rectangle 5"/>
+          <p:cNvSpPr/>
+          <p:nvPr/>
+        </p:nvSpPr>
+        <p:spPr>
+          <a:xfrm>
+            <a:off x="1415143" y="4098472"/>
+            <a:ext cx="10232571" cy="244927"/>
+          </a:xfrm>
+          <a:prstGeom prst="rect">
+            <a:avLst/>
+          </a:prstGeom>
+          <a:noFill/>
+          <a:ln>
+            <a:solidFill>
+              <a:schemeClr val="accent6">
+                <a:lumMod val="75000"/>
+              </a:schemeClr>
+            </a:solidFill>
+          </a:ln>
+        </p:spPr>
+        <p:style>
+          <a:lnRef idx="2">
+            <a:schemeClr val="accent1">
+              <a:shade val="50000"/>
+            </a:schemeClr>
+          </a:lnRef>
+          <a:fillRef idx="1">
+            <a:schemeClr val="accent1"/>
+          </a:fillRef>
+          <a:effectRef idx="0">
+            <a:schemeClr val="accent1"/>
+          </a:effectRef>
+          <a:fontRef idx="minor">
+            <a:schemeClr val="lt1"/>
+          </a:fontRef>
+        </p:style>
+        <p:txBody>
+          <a:bodyPr rtlCol="0" anchor="ctr"/>
+          <a:lstStyle/>
+          <a:p>
+            <a:pPr algn="ctr"/>
+            <a:endParaRPr lang="en-US"/>
+          </a:p>
+        </p:txBody>
+      </p:sp>
+      <p:sp>
+        <p:nvSpPr>
+          <p:cNvPr id="7" name="Rectangle 6"/>
+          <p:cNvSpPr/>
+          <p:nvPr/>
+        </p:nvSpPr>
+        <p:spPr>
+          <a:xfrm>
+            <a:off x="1415143" y="1208314"/>
+            <a:ext cx="10232571" cy="244929"/>
+          </a:xfrm>
+          <a:prstGeom prst="rect">
+            <a:avLst/>
+          </a:prstGeom>
+          <a:noFill/>
+          <a:ln>
+            <a:solidFill>
+              <a:schemeClr val="accent6">
+                <a:lumMod val="75000"/>
+              </a:schemeClr>
+            </a:solidFill>
+          </a:ln>
+        </p:spPr>
+        <p:style>
+          <a:lnRef idx="2">
+            <a:schemeClr val="accent1">
+              <a:shade val="50000"/>
+            </a:schemeClr>
+          </a:lnRef>
+          <a:fillRef idx="1">
+            <a:schemeClr val="accent1"/>
+          </a:fillRef>
+          <a:effectRef idx="0">
+            <a:schemeClr val="accent1"/>
+          </a:effectRef>
+          <a:fontRef idx="minor">
+            <a:schemeClr val="lt1"/>
+          </a:fontRef>
+        </p:style>
+        <p:txBody>
+          <a:bodyPr rtlCol="0" anchor="ctr"/>
+          <a:lstStyle/>
+          <a:p>
+            <a:pPr algn="ctr"/>
+            <a:endParaRPr lang="en-US"/>
           </a:p>
         </p:txBody>
       </p:sp>
     </p:spTree>
     <p:extLst>
       <p:ext uri="{BB962C8B-B14F-4D97-AF65-F5344CB8AC3E}">
-        <p14:creationId xmlns:p14="http://schemas.microsoft.com/office/powerpoint/2010/main" val="1684677418"/>
+        <p14:creationId xmlns:p14="http://schemas.microsoft.com/office/powerpoint/2010/main" val="1369678468"/>
       </p:ext>
     </p:extLst>
   </p:cSld>
@@ -5091,9 +5115,40 @@
           <a:chExt cx="0" cy="0"/>
         </a:xfrm>
       </p:grpSpPr>
+      <p:sp>
+        <p:nvSpPr>
+          <p:cNvPr id="2" name="Title 1"/>
+          <p:cNvSpPr>
+            <a:spLocks noGrp="1"/>
+          </p:cNvSpPr>
+          <p:nvPr>
+            <p:ph type="title"/>
+          </p:nvPr>
+        </p:nvSpPr>
+        <p:spPr/>
+        <p:txBody>
+          <a:bodyPr/>
+          <a:lstStyle/>
+          <a:p>
+            <a:r>
+              <a:rPr lang="en-US" dirty="0" err="1" smtClean="0"/>
+              <a:t>npm</a:t>
+            </a:r>
+            <a:r>
+              <a:rPr lang="en-US" dirty="0" smtClean="0"/>
+              <a:t> &amp; </a:t>
+            </a:r>
+            <a:r>
+              <a:rPr lang="en-US" dirty="0" err="1" smtClean="0"/>
+              <a:t>package.json</a:t>
+            </a:r>
+            <a:endParaRPr lang="en-US" dirty="0"/>
+          </a:p>
+        </p:txBody>
+      </p:sp>
       <p:pic>
         <p:nvPicPr>
-          <p:cNvPr id="4" name="Content Placeholder 3" descr="wordcount object.png"/>
+          <p:cNvPr id="5" name="Content Placeholder 4" descr="npm init.png"/>
           <p:cNvPicPr>
             <a:picLocks noGrp="1" noChangeAspect="1"/>
           </p:cNvPicPr>
@@ -5115,95 +5170,15 @@
         </p:blipFill>
         <p:spPr>
           <a:xfrm>
-            <a:off x="2166914" y="707572"/>
-            <a:ext cx="8912120" cy="5965371"/>
+            <a:off x="1360714" y="2313744"/>
+            <a:ext cx="9601200" cy="1718884"/>
           </a:xfrm>
         </p:spPr>
       </p:pic>
-      <p:sp>
-        <p:nvSpPr>
-          <p:cNvPr id="5" name="TextBox 4"/>
-          <p:cNvSpPr txBox="1"/>
-          <p:nvPr/>
-        </p:nvSpPr>
-        <p:spPr>
-          <a:xfrm>
-            <a:off x="5540829" y="261257"/>
-            <a:ext cx="1418915" cy="369332"/>
-          </a:xfrm>
-          <a:prstGeom prst="rect">
-            <a:avLst/>
-          </a:prstGeom>
-          <a:noFill/>
-        </p:spPr>
-        <p:txBody>
-          <a:bodyPr wrap="none" rtlCol="0">
-            <a:spAutoFit/>
-          </a:bodyPr>
-          <a:lstStyle/>
-          <a:p>
-            <a:r>
-              <a:rPr lang="en-US" dirty="0" err="1"/>
-              <a:t>w</a:t>
-            </a:r>
-            <a:r>
-              <a:rPr lang="en-US" dirty="0" err="1" smtClean="0"/>
-              <a:t>ordcount.js</a:t>
-            </a:r>
-            <a:endParaRPr lang="en-US" dirty="0"/>
-          </a:p>
-        </p:txBody>
-      </p:sp>
-      <p:sp>
-        <p:nvSpPr>
-          <p:cNvPr id="6" name="Rectangle 5"/>
-          <p:cNvSpPr/>
-          <p:nvPr/>
-        </p:nvSpPr>
-        <p:spPr>
-          <a:xfrm>
-            <a:off x="2569030" y="6215742"/>
-            <a:ext cx="8371114" cy="326571"/>
-          </a:xfrm>
-          <a:prstGeom prst="rect">
-            <a:avLst/>
-          </a:prstGeom>
-          <a:noFill/>
-          <a:ln>
-            <a:solidFill>
-              <a:srgbClr val="FF0000"/>
-            </a:solidFill>
-          </a:ln>
-        </p:spPr>
-        <p:style>
-          <a:lnRef idx="2">
-            <a:schemeClr val="accent1">
-              <a:shade val="50000"/>
-            </a:schemeClr>
-          </a:lnRef>
-          <a:fillRef idx="1">
-            <a:schemeClr val="accent1"/>
-          </a:fillRef>
-          <a:effectRef idx="0">
-            <a:schemeClr val="accent1"/>
-          </a:effectRef>
-          <a:fontRef idx="minor">
-            <a:schemeClr val="lt1"/>
-          </a:fontRef>
-        </p:style>
-        <p:txBody>
-          <a:bodyPr rtlCol="0" anchor="ctr"/>
-          <a:lstStyle/>
-          <a:p>
-            <a:pPr algn="ctr"/>
-            <a:endParaRPr lang="en-US"/>
-          </a:p>
-        </p:txBody>
-      </p:sp>
     </p:spTree>
     <p:extLst>
       <p:ext uri="{BB962C8B-B14F-4D97-AF65-F5344CB8AC3E}">
-        <p14:creationId xmlns:p14="http://schemas.microsoft.com/office/powerpoint/2010/main" val="274325361"/>
+        <p14:creationId xmlns:p14="http://schemas.microsoft.com/office/powerpoint/2010/main" val="379366797"/>
       </p:ext>
     </p:extLst>
   </p:cSld>
@@ -5239,7 +5214,7 @@
       </p:grpSpPr>
       <p:pic>
         <p:nvPicPr>
-          <p:cNvPr id="4" name="Content Placeholder 3" descr="wc3.js use wordcount object.png"/>
+          <p:cNvPr id="4" name="Content Placeholder 3" descr="package.json.png"/>
           <p:cNvPicPr>
             <a:picLocks noGrp="1" noChangeAspect="1"/>
           </p:cNvPicPr>
@@ -5261,66 +5236,49 @@
         </p:blipFill>
         <p:spPr>
           <a:xfrm>
-            <a:off x="1687285" y="1573087"/>
-            <a:ext cx="9601200" cy="3483226"/>
+            <a:off x="1709058" y="1251338"/>
+            <a:ext cx="9491829" cy="4474547"/>
           </a:xfrm>
         </p:spPr>
       </p:pic>
       <p:sp>
         <p:nvSpPr>
-          <p:cNvPr id="5" name="Rectangle 4"/>
-          <p:cNvSpPr/>
+          <p:cNvPr id="5" name="TextBox 4"/>
+          <p:cNvSpPr txBox="1"/>
           <p:nvPr/>
         </p:nvSpPr>
         <p:spPr>
           <a:xfrm>
-            <a:off x="2111828" y="2133600"/>
-            <a:ext cx="8969829" cy="293914"/>
+            <a:off x="5270607" y="656985"/>
+            <a:ext cx="1899302" cy="461665"/>
           </a:xfrm>
           <a:prstGeom prst="rect">
             <a:avLst/>
           </a:prstGeom>
           <a:noFill/>
-          <a:ln>
-            <a:solidFill>
-              <a:srgbClr val="FF0000"/>
-            </a:solidFill>
-          </a:ln>
-        </p:spPr>
-        <p:style>
-          <a:lnRef idx="2">
-            <a:schemeClr val="accent1">
-              <a:shade val="50000"/>
-            </a:schemeClr>
-          </a:lnRef>
-          <a:fillRef idx="1">
-            <a:schemeClr val="accent1"/>
-          </a:fillRef>
-          <a:effectRef idx="0">
-            <a:schemeClr val="accent1"/>
-          </a:effectRef>
-          <a:fontRef idx="minor">
-            <a:schemeClr val="lt1"/>
-          </a:fontRef>
-        </p:style>
-        <p:txBody>
-          <a:bodyPr rot="0" spcFirstLastPara="0" vertOverflow="overflow" horzOverflow="overflow" vert="horz" wrap="square" lIns="91440" tIns="45720" rIns="91440" bIns="45720" numCol="1" spcCol="0" rtlCol="0" fromWordArt="0" anchor="ctr" anchorCtr="0" forceAA="0" compatLnSpc="1">
-            <a:prstTxWarp prst="textNoShape">
-              <a:avLst/>
-            </a:prstTxWarp>
-            <a:noAutofit/>
+        </p:spPr>
+        <p:txBody>
+          <a:bodyPr wrap="none" rtlCol="0">
+            <a:spAutoFit/>
           </a:bodyPr>
           <a:lstStyle/>
           <a:p>
-            <a:pPr algn="ctr"/>
-            <a:endParaRPr lang="en-US"/>
+            <a:r>
+              <a:rPr lang="en-US" sz="2400" dirty="0" err="1"/>
+              <a:t>p</a:t>
+            </a:r>
+            <a:r>
+              <a:rPr lang="en-US" sz="2400" dirty="0" err="1" smtClean="0"/>
+              <a:t>ackage.json</a:t>
+            </a:r>
+            <a:endParaRPr lang="en-US" sz="2400" dirty="0"/>
           </a:p>
         </p:txBody>
       </p:sp>
     </p:spTree>
     <p:extLst>
       <p:ext uri="{BB962C8B-B14F-4D97-AF65-F5344CB8AC3E}">
-        <p14:creationId xmlns:p14="http://schemas.microsoft.com/office/powerpoint/2010/main" val="1777288820"/>
+        <p14:creationId xmlns:p14="http://schemas.microsoft.com/office/powerpoint/2010/main" val="213952386"/>
       </p:ext>
     </p:extLst>
   </p:cSld>
@@ -5354,43 +5312,171 @@
           <a:chExt cx="0" cy="0"/>
         </a:xfrm>
       </p:grpSpPr>
-      <p:sp>
-        <p:nvSpPr>
-          <p:cNvPr id="2" name="Title 1"/>
-          <p:cNvSpPr>
-            <a:spLocks noGrp="1"/>
-          </p:cNvSpPr>
-          <p:nvPr>
-            <p:ph type="title"/>
-          </p:nvPr>
-        </p:nvSpPr>
-        <p:spPr>
-          <a:xfrm>
-            <a:off x="1458686" y="2895600"/>
-            <a:ext cx="9601200" cy="1485900"/>
-          </a:xfrm>
-        </p:spPr>
-        <p:txBody>
-          <a:bodyPr/>
+      <p:pic>
+        <p:nvPicPr>
+          <p:cNvPr id="4" name="Content Placeholder 3" descr="npm install.png"/>
+          <p:cNvPicPr>
+            <a:picLocks noGrp="1" noChangeAspect="1"/>
+          </p:cNvPicPr>
+          <p:nvPr>
+            <p:ph idx="1"/>
+          </p:nvPr>
+        </p:nvPicPr>
+        <p:blipFill>
+          <a:blip r:embed="rId2">
+            <a:extLst>
+              <a:ext uri="{28A0092B-C50C-407E-A947-70E740481C1C}">
+                <a14:useLocalDpi xmlns:a14="http://schemas.microsoft.com/office/drawing/2010/main" val="0"/>
+              </a:ext>
+            </a:extLst>
+          </a:blip>
+          <a:stretch>
+            <a:fillRect/>
+          </a:stretch>
+        </p:blipFill>
+        <p:spPr>
+          <a:xfrm>
+            <a:off x="1567543" y="1066885"/>
+            <a:ext cx="9601200" cy="925115"/>
+          </a:xfrm>
+        </p:spPr>
+      </p:pic>
+      <p:pic>
+        <p:nvPicPr>
+          <p:cNvPr id="5" name="Picture 4" descr="npm install global.png"/>
+          <p:cNvPicPr>
+            <a:picLocks noChangeAspect="1"/>
+          </p:cNvPicPr>
+          <p:nvPr/>
+        </p:nvPicPr>
+        <p:blipFill>
+          <a:blip r:embed="rId3">
+            <a:extLst>
+              <a:ext uri="{28A0092B-C50C-407E-A947-70E740481C1C}">
+                <a14:useLocalDpi xmlns:a14="http://schemas.microsoft.com/office/drawing/2010/main" val="0"/>
+              </a:ext>
+            </a:extLst>
+          </a:blip>
+          <a:stretch>
+            <a:fillRect/>
+          </a:stretch>
+        </p:blipFill>
+        <p:spPr>
+          <a:xfrm>
+            <a:off x="1567543" y="2351314"/>
+            <a:ext cx="9601200" cy="1186104"/>
+          </a:xfrm>
+          <a:prstGeom prst="rect">
+            <a:avLst/>
+          </a:prstGeom>
+        </p:spPr>
+      </p:pic>
+      <p:pic>
+        <p:nvPicPr>
+          <p:cNvPr id="6" name="Picture 5" descr="npm uninstall.png"/>
+          <p:cNvPicPr>
+            <a:picLocks noChangeAspect="1"/>
+          </p:cNvPicPr>
+          <p:nvPr/>
+        </p:nvPicPr>
+        <p:blipFill>
+          <a:blip r:embed="rId4">
+            <a:extLst>
+              <a:ext uri="{28A0092B-C50C-407E-A947-70E740481C1C}">
+                <a14:useLocalDpi xmlns:a14="http://schemas.microsoft.com/office/drawing/2010/main" val="0"/>
+              </a:ext>
+            </a:extLst>
+          </a:blip>
+          <a:stretch>
+            <a:fillRect/>
+          </a:stretch>
+        </p:blipFill>
+        <p:spPr>
+          <a:xfrm>
+            <a:off x="1567543" y="3896732"/>
+            <a:ext cx="9601200" cy="877394"/>
+          </a:xfrm>
+          <a:prstGeom prst="rect">
+            <a:avLst/>
+          </a:prstGeom>
+        </p:spPr>
+      </p:pic>
+      <p:pic>
+        <p:nvPicPr>
+          <p:cNvPr id="7" name="Picture 6" descr="npm install to another computer.png"/>
+          <p:cNvPicPr>
+            <a:picLocks noChangeAspect="1"/>
+          </p:cNvPicPr>
+          <p:nvPr/>
+        </p:nvPicPr>
+        <p:blipFill>
+          <a:blip r:embed="rId5">
+            <a:extLst>
+              <a:ext uri="{28A0092B-C50C-407E-A947-70E740481C1C}">
+                <a14:useLocalDpi xmlns:a14="http://schemas.microsoft.com/office/drawing/2010/main" val="0"/>
+              </a:ext>
+            </a:extLst>
+          </a:blip>
+          <a:stretch>
+            <a:fillRect/>
+          </a:stretch>
+        </p:blipFill>
+        <p:spPr>
+          <a:xfrm>
+            <a:off x="1567543" y="5133440"/>
+            <a:ext cx="9563100" cy="977900"/>
+          </a:xfrm>
+          <a:prstGeom prst="rect">
+            <a:avLst/>
+          </a:prstGeom>
+        </p:spPr>
+      </p:pic>
+      <p:sp>
+        <p:nvSpPr>
+          <p:cNvPr id="8" name="TextBox 7"/>
+          <p:cNvSpPr txBox="1"/>
+          <p:nvPr/>
+        </p:nvSpPr>
+        <p:spPr>
+          <a:xfrm>
+            <a:off x="5055454" y="425563"/>
+            <a:ext cx="2071849" cy="461665"/>
+          </a:xfrm>
+          <a:prstGeom prst="rect">
+            <a:avLst/>
+          </a:prstGeom>
+          <a:noFill/>
+        </p:spPr>
+        <p:txBody>
+          <a:bodyPr wrap="none" rtlCol="0">
+            <a:spAutoFit/>
+          </a:bodyPr>
           <a:lstStyle/>
           <a:p>
-            <a:pPr algn="ctr"/>
-            <a:r>
-              <a:rPr lang="en-US" dirty="0" err="1" smtClean="0"/>
-              <a:t>WebServer</a:t>
-            </a:r>
-            <a:r>
-              <a:rPr lang="en-US" dirty="0" smtClean="0"/>
-              <a:t> Example (ca 1990)</a:t>
-            </a:r>
-            <a:endParaRPr lang="en-US" dirty="0"/>
+            <a:r>
+              <a:rPr lang="en-US" sz="2400" dirty="0" err="1"/>
+              <a:t>n</a:t>
+            </a:r>
+            <a:r>
+              <a:rPr lang="en-US" sz="2400" dirty="0" err="1" smtClean="0"/>
+              <a:t>pm</a:t>
+            </a:r>
+            <a:r>
+              <a:rPr lang="en-US" sz="2400" dirty="0" smtClean="0"/>
+              <a:t> </a:t>
+            </a:r>
+            <a:r>
+              <a:rPr lang="zh-CHT" altLang="en-US" sz="2400" dirty="0" smtClean="0"/>
+              <a:t>常用指令</a:t>
+            </a:r>
+            <a:endParaRPr lang="en-US" sz="2400" dirty="0"/>
           </a:p>
         </p:txBody>
       </p:sp>
     </p:spTree>
     <p:extLst>
       <p:ext uri="{BB962C8B-B14F-4D97-AF65-F5344CB8AC3E}">
-        <p14:creationId xmlns:p14="http://schemas.microsoft.com/office/powerpoint/2010/main" val="1390865725"/>
+        <p14:creationId xmlns:p14="http://schemas.microsoft.com/office/powerpoint/2010/main" val="67874133"/>
       </p:ext>
     </p:extLst>
   </p:cSld>
@@ -5424,39 +5510,39 @@
           <a:chExt cx="0" cy="0"/>
         </a:xfrm>
       </p:grpSpPr>
-      <p:pic>
-        <p:nvPicPr>
-          <p:cNvPr id="4" name="Content Placeholder 3" descr="webserver.js.png"/>
-          <p:cNvPicPr>
-            <a:picLocks noGrp="1" noChangeAspect="1"/>
-          </p:cNvPicPr>
-          <p:nvPr>
-            <p:ph idx="1"/>
-          </p:nvPr>
-        </p:nvPicPr>
-        <p:blipFill>
-          <a:blip r:embed="rId2">
-            <a:extLst>
-              <a:ext uri="{28A0092B-C50C-407E-A947-70E740481C1C}">
-                <a14:useLocalDpi xmlns:a14="http://schemas.microsoft.com/office/drawing/2010/main" val="0"/>
-              </a:ext>
-            </a:extLst>
-          </a:blip>
-          <a:stretch>
-            <a:fillRect/>
-          </a:stretch>
-        </p:blipFill>
-        <p:spPr>
-          <a:xfrm>
-            <a:off x="1774371" y="158648"/>
-            <a:ext cx="9481457" cy="6461198"/>
-          </a:xfrm>
-        </p:spPr>
-      </p:pic>
+      <p:sp>
+        <p:nvSpPr>
+          <p:cNvPr id="2" name="Title 1"/>
+          <p:cNvSpPr>
+            <a:spLocks noGrp="1"/>
+          </p:cNvSpPr>
+          <p:nvPr>
+            <p:ph type="title"/>
+          </p:nvPr>
+        </p:nvSpPr>
+        <p:spPr>
+          <a:xfrm>
+            <a:off x="1752600" y="2808514"/>
+            <a:ext cx="9601200" cy="1485900"/>
+          </a:xfrm>
+        </p:spPr>
+        <p:txBody>
+          <a:bodyPr/>
+          <a:lstStyle/>
+          <a:p>
+            <a:pPr algn="ctr"/>
+            <a:r>
+              <a:rPr lang="en-US" dirty="0" smtClean="0"/>
+              <a:t>How to write our own modules ?</a:t>
+            </a:r>
+            <a:endParaRPr lang="en-US" dirty="0"/>
+          </a:p>
+        </p:txBody>
+      </p:sp>
     </p:spTree>
     <p:extLst>
       <p:ext uri="{BB962C8B-B14F-4D97-AF65-F5344CB8AC3E}">
-        <p14:creationId xmlns:p14="http://schemas.microsoft.com/office/powerpoint/2010/main" val="912194650"/>
+        <p14:creationId xmlns:p14="http://schemas.microsoft.com/office/powerpoint/2010/main" val="1684677418"/>
       </p:ext>
     </p:extLst>
   </p:cSld>
@@ -5583,50 +5669,119 @@
           <a:chExt cx="0" cy="0"/>
         </a:xfrm>
       </p:grpSpPr>
-      <p:sp>
-        <p:nvSpPr>
-          <p:cNvPr id="2" name="Title 1"/>
-          <p:cNvSpPr>
-            <a:spLocks noGrp="1"/>
-          </p:cNvSpPr>
-          <p:nvPr>
-            <p:ph type="title"/>
-          </p:nvPr>
-        </p:nvSpPr>
-        <p:spPr>
-          <a:xfrm>
-            <a:off x="1458686" y="2895600"/>
-            <a:ext cx="9601200" cy="1485900"/>
-          </a:xfrm>
-        </p:spPr>
-        <p:txBody>
-          <a:bodyPr/>
+      <p:pic>
+        <p:nvPicPr>
+          <p:cNvPr id="4" name="Content Placeholder 3" descr="wordcount object.png"/>
+          <p:cNvPicPr>
+            <a:picLocks noGrp="1" noChangeAspect="1"/>
+          </p:cNvPicPr>
+          <p:nvPr>
+            <p:ph idx="1"/>
+          </p:nvPr>
+        </p:nvPicPr>
+        <p:blipFill>
+          <a:blip r:embed="rId2">
+            <a:extLst>
+              <a:ext uri="{28A0092B-C50C-407E-A947-70E740481C1C}">
+                <a14:useLocalDpi xmlns:a14="http://schemas.microsoft.com/office/drawing/2010/main" val="0"/>
+              </a:ext>
+            </a:extLst>
+          </a:blip>
+          <a:stretch>
+            <a:fillRect/>
+          </a:stretch>
+        </p:blipFill>
+        <p:spPr>
+          <a:xfrm>
+            <a:off x="2166914" y="707572"/>
+            <a:ext cx="8912120" cy="5965371"/>
+          </a:xfrm>
+        </p:spPr>
+      </p:pic>
+      <p:sp>
+        <p:nvSpPr>
+          <p:cNvPr id="5" name="TextBox 4"/>
+          <p:cNvSpPr txBox="1"/>
+          <p:nvPr/>
+        </p:nvSpPr>
+        <p:spPr>
+          <a:xfrm>
+            <a:off x="5312229" y="115277"/>
+            <a:ext cx="1828706" cy="461665"/>
+          </a:xfrm>
+          <a:prstGeom prst="rect">
+            <a:avLst/>
+          </a:prstGeom>
+          <a:noFill/>
+        </p:spPr>
+        <p:txBody>
+          <a:bodyPr wrap="none" rtlCol="0">
+            <a:spAutoFit/>
+          </a:bodyPr>
           <a:lstStyle/>
           <a:p>
+            <a:r>
+              <a:rPr lang="en-US" sz="2400" dirty="0" err="1"/>
+              <a:t>w</a:t>
+            </a:r>
+            <a:r>
+              <a:rPr lang="en-US" sz="2400" dirty="0" err="1" smtClean="0"/>
+              <a:t>ordcount.js</a:t>
+            </a:r>
+            <a:endParaRPr lang="en-US" sz="2400" dirty="0"/>
+          </a:p>
+        </p:txBody>
+      </p:sp>
+      <p:sp>
+        <p:nvSpPr>
+          <p:cNvPr id="6" name="Rectangle 5"/>
+          <p:cNvSpPr/>
+          <p:nvPr/>
+        </p:nvSpPr>
+        <p:spPr>
+          <a:xfrm>
+            <a:off x="2569030" y="6215742"/>
+            <a:ext cx="8371114" cy="326571"/>
+          </a:xfrm>
+          <a:prstGeom prst="rect">
+            <a:avLst/>
+          </a:prstGeom>
+          <a:noFill/>
+          <a:ln>
+            <a:solidFill>
+              <a:srgbClr val="FF0000"/>
+            </a:solidFill>
+          </a:ln>
+        </p:spPr>
+        <p:style>
+          <a:lnRef idx="2">
+            <a:schemeClr val="accent1">
+              <a:shade val="50000"/>
+            </a:schemeClr>
+          </a:lnRef>
+          <a:fillRef idx="1">
+            <a:schemeClr val="accent1"/>
+          </a:fillRef>
+          <a:effectRef idx="0">
+            <a:schemeClr val="accent1"/>
+          </a:effectRef>
+          <a:fontRef idx="minor">
+            <a:schemeClr val="lt1"/>
+          </a:fontRef>
+        </p:style>
+        <p:txBody>
+          <a:bodyPr rtlCol="0" anchor="ctr"/>
+          <a:lstStyle/>
+          <a:p>
             <a:pPr algn="ctr"/>
-            <a:r>
-              <a:rPr lang="en-US" dirty="0" err="1" smtClean="0"/>
-              <a:t>WebServer</a:t>
-            </a:r>
-            <a:r>
-              <a:rPr lang="en-US" dirty="0" smtClean="0"/>
-              <a:t> Example </a:t>
-            </a:r>
-            <a:br>
-              <a:rPr lang="en-US" dirty="0" smtClean="0"/>
-            </a:br>
-            <a:r>
-              <a:rPr lang="en-US" dirty="0" smtClean="0"/>
-              <a:t>(using express framework)</a:t>
-            </a:r>
-            <a:endParaRPr lang="en-US" dirty="0"/>
+            <a:endParaRPr lang="en-US"/>
           </a:p>
         </p:txBody>
       </p:sp>
     </p:spTree>
     <p:extLst>
       <p:ext uri="{BB962C8B-B14F-4D97-AF65-F5344CB8AC3E}">
-        <p14:creationId xmlns:p14="http://schemas.microsoft.com/office/powerpoint/2010/main" val="419914800"/>
+        <p14:creationId xmlns:p14="http://schemas.microsoft.com/office/powerpoint/2010/main" val="274325361"/>
       </p:ext>
     </p:extLst>
   </p:cSld>
@@ -5662,7 +5817,7 @@
       </p:grpSpPr>
       <p:pic>
         <p:nvPicPr>
-          <p:cNvPr id="4" name="Content Placeholder 3" descr="webserver2.js.png"/>
+          <p:cNvPr id="4" name="Content Placeholder 3" descr="wc3.js use wordcount object.png"/>
           <p:cNvPicPr>
             <a:picLocks noGrp="1" noChangeAspect="1"/>
           </p:cNvPicPr>
@@ -5684,15 +5839,66 @@
         </p:blipFill>
         <p:spPr>
           <a:xfrm>
-            <a:off x="1676400" y="283383"/>
-            <a:ext cx="9557657" cy="6315447"/>
+            <a:off x="1687285" y="1573087"/>
+            <a:ext cx="9601200" cy="3483226"/>
           </a:xfrm>
         </p:spPr>
       </p:pic>
+      <p:sp>
+        <p:nvSpPr>
+          <p:cNvPr id="5" name="Rectangle 4"/>
+          <p:cNvSpPr/>
+          <p:nvPr/>
+        </p:nvSpPr>
+        <p:spPr>
+          <a:xfrm>
+            <a:off x="2111828" y="2133600"/>
+            <a:ext cx="8969829" cy="293914"/>
+          </a:xfrm>
+          <a:prstGeom prst="rect">
+            <a:avLst/>
+          </a:prstGeom>
+          <a:noFill/>
+          <a:ln>
+            <a:solidFill>
+              <a:srgbClr val="FF0000"/>
+            </a:solidFill>
+          </a:ln>
+        </p:spPr>
+        <p:style>
+          <a:lnRef idx="2">
+            <a:schemeClr val="accent1">
+              <a:shade val="50000"/>
+            </a:schemeClr>
+          </a:lnRef>
+          <a:fillRef idx="1">
+            <a:schemeClr val="accent1"/>
+          </a:fillRef>
+          <a:effectRef idx="0">
+            <a:schemeClr val="accent1"/>
+          </a:effectRef>
+          <a:fontRef idx="minor">
+            <a:schemeClr val="lt1"/>
+          </a:fontRef>
+        </p:style>
+        <p:txBody>
+          <a:bodyPr rot="0" spcFirstLastPara="0" vertOverflow="overflow" horzOverflow="overflow" vert="horz" wrap="square" lIns="91440" tIns="45720" rIns="91440" bIns="45720" numCol="1" spcCol="0" rtlCol="0" fromWordArt="0" anchor="ctr" anchorCtr="0" forceAA="0" compatLnSpc="1">
+            <a:prstTxWarp prst="textNoShape">
+              <a:avLst/>
+            </a:prstTxWarp>
+            <a:noAutofit/>
+          </a:bodyPr>
+          <a:lstStyle/>
+          <a:p>
+            <a:pPr algn="ctr"/>
+            <a:endParaRPr lang="en-US"/>
+          </a:p>
+        </p:txBody>
+      </p:sp>
     </p:spTree>
     <p:extLst>
       <p:ext uri="{BB962C8B-B14F-4D97-AF65-F5344CB8AC3E}">
-        <p14:creationId xmlns:p14="http://schemas.microsoft.com/office/powerpoint/2010/main" val="838139053"/>
+        <p14:creationId xmlns:p14="http://schemas.microsoft.com/office/powerpoint/2010/main" val="1777288820"/>
       </p:ext>
     </p:extLst>
   </p:cSld>
@@ -5738,26 +5944,54 @@
         </p:nvSpPr>
         <p:spPr>
           <a:xfrm>
-            <a:off x="1458686" y="2895600"/>
-            <a:ext cx="9601200" cy="1485900"/>
-          </a:xfrm>
-        </p:spPr>
-        <p:txBody>
-          <a:bodyPr/>
+            <a:off x="1620051" y="2653553"/>
+            <a:ext cx="9601200" cy="2106706"/>
+          </a:xfrm>
+        </p:spPr>
+        <p:txBody>
+          <a:bodyPr>
+            <a:normAutofit/>
+          </a:bodyPr>
           <a:lstStyle/>
           <a:p>
             <a:pPr algn="ctr"/>
             <a:r>
+              <a:rPr lang="en-US" dirty="0" err="1" smtClean="0"/>
+              <a:t>Node.js</a:t>
+            </a:r>
+            <a:r>
+              <a:rPr lang="zh-CHT" altLang="en-US" dirty="0" smtClean="0"/>
+              <a:t>內建</a:t>
+            </a:r>
+            <a:r>
+              <a:rPr lang="en-US" altLang="zh-CHT" dirty="0" smtClean="0"/>
+              <a:t>HTTP/NET</a:t>
+            </a:r>
+            <a:r>
+              <a:rPr lang="zh-CHT" altLang="en-US" dirty="0" smtClean="0"/>
+              <a:t>模組</a:t>
+            </a:r>
+            <a:r>
+              <a:rPr lang="en-US" altLang="zh-CHT" dirty="0" smtClean="0"/>
+              <a:t/>
+            </a:r>
+            <a:br>
+              <a:rPr lang="en-US" altLang="zh-CHT" dirty="0" smtClean="0"/>
+            </a:br>
+            <a:r>
               <a:rPr lang="en-US" dirty="0" smtClean="0"/>
-              <a:t>NW.JS (was node-</a:t>
-            </a:r>
+              <a:t/>
+            </a:r>
+            <a:br>
+              <a:rPr lang="en-US" dirty="0" smtClean="0"/>
+            </a:br>
             <a:r>
               <a:rPr lang="en-US" dirty="0" err="1" smtClean="0"/>
-              <a:t>webkit</a:t>
+              <a:t>WebServer</a:t>
             </a:r>
             <a:r>
               <a:rPr lang="en-US" dirty="0" smtClean="0"/>
-              <a:t>)</a:t>
+              <a:t> Example (ca 1990)</a:t>
             </a:r>
             <a:endParaRPr lang="en-US" dirty="0"/>
           </a:p>
@@ -5766,7 +6000,7 @@
     </p:spTree>
     <p:extLst>
       <p:ext uri="{BB962C8B-B14F-4D97-AF65-F5344CB8AC3E}">
-        <p14:creationId xmlns:p14="http://schemas.microsoft.com/office/powerpoint/2010/main" val="2145854098"/>
+        <p14:creationId xmlns:p14="http://schemas.microsoft.com/office/powerpoint/2010/main" val="1390865725"/>
       </p:ext>
     </p:extLst>
   </p:cSld>
@@ -5802,7 +6036,7 @@
       </p:grpSpPr>
       <p:pic>
         <p:nvPicPr>
-          <p:cNvPr id="4" name="Content Placeholder 3" descr="nw.js.png"/>
+          <p:cNvPr id="4" name="Content Placeholder 3" descr="webserver.js.png"/>
           <p:cNvPicPr>
             <a:picLocks noGrp="1" noChangeAspect="1"/>
           </p:cNvPicPr>
@@ -5824,15 +6058,15 @@
         </p:blipFill>
         <p:spPr>
           <a:xfrm>
-            <a:off x="1959016" y="511630"/>
-            <a:ext cx="9220477" cy="5595256"/>
+            <a:off x="1774371" y="158648"/>
+            <a:ext cx="9481457" cy="6461198"/>
           </a:xfrm>
         </p:spPr>
       </p:pic>
     </p:spTree>
     <p:extLst>
       <p:ext uri="{BB962C8B-B14F-4D97-AF65-F5344CB8AC3E}">
-        <p14:creationId xmlns:p14="http://schemas.microsoft.com/office/powerpoint/2010/main" val="959162035"/>
+        <p14:creationId xmlns:p14="http://schemas.microsoft.com/office/powerpoint/2010/main" val="912194650"/>
       </p:ext>
     </p:extLst>
   </p:cSld>
@@ -5878,47 +6112,36 @@
         </p:nvSpPr>
         <p:spPr>
           <a:xfrm>
-            <a:off x="1774372" y="2699656"/>
-            <a:ext cx="9601200" cy="1431471"/>
-          </a:xfrm>
-        </p:spPr>
-        <p:txBody>
-          <a:bodyPr>
-            <a:normAutofit/>
-          </a:bodyPr>
+            <a:off x="1593156" y="2586316"/>
+            <a:ext cx="9675479" cy="2294965"/>
+          </a:xfrm>
+        </p:spPr>
+        <p:txBody>
+          <a:bodyPr/>
           <a:lstStyle/>
           <a:p>
             <a:pPr algn="ctr"/>
             <a:r>
-              <a:rPr lang="zh-CHT" altLang="en-US" dirty="0" smtClean="0"/>
-              <a:t>一個可以用</a:t>
-            </a:r>
-            <a:r>
-              <a:rPr lang="en-US" altLang="zh-CHT" dirty="0" err="1" smtClean="0"/>
-              <a:t>node.js</a:t>
-            </a:r>
-            <a:r>
-              <a:rPr lang="en-US" altLang="zh-CHT" dirty="0" smtClean="0"/>
-              <a:t> + html5</a:t>
-            </a:r>
-            <a:r>
-              <a:rPr lang="zh-CHT" altLang="en-US" dirty="0" smtClean="0"/>
-              <a:t>來撰寫</a:t>
-            </a:r>
-            <a:r>
-              <a:rPr lang="en-US" altLang="zh-CHT" dirty="0" smtClean="0"/>
+              <a:rPr lang="en-US" dirty="0" err="1" smtClean="0"/>
+              <a:t>WebServer</a:t>
+            </a:r>
+            <a:r>
+              <a:rPr lang="en-US" dirty="0" smtClean="0"/>
+              <a:t> Example </a:t>
+            </a:r>
+            <a:br>
+              <a:rPr lang="en-US" dirty="0" smtClean="0"/>
+            </a:br>
+            <a:r>
+              <a:rPr lang="en-US" dirty="0" smtClean="0"/>
               <a:t/>
             </a:r>
             <a:br>
-              <a:rPr lang="en-US" altLang="zh-CHT" dirty="0" smtClean="0"/>
+              <a:rPr lang="en-US" dirty="0" smtClean="0"/>
             </a:br>
             <a:r>
-              <a:rPr lang="en-US" altLang="zh-CHT" dirty="0" smtClean="0"/>
-              <a:t>desktop</a:t>
-            </a:r>
-            <a:r>
-              <a:rPr lang="zh-CHT" altLang="en-US" dirty="0" smtClean="0"/>
-              <a:t>程式的平台</a:t>
+              <a:rPr lang="en-US" dirty="0" smtClean="0"/>
+              <a:t>(using express framework)</a:t>
             </a:r>
             <a:endParaRPr lang="en-US" dirty="0"/>
           </a:p>
@@ -5927,7 +6150,7 @@
     </p:spTree>
     <p:extLst>
       <p:ext uri="{BB962C8B-B14F-4D97-AF65-F5344CB8AC3E}">
-        <p14:creationId xmlns:p14="http://schemas.microsoft.com/office/powerpoint/2010/main" val="1244453596"/>
+        <p14:creationId xmlns:p14="http://schemas.microsoft.com/office/powerpoint/2010/main" val="419914800"/>
       </p:ext>
     </p:extLst>
   </p:cSld>
@@ -5961,40 +6184,15 @@
           <a:chExt cx="0" cy="0"/>
         </a:xfrm>
       </p:grpSpPr>
-      <p:sp>
-        <p:nvSpPr>
-          <p:cNvPr id="2" name="Title 1"/>
-          <p:cNvSpPr>
-            <a:spLocks noGrp="1"/>
-          </p:cNvSpPr>
-          <p:nvPr>
-            <p:ph type="title"/>
-          </p:nvPr>
-        </p:nvSpPr>
-        <p:spPr/>
-        <p:txBody>
-          <a:bodyPr/>
-          <a:lstStyle/>
-          <a:p>
-            <a:r>
-              <a:rPr lang="en-US" dirty="0" smtClean="0"/>
-              <a:t>Simple way to run </a:t>
-            </a:r>
-            <a:r>
-              <a:rPr lang="en-US" dirty="0" err="1" smtClean="0"/>
-              <a:t>nw.js</a:t>
-            </a:r>
-            <a:endParaRPr lang="en-US" dirty="0"/>
-          </a:p>
-        </p:txBody>
-      </p:sp>
       <p:pic>
         <p:nvPicPr>
-          <p:cNvPr id="4" name="Content Placeholder 3" descr="nw.js package.json.png"/>
+          <p:cNvPr id="4" name="Content Placeholder 3" descr="webserver2.js.png"/>
           <p:cNvPicPr>
-            <a:picLocks noChangeAspect="1"/>
+            <a:picLocks noGrp="1" noChangeAspect="1"/>
           </p:cNvPicPr>
-          <p:nvPr/>
+          <p:nvPr>
+            <p:ph idx="1"/>
+          </p:nvPr>
         </p:nvPicPr>
         <p:blipFill>
           <a:blip r:embed="rId2">
@@ -6010,102 +6208,15 @@
         </p:blipFill>
         <p:spPr>
           <a:xfrm>
-            <a:off x="1654629" y="2124356"/>
-            <a:ext cx="9601200" cy="3237904"/>
-          </a:xfrm>
-          <a:prstGeom prst="rect">
-            <a:avLst/>
-          </a:prstGeom>
+            <a:off x="1676400" y="283383"/>
+            <a:ext cx="9557657" cy="6315447"/>
+          </a:xfrm>
         </p:spPr>
       </p:pic>
-      <p:sp>
-        <p:nvSpPr>
-          <p:cNvPr id="5" name="TextBox 4"/>
-          <p:cNvSpPr txBox="1"/>
-          <p:nvPr/>
-        </p:nvSpPr>
-        <p:spPr>
-          <a:xfrm>
-            <a:off x="1578429" y="1667538"/>
-            <a:ext cx="2310761" cy="369332"/>
-          </a:xfrm>
-          <a:prstGeom prst="rect">
-            <a:avLst/>
-          </a:prstGeom>
-          <a:noFill/>
-        </p:spPr>
-        <p:txBody>
-          <a:bodyPr wrap="none" rtlCol="0">
-            <a:spAutoFit/>
-          </a:bodyPr>
-          <a:lstStyle/>
-          <a:p>
-            <a:r>
-              <a:rPr lang="en-US" dirty="0" err="1" smtClean="0"/>
-              <a:t>nw</a:t>
-            </a:r>
-            <a:r>
-              <a:rPr lang="en-US" dirty="0" smtClean="0"/>
-              <a:t>-app/</a:t>
-            </a:r>
-            <a:r>
-              <a:rPr lang="en-US" dirty="0" err="1" smtClean="0"/>
-              <a:t>package.json</a:t>
-            </a:r>
-            <a:endParaRPr lang="en-US" dirty="0"/>
-          </a:p>
-        </p:txBody>
-      </p:sp>
-      <p:sp>
-        <p:nvSpPr>
-          <p:cNvPr id="6" name="TextBox 5"/>
-          <p:cNvSpPr txBox="1"/>
-          <p:nvPr/>
-        </p:nvSpPr>
-        <p:spPr>
-          <a:xfrm>
-            <a:off x="1654629" y="5537233"/>
-            <a:ext cx="1984774" cy="369332"/>
-          </a:xfrm>
-          <a:prstGeom prst="rect">
-            <a:avLst/>
-          </a:prstGeom>
-          <a:noFill/>
-        </p:spPr>
-        <p:txBody>
-          <a:bodyPr wrap="none" rtlCol="0">
-            <a:spAutoFit/>
-          </a:bodyPr>
-          <a:lstStyle/>
-          <a:p>
-            <a:r>
-              <a:rPr lang="en-US" dirty="0" smtClean="0"/>
-              <a:t>C&gt; </a:t>
-            </a:r>
-            <a:r>
-              <a:rPr lang="en-US" dirty="0" err="1" smtClean="0"/>
-              <a:t>nw.exe</a:t>
-            </a:r>
-            <a:r>
-              <a:rPr lang="en-US" dirty="0" smtClean="0"/>
-              <a:t> </a:t>
-            </a:r>
-            <a:r>
-              <a:rPr lang="en-US" dirty="0" err="1" smtClean="0"/>
-              <a:t>nw</a:t>
-            </a:r>
-            <a:r>
-              <a:rPr lang="en-US" dirty="0" smtClean="0"/>
-              <a:t>-app</a:t>
-            </a:r>
-            <a:endParaRPr lang="en-US" dirty="0"/>
-          </a:p>
-        </p:txBody>
-      </p:sp>
     </p:spTree>
     <p:extLst>
       <p:ext uri="{BB962C8B-B14F-4D97-AF65-F5344CB8AC3E}">
-        <p14:creationId xmlns:p14="http://schemas.microsoft.com/office/powerpoint/2010/main" val="204428608"/>
+        <p14:creationId xmlns:p14="http://schemas.microsoft.com/office/powerpoint/2010/main" val="838139053"/>
       </p:ext>
     </p:extLst>
   </p:cSld>
@@ -6139,114 +6250,38 @@
           <a:chExt cx="0" cy="0"/>
         </a:xfrm>
       </p:grpSpPr>
-      <p:pic>
-        <p:nvPicPr>
-          <p:cNvPr id="4" name="Content Placeholder 3" descr="nw.js package.json.png"/>
-          <p:cNvPicPr>
-            <a:picLocks noGrp="1" noChangeAspect="1"/>
-          </p:cNvPicPr>
-          <p:nvPr>
-            <p:ph idx="1"/>
-          </p:nvPr>
-        </p:nvPicPr>
-        <p:blipFill>
-          <a:blip r:embed="rId2">
-            <a:extLst>
-              <a:ext uri="{28A0092B-C50C-407E-A947-70E740481C1C}">
-                <a14:useLocalDpi xmlns:a14="http://schemas.microsoft.com/office/drawing/2010/main" val="0"/>
-              </a:ext>
-            </a:extLst>
-          </a:blip>
-          <a:stretch>
-            <a:fillRect/>
-          </a:stretch>
-        </p:blipFill>
-        <p:spPr>
-          <a:xfrm>
-            <a:off x="1556657" y="890205"/>
-            <a:ext cx="9601200" cy="3237904"/>
-          </a:xfrm>
-        </p:spPr>
-      </p:pic>
-      <p:sp>
-        <p:nvSpPr>
-          <p:cNvPr id="5" name="TextBox 4"/>
-          <p:cNvSpPr txBox="1"/>
-          <p:nvPr/>
-        </p:nvSpPr>
-        <p:spPr>
-          <a:xfrm>
-            <a:off x="1556657" y="368473"/>
-            <a:ext cx="2310761" cy="369332"/>
-          </a:xfrm>
-          <a:prstGeom prst="rect">
-            <a:avLst/>
-          </a:prstGeom>
-          <a:noFill/>
-        </p:spPr>
-        <p:txBody>
-          <a:bodyPr wrap="none" rtlCol="0">
-            <a:spAutoFit/>
-          </a:bodyPr>
+      <p:sp>
+        <p:nvSpPr>
+          <p:cNvPr id="2" name="Title 1"/>
+          <p:cNvSpPr>
+            <a:spLocks noGrp="1"/>
+          </p:cNvSpPr>
+          <p:nvPr>
+            <p:ph type="title"/>
+          </p:nvPr>
+        </p:nvSpPr>
+        <p:spPr>
+          <a:xfrm>
+            <a:off x="1458686" y="2895600"/>
+            <a:ext cx="9601200" cy="1485900"/>
+          </a:xfrm>
+        </p:spPr>
+        <p:txBody>
+          <a:bodyPr/>
           <a:lstStyle/>
           <a:p>
+            <a:pPr algn="ctr"/>
+            <a:r>
+              <a:rPr lang="en-US" dirty="0" smtClean="0"/>
+              <a:t>NW.JS (was node-</a:t>
+            </a:r>
             <a:r>
               <a:rPr lang="en-US" dirty="0" err="1" smtClean="0"/>
-              <a:t>nw</a:t>
+              <a:t>webkit</a:t>
             </a:r>
             <a:r>
               <a:rPr lang="en-US" dirty="0" smtClean="0"/>
-              <a:t>-app/</a:t>
-            </a:r>
-            <a:r>
-              <a:rPr lang="en-US" dirty="0" err="1" smtClean="0"/>
-              <a:t>package.json</a:t>
-            </a:r>
-            <a:endParaRPr lang="en-US" dirty="0"/>
-          </a:p>
-        </p:txBody>
-      </p:sp>
-      <p:sp>
-        <p:nvSpPr>
-          <p:cNvPr id="6" name="TextBox 5"/>
-          <p:cNvSpPr txBox="1"/>
-          <p:nvPr/>
-        </p:nvSpPr>
-        <p:spPr>
-          <a:xfrm>
-            <a:off x="1480457" y="4474029"/>
-            <a:ext cx="1984774" cy="369332"/>
-          </a:xfrm>
-          <a:prstGeom prst="rect">
-            <a:avLst/>
-          </a:prstGeom>
-          <a:noFill/>
-        </p:spPr>
-        <p:txBody>
-          <a:bodyPr wrap="none" rtlCol="0">
-            <a:spAutoFit/>
-          </a:bodyPr>
-          <a:lstStyle/>
-          <a:p>
-            <a:r>
-              <a:rPr lang="en-US" dirty="0" smtClean="0"/>
-              <a:t>C&gt; </a:t>
-            </a:r>
-            <a:r>
-              <a:rPr lang="en-US" dirty="0" err="1" smtClean="0"/>
-              <a:t>nw.exe</a:t>
-            </a:r>
-            <a:r>
-              <a:rPr lang="en-US" dirty="0" smtClean="0"/>
-              <a:t> </a:t>
-            </a:r>
-            <a:r>
-              <a:rPr lang="en-US" dirty="0" err="1" smtClean="0"/>
-              <a:t>nw</a:t>
-            </a:r>
-            <a:r>
-              <a:rPr lang="en-US" dirty="0" smtClean="0"/>
-              <a:t>-app</a:t>
+              <a:t>)</a:t>
             </a:r>
             <a:endParaRPr lang="en-US" dirty="0"/>
           </a:p>
@@ -6255,7 +6290,7 @@
     </p:spTree>
     <p:extLst>
       <p:ext uri="{BB962C8B-B14F-4D97-AF65-F5344CB8AC3E}">
-        <p14:creationId xmlns:p14="http://schemas.microsoft.com/office/powerpoint/2010/main" val="1353825800"/>
+        <p14:creationId xmlns:p14="http://schemas.microsoft.com/office/powerpoint/2010/main" val="2145854098"/>
       </p:ext>
     </p:extLst>
   </p:cSld>
@@ -6289,6 +6324,72 @@
           <a:chExt cx="0" cy="0"/>
         </a:xfrm>
       </p:grpSpPr>
+      <p:pic>
+        <p:nvPicPr>
+          <p:cNvPr id="4" name="Content Placeholder 3" descr="nw.js.png"/>
+          <p:cNvPicPr>
+            <a:picLocks noGrp="1" noChangeAspect="1"/>
+          </p:cNvPicPr>
+          <p:nvPr>
+            <p:ph idx="1"/>
+          </p:nvPr>
+        </p:nvPicPr>
+        <p:blipFill>
+          <a:blip r:embed="rId2">
+            <a:extLst>
+              <a:ext uri="{28A0092B-C50C-407E-A947-70E740481C1C}">
+                <a14:useLocalDpi xmlns:a14="http://schemas.microsoft.com/office/drawing/2010/main" val="0"/>
+              </a:ext>
+            </a:extLst>
+          </a:blip>
+          <a:stretch>
+            <a:fillRect/>
+          </a:stretch>
+        </p:blipFill>
+        <p:spPr>
+          <a:xfrm>
+            <a:off x="1959016" y="511630"/>
+            <a:ext cx="9220477" cy="5595256"/>
+          </a:xfrm>
+        </p:spPr>
+      </p:pic>
+    </p:spTree>
+    <p:extLst>
+      <p:ext uri="{BB962C8B-B14F-4D97-AF65-F5344CB8AC3E}">
+        <p14:creationId xmlns:p14="http://schemas.microsoft.com/office/powerpoint/2010/main" val="959162035"/>
+      </p:ext>
+    </p:extLst>
+  </p:cSld>
+  <p:clrMapOvr>
+    <a:masterClrMapping/>
+  </p:clrMapOvr>
+  <p:timing>
+    <p:tnLst>
+      <p:par>
+        <p:cTn id="1" dur="indefinite" restart="never" nodeType="tmRoot"/>
+      </p:par>
+    </p:tnLst>
+  </p:timing>
+</p:sld>
+</file>
+
+<file path=ppt/slides/slide28.xml><?xml version="1.0" encoding="utf-8"?>
+<p:sld xmlns:a="http://schemas.openxmlformats.org/drawingml/2006/main" xmlns:r="http://schemas.openxmlformats.org/officeDocument/2006/relationships" xmlns:p="http://schemas.openxmlformats.org/presentationml/2006/main">
+  <p:cSld>
+    <p:spTree>
+      <p:nvGrpSpPr>
+        <p:cNvPr id="1" name=""/>
+        <p:cNvGrpSpPr/>
+        <p:nvPr/>
+      </p:nvGrpSpPr>
+      <p:grpSpPr>
+        <a:xfrm>
+          <a:off x="0" y="0"/>
+          <a:ext cx="0" cy="0"/>
+          <a:chOff x="0" y="0"/>
+          <a:chExt cx="0" cy="0"/>
+        </a:xfrm>
+      </p:grpSpPr>
       <p:sp>
         <p:nvSpPr>
           <p:cNvPr id="2" name="Title 1"/>
@@ -6301,8 +6402,8 @@
         </p:nvSpPr>
         <p:spPr>
           <a:xfrm>
-            <a:off x="1774372" y="2852056"/>
-            <a:ext cx="9601200" cy="1431471"/>
+            <a:off x="1774371" y="2699656"/>
+            <a:ext cx="9615287" cy="1522720"/>
           </a:xfrm>
         </p:spPr>
         <p:txBody>
@@ -6313,26 +6414,144 @@
           <a:p>
             <a:pPr algn="ctr"/>
             <a:r>
+              <a:rPr lang="zh-CHT" altLang="en-US" dirty="0" smtClean="0"/>
+              <a:t>一個可以用</a:t>
+            </a:r>
+            <a:r>
+              <a:rPr lang="en-US" altLang="zh-CHT" dirty="0" err="1" smtClean="0"/>
+              <a:t>node.js</a:t>
+            </a:r>
+            <a:r>
               <a:rPr lang="en-US" altLang="zh-CHT" dirty="0" smtClean="0"/>
-              <a:t>NW.JS with Client &amp; Server DEMO</a:t>
+              <a:t> + html5</a:t>
+            </a:r>
+            <a:r>
+              <a:rPr lang="zh-CHT" altLang="en-US" dirty="0" smtClean="0"/>
+              <a:t>來撰寫</a:t>
+            </a:r>
+            <a:r>
+              <a:rPr lang="en-US" altLang="zh-CHT" dirty="0" smtClean="0"/>
+              <a:t/>
             </a:r>
             <a:br>
               <a:rPr lang="en-US" altLang="zh-CHT" dirty="0" smtClean="0"/>
             </a:br>
+            <a:r>
+              <a:rPr lang="en-US" altLang="zh-CHT" dirty="0" smtClean="0"/>
+              <a:t>desktop</a:t>
+            </a:r>
+            <a:r>
+              <a:rPr lang="zh-CHT" altLang="en-US" dirty="0" smtClean="0"/>
+              <a:t>程式的平台</a:t>
+            </a:r>
             <a:endParaRPr lang="en-US" dirty="0"/>
           </a:p>
         </p:txBody>
       </p:sp>
-      <p:sp>
-        <p:nvSpPr>
-          <p:cNvPr id="3" name="TextBox 2"/>
+    </p:spTree>
+    <p:extLst>
+      <p:ext uri="{BB962C8B-B14F-4D97-AF65-F5344CB8AC3E}">
+        <p14:creationId xmlns:p14="http://schemas.microsoft.com/office/powerpoint/2010/main" val="1244453596"/>
+      </p:ext>
+    </p:extLst>
+  </p:cSld>
+  <p:clrMapOvr>
+    <a:masterClrMapping/>
+  </p:clrMapOvr>
+  <p:timing>
+    <p:tnLst>
+      <p:par>
+        <p:cTn id="1" dur="indefinite" restart="never" nodeType="tmRoot"/>
+      </p:par>
+    </p:tnLst>
+  </p:timing>
+</p:sld>
+</file>
+
+<file path=ppt/slides/slide29.xml><?xml version="1.0" encoding="utf-8"?>
+<p:sld xmlns:a="http://schemas.openxmlformats.org/drawingml/2006/main" xmlns:r="http://schemas.openxmlformats.org/officeDocument/2006/relationships" xmlns:p="http://schemas.openxmlformats.org/presentationml/2006/main">
+  <p:cSld>
+    <p:spTree>
+      <p:nvGrpSpPr>
+        <p:cNvPr id="1" name=""/>
+        <p:cNvGrpSpPr/>
+        <p:nvPr/>
+      </p:nvGrpSpPr>
+      <p:grpSpPr>
+        <a:xfrm>
+          <a:off x="0" y="0"/>
+          <a:ext cx="0" cy="0"/>
+          <a:chOff x="0" y="0"/>
+          <a:chExt cx="0" cy="0"/>
+        </a:xfrm>
+      </p:grpSpPr>
+      <p:sp>
+        <p:nvSpPr>
+          <p:cNvPr id="2" name="Title 1"/>
+          <p:cNvSpPr>
+            <a:spLocks noGrp="1"/>
+          </p:cNvSpPr>
+          <p:nvPr>
+            <p:ph type="title"/>
+          </p:nvPr>
+        </p:nvSpPr>
+        <p:spPr/>
+        <p:txBody>
+          <a:bodyPr/>
+          <a:lstStyle/>
+          <a:p>
+            <a:r>
+              <a:rPr lang="en-US" dirty="0" smtClean="0"/>
+              <a:t>Simple way to run </a:t>
+            </a:r>
+            <a:r>
+              <a:rPr lang="en-US" dirty="0" err="1" smtClean="0"/>
+              <a:t>nw.js</a:t>
+            </a:r>
+            <a:endParaRPr lang="en-US" dirty="0"/>
+          </a:p>
+        </p:txBody>
+      </p:sp>
+      <p:pic>
+        <p:nvPicPr>
+          <p:cNvPr id="4" name="Content Placeholder 3" descr="nw.js package.json.png"/>
+          <p:cNvPicPr>
+            <a:picLocks noChangeAspect="1"/>
+          </p:cNvPicPr>
+          <p:nvPr/>
+        </p:nvPicPr>
+        <p:blipFill>
+          <a:blip r:embed="rId2">
+            <a:extLst>
+              <a:ext uri="{28A0092B-C50C-407E-A947-70E740481C1C}">
+                <a14:useLocalDpi xmlns:a14="http://schemas.microsoft.com/office/drawing/2010/main" val="0"/>
+              </a:ext>
+            </a:extLst>
+          </a:blip>
+          <a:stretch>
+            <a:fillRect/>
+          </a:stretch>
+        </p:blipFill>
+        <p:spPr>
+          <a:xfrm>
+            <a:off x="1654629" y="2124356"/>
+            <a:ext cx="9601200" cy="3237904"/>
+          </a:xfrm>
+          <a:prstGeom prst="rect">
+            <a:avLst/>
+          </a:prstGeom>
+        </p:spPr>
+      </p:pic>
+      <p:sp>
+        <p:nvSpPr>
+          <p:cNvPr id="5" name="TextBox 4"/>
           <p:cNvSpPr txBox="1"/>
           <p:nvPr/>
         </p:nvSpPr>
         <p:spPr>
           <a:xfrm>
-            <a:off x="3902125" y="3821862"/>
-            <a:ext cx="5345694" cy="461665"/>
+            <a:off x="1538088" y="1566689"/>
+            <a:ext cx="2980431" cy="461665"/>
           </a:xfrm>
           <a:prstGeom prst="rect">
             <a:avLst/>
@@ -6346,28 +6565,62 @@
           <a:lstStyle/>
           <a:p>
             <a:r>
-              <a:rPr lang="en-US" sz="2400" dirty="0"/>
-              <a:t>https://</a:t>
-            </a:r>
-            <a:r>
-              <a:rPr lang="en-US" sz="2400" dirty="0" err="1"/>
-              <a:t>github.com</a:t>
-            </a:r>
-            <a:r>
-              <a:rPr lang="en-US" sz="2400" dirty="0"/>
-              <a:t>/</a:t>
-            </a:r>
-            <a:r>
-              <a:rPr lang="en-US" sz="2400" dirty="0" err="1"/>
-              <a:t>derektu</a:t>
-            </a:r>
-            <a:r>
-              <a:rPr lang="en-US" sz="2400" dirty="0"/>
-              <a:t>/</a:t>
-            </a:r>
-            <a:r>
-              <a:rPr lang="en-US" sz="2400" dirty="0" err="1"/>
-              <a:t>ExtWebNW</a:t>
+              <a:rPr lang="en-US" sz="2400" dirty="0" err="1" smtClean="0"/>
+              <a:t>nw</a:t>
+            </a:r>
+            <a:r>
+              <a:rPr lang="en-US" sz="2400" dirty="0" smtClean="0"/>
+              <a:t>-app/</a:t>
+            </a:r>
+            <a:r>
+              <a:rPr lang="en-US" sz="2400" dirty="0" err="1" smtClean="0"/>
+              <a:t>package.json</a:t>
+            </a:r>
+            <a:endParaRPr lang="en-US" sz="2400" dirty="0"/>
+          </a:p>
+        </p:txBody>
+      </p:sp>
+      <p:sp>
+        <p:nvSpPr>
+          <p:cNvPr id="6" name="TextBox 5"/>
+          <p:cNvSpPr txBox="1"/>
+          <p:nvPr/>
+        </p:nvSpPr>
+        <p:spPr>
+          <a:xfrm>
+            <a:off x="1538088" y="5577574"/>
+            <a:ext cx="2511457" cy="461665"/>
+          </a:xfrm>
+          <a:prstGeom prst="rect">
+            <a:avLst/>
+          </a:prstGeom>
+          <a:noFill/>
+        </p:spPr>
+        <p:txBody>
+          <a:bodyPr wrap="none" rtlCol="0">
+            <a:spAutoFit/>
+          </a:bodyPr>
+          <a:lstStyle/>
+          <a:p>
+            <a:r>
+              <a:rPr lang="en-US" sz="2400" dirty="0" smtClean="0"/>
+              <a:t>C&gt; </a:t>
+            </a:r>
+            <a:r>
+              <a:rPr lang="en-US" sz="2400" dirty="0" err="1" smtClean="0"/>
+              <a:t>nw.exe</a:t>
+            </a:r>
+            <a:r>
+              <a:rPr lang="en-US" sz="2400" dirty="0" smtClean="0"/>
+              <a:t> </a:t>
+            </a:r>
+            <a:r>
+              <a:rPr lang="en-US" sz="2400" dirty="0" err="1" smtClean="0"/>
+              <a:t>nw</a:t>
+            </a:r>
+            <a:r>
+              <a:rPr lang="en-US" sz="2400" dirty="0" smtClean="0"/>
+              <a:t>-app</a:t>
             </a:r>
             <a:endParaRPr lang="en-US" sz="2400" dirty="0"/>
           </a:p>
@@ -6376,7 +6629,7 @@
     </p:spTree>
     <p:extLst>
       <p:ext uri="{BB962C8B-B14F-4D97-AF65-F5344CB8AC3E}">
-        <p14:creationId xmlns:p14="http://schemas.microsoft.com/office/powerpoint/2010/main" val="1758179117"/>
+        <p14:creationId xmlns:p14="http://schemas.microsoft.com/office/powerpoint/2010/main" val="204428608"/>
       </p:ext>
     </p:extLst>
   </p:cSld>
@@ -6470,6 +6723,195 @@
     <p:extLst>
       <p:ext uri="{BB962C8B-B14F-4D97-AF65-F5344CB8AC3E}">
         <p14:creationId xmlns:p14="http://schemas.microsoft.com/office/powerpoint/2010/main" val="738647283"/>
+      </p:ext>
+    </p:extLst>
+  </p:cSld>
+  <p:clrMapOvr>
+    <a:masterClrMapping/>
+  </p:clrMapOvr>
+  <p:timing>
+    <p:tnLst>
+      <p:par>
+        <p:cTn id="1" dur="indefinite" restart="never" nodeType="tmRoot"/>
+      </p:par>
+    </p:tnLst>
+  </p:timing>
+</p:sld>
+</file>
+
+<file path=ppt/slides/slide30.xml><?xml version="1.0" encoding="utf-8"?>
+<p:sld xmlns:a="http://schemas.openxmlformats.org/drawingml/2006/main" xmlns:r="http://schemas.openxmlformats.org/officeDocument/2006/relationships" xmlns:p="http://schemas.openxmlformats.org/presentationml/2006/main">
+  <p:cSld>
+    <p:spTree>
+      <p:nvGrpSpPr>
+        <p:cNvPr id="1" name=""/>
+        <p:cNvGrpSpPr/>
+        <p:nvPr/>
+      </p:nvGrpSpPr>
+      <p:grpSpPr>
+        <a:xfrm>
+          <a:off x="0" y="0"/>
+          <a:ext cx="0" cy="0"/>
+          <a:chOff x="0" y="0"/>
+          <a:chExt cx="0" cy="0"/>
+        </a:xfrm>
+      </p:grpSpPr>
+      <p:sp>
+        <p:nvSpPr>
+          <p:cNvPr id="2" name="Title 1"/>
+          <p:cNvSpPr>
+            <a:spLocks noGrp="1"/>
+          </p:cNvSpPr>
+          <p:nvPr>
+            <p:ph type="title"/>
+          </p:nvPr>
+        </p:nvSpPr>
+        <p:spPr>
+          <a:xfrm>
+            <a:off x="1774372" y="2852056"/>
+            <a:ext cx="9601200" cy="1431471"/>
+          </a:xfrm>
+        </p:spPr>
+        <p:txBody>
+          <a:bodyPr>
+            <a:normAutofit/>
+          </a:bodyPr>
+          <a:lstStyle/>
+          <a:p>
+            <a:pPr algn="ctr"/>
+            <a:r>
+              <a:rPr lang="en-US" altLang="zh-CHT" dirty="0" smtClean="0"/>
+              <a:t>NW.JS with Client &amp; Server DEMO</a:t>
+            </a:r>
+            <a:br>
+              <a:rPr lang="en-US" altLang="zh-CHT" dirty="0" smtClean="0"/>
+            </a:br>
+            <a:endParaRPr lang="en-US" dirty="0"/>
+          </a:p>
+        </p:txBody>
+      </p:sp>
+      <p:sp>
+        <p:nvSpPr>
+          <p:cNvPr id="3" name="TextBox 2"/>
+          <p:cNvSpPr txBox="1"/>
+          <p:nvPr/>
+        </p:nvSpPr>
+        <p:spPr>
+          <a:xfrm>
+            <a:off x="3902125" y="3821862"/>
+            <a:ext cx="5345694" cy="461665"/>
+          </a:xfrm>
+          <a:prstGeom prst="rect">
+            <a:avLst/>
+          </a:prstGeom>
+          <a:noFill/>
+        </p:spPr>
+        <p:txBody>
+          <a:bodyPr wrap="none" rtlCol="0">
+            <a:spAutoFit/>
+          </a:bodyPr>
+          <a:lstStyle/>
+          <a:p>
+            <a:r>
+              <a:rPr lang="en-US" sz="2400" dirty="0"/>
+              <a:t>https://</a:t>
+            </a:r>
+            <a:r>
+              <a:rPr lang="en-US" sz="2400" dirty="0" err="1"/>
+              <a:t>github.com</a:t>
+            </a:r>
+            <a:r>
+              <a:rPr lang="en-US" sz="2400" dirty="0"/>
+              <a:t>/</a:t>
+            </a:r>
+            <a:r>
+              <a:rPr lang="en-US" sz="2400" dirty="0" err="1"/>
+              <a:t>derektu</a:t>
+            </a:r>
+            <a:r>
+              <a:rPr lang="en-US" sz="2400" dirty="0"/>
+              <a:t>/</a:t>
+            </a:r>
+            <a:r>
+              <a:rPr lang="en-US" sz="2400" dirty="0" err="1"/>
+              <a:t>ExtWebNW</a:t>
+            </a:r>
+            <a:endParaRPr lang="en-US" sz="2400" dirty="0"/>
+          </a:p>
+        </p:txBody>
+      </p:sp>
+    </p:spTree>
+    <p:extLst>
+      <p:ext uri="{BB962C8B-B14F-4D97-AF65-F5344CB8AC3E}">
+        <p14:creationId xmlns:p14="http://schemas.microsoft.com/office/powerpoint/2010/main" val="1758179117"/>
+      </p:ext>
+    </p:extLst>
+  </p:cSld>
+  <p:clrMapOvr>
+    <a:masterClrMapping/>
+  </p:clrMapOvr>
+  <p:timing>
+    <p:tnLst>
+      <p:par>
+        <p:cTn id="1" dur="indefinite" restart="never" nodeType="tmRoot"/>
+      </p:par>
+    </p:tnLst>
+  </p:timing>
+</p:sld>
+</file>
+
+<file path=ppt/slides/slide31.xml><?xml version="1.0" encoding="utf-8"?>
+<p:sld xmlns:a="http://schemas.openxmlformats.org/drawingml/2006/main" xmlns:r="http://schemas.openxmlformats.org/officeDocument/2006/relationships" xmlns:p="http://schemas.openxmlformats.org/presentationml/2006/main">
+  <p:cSld>
+    <p:spTree>
+      <p:nvGrpSpPr>
+        <p:cNvPr id="1" name=""/>
+        <p:cNvGrpSpPr/>
+        <p:nvPr/>
+      </p:nvGrpSpPr>
+      <p:grpSpPr>
+        <a:xfrm>
+          <a:off x="0" y="0"/>
+          <a:ext cx="0" cy="0"/>
+          <a:chOff x="0" y="0"/>
+          <a:chExt cx="0" cy="0"/>
+        </a:xfrm>
+      </p:grpSpPr>
+      <p:sp>
+        <p:nvSpPr>
+          <p:cNvPr id="2" name="Title 1"/>
+          <p:cNvSpPr>
+            <a:spLocks noGrp="1"/>
+          </p:cNvSpPr>
+          <p:nvPr>
+            <p:ph type="title"/>
+          </p:nvPr>
+        </p:nvSpPr>
+        <p:spPr>
+          <a:xfrm>
+            <a:off x="1458686" y="2895600"/>
+            <a:ext cx="9601200" cy="1485900"/>
+          </a:xfrm>
+        </p:spPr>
+        <p:txBody>
+          <a:bodyPr>
+            <a:normAutofit/>
+          </a:bodyPr>
+          <a:lstStyle/>
+          <a:p>
+            <a:pPr algn="ctr"/>
+            <a:r>
+              <a:rPr lang="en-US" sz="7200" dirty="0" smtClean="0"/>
+              <a:t>Q &amp; A</a:t>
+            </a:r>
+            <a:endParaRPr lang="en-US" sz="7200" dirty="0"/>
+          </a:p>
+        </p:txBody>
+      </p:sp>
+    </p:spTree>
+    <p:extLst>
+      <p:ext uri="{BB962C8B-B14F-4D97-AF65-F5344CB8AC3E}">
+        <p14:creationId xmlns:p14="http://schemas.microsoft.com/office/powerpoint/2010/main" val="1631418417"/>
       </p:ext>
     </p:extLst>
   </p:cSld>
@@ -6624,12 +7066,16 @@
           <a:lstStyle/>
           <a:p>
             <a:r>
-              <a:rPr lang="en-US" dirty="0" smtClean="0"/>
-              <a:t>How to run </a:t>
-            </a:r>
-            <a:r>
               <a:rPr lang="en-US" dirty="0" err="1" smtClean="0"/>
               <a:t>Node.js</a:t>
+            </a:r>
+            <a:r>
+              <a:rPr lang="en-US" dirty="0" smtClean="0"/>
+              <a:t> - </a:t>
+            </a:r>
+            <a:r>
+              <a:rPr lang="en-US" dirty="0" err="1" smtClean="0"/>
+              <a:t>HelloWorld</a:t>
             </a:r>
             <a:endParaRPr lang="en-US" dirty="0"/>
           </a:p>
@@ -6717,12 +7163,16 @@
           <a:lstStyle/>
           <a:p>
             <a:r>
-              <a:rPr lang="en-US" dirty="0" smtClean="0"/>
-              <a:t>How to run </a:t>
-            </a:r>
-            <a:r>
               <a:rPr lang="en-US" dirty="0" err="1" smtClean="0"/>
               <a:t>Node.js</a:t>
+            </a:r>
+            <a:r>
+              <a:rPr lang="en-US" dirty="0" smtClean="0"/>
+              <a:t> - </a:t>
+            </a:r>
+            <a:r>
+              <a:rPr lang="en-US" dirty="0" err="1" smtClean="0"/>
+              <a:t>HelloWorld</a:t>
             </a:r>
             <a:endParaRPr lang="en-US" dirty="0"/>
           </a:p>
@@ -6794,39 +7244,55 @@
           <a:chExt cx="0" cy="0"/>
         </a:xfrm>
       </p:grpSpPr>
-      <p:pic>
-        <p:nvPicPr>
-          <p:cNvPr id="4" name="Content Placeholder 3" descr="Screen Shot 2015-03-25 at 2.50.19 PM.png"/>
-          <p:cNvPicPr>
-            <a:picLocks noGrp="1" noChangeAspect="1"/>
-          </p:cNvPicPr>
-          <p:nvPr>
-            <p:ph idx="1"/>
-          </p:nvPr>
-        </p:nvPicPr>
-        <p:blipFill>
-          <a:blip r:embed="rId2">
-            <a:extLst>
-              <a:ext uri="{28A0092B-C50C-407E-A947-70E740481C1C}">
-                <a14:useLocalDpi xmlns:a14="http://schemas.microsoft.com/office/drawing/2010/main" val="0"/>
-              </a:ext>
-            </a:extLst>
-          </a:blip>
-          <a:stretch>
-            <a:fillRect/>
-          </a:stretch>
-        </p:blipFill>
-        <p:spPr>
-          <a:xfrm>
-            <a:off x="1527716" y="312234"/>
-            <a:ext cx="10091855" cy="6233532"/>
-          </a:xfrm>
-        </p:spPr>
-      </p:pic>
+      <p:sp>
+        <p:nvSpPr>
+          <p:cNvPr id="2" name="Title 1"/>
+          <p:cNvSpPr>
+            <a:spLocks noGrp="1"/>
+          </p:cNvSpPr>
+          <p:nvPr>
+            <p:ph type="title"/>
+          </p:nvPr>
+        </p:nvSpPr>
+        <p:spPr>
+          <a:xfrm>
+            <a:off x="1779494" y="2270631"/>
+            <a:ext cx="9601200" cy="2718227"/>
+          </a:xfrm>
+        </p:spPr>
+        <p:txBody>
+          <a:bodyPr>
+            <a:normAutofit/>
+          </a:bodyPr>
+          <a:lstStyle/>
+          <a:p>
+            <a:pPr algn="ctr"/>
+            <a:r>
+              <a:rPr lang="en-US" dirty="0" smtClean="0"/>
+              <a:t>A more useful example</a:t>
+            </a:r>
+            <a:br>
+              <a:rPr lang="en-US" dirty="0" smtClean="0"/>
+            </a:br>
+            <a:r>
+              <a:rPr lang="en-US" dirty="0" smtClean="0"/>
+              <a:t/>
+            </a:r>
+            <a:br>
+              <a:rPr lang="en-US" dirty="0" smtClean="0"/>
+            </a:br>
+            <a:r>
+              <a:rPr lang="en-US" dirty="0" smtClean="0"/>
+              <a:t>Let’s count the lines of a given file</a:t>
+            </a:r>
+            <a:endParaRPr lang="en-US" dirty="0"/>
+          </a:p>
+        </p:txBody>
+      </p:sp>
     </p:spTree>
     <p:extLst>
       <p:ext uri="{BB962C8B-B14F-4D97-AF65-F5344CB8AC3E}">
-        <p14:creationId xmlns:p14="http://schemas.microsoft.com/office/powerpoint/2010/main" val="1779289672"/>
+        <p14:creationId xmlns:p14="http://schemas.microsoft.com/office/powerpoint/2010/main" val="791251530"/>
       </p:ext>
     </p:extLst>
   </p:cSld>
@@ -6862,7 +7328,7 @@
       </p:grpSpPr>
       <p:pic>
         <p:nvPicPr>
-          <p:cNvPr id="4" name="Content Placeholder 3" descr="wc2.js.png"/>
+          <p:cNvPr id="4" name="Content Placeholder 3" descr="Screen Shot 2015-03-25 at 2.50.19 PM.png"/>
           <p:cNvPicPr>
             <a:picLocks noGrp="1" noChangeAspect="1"/>
           </p:cNvPicPr>
@@ -6884,15 +7350,15 @@
         </p:blipFill>
         <p:spPr>
           <a:xfrm>
-            <a:off x="1289146" y="290196"/>
-            <a:ext cx="10456895" cy="5882004"/>
+            <a:off x="1527716" y="312234"/>
+            <a:ext cx="10091855" cy="6233532"/>
           </a:xfrm>
         </p:spPr>
       </p:pic>
     </p:spTree>
     <p:extLst>
       <p:ext uri="{BB962C8B-B14F-4D97-AF65-F5344CB8AC3E}">
-        <p14:creationId xmlns:p14="http://schemas.microsoft.com/office/powerpoint/2010/main" val="2058907361"/>
+        <p14:creationId xmlns:p14="http://schemas.microsoft.com/office/powerpoint/2010/main" val="1779289672"/>
       </p:ext>
     </p:extLst>
   </p:cSld>
@@ -6926,39 +7392,81 @@
           <a:chExt cx="0" cy="0"/>
         </a:xfrm>
       </p:grpSpPr>
-      <p:pic>
-        <p:nvPicPr>
-          <p:cNvPr id="4" name="Content Placeholder 3" descr="npm.png"/>
-          <p:cNvPicPr>
-            <a:picLocks noGrp="1" noChangeAspect="1"/>
-          </p:cNvPicPr>
-          <p:nvPr>
-            <p:ph idx="1"/>
-          </p:nvPr>
-        </p:nvPicPr>
-        <p:blipFill>
-          <a:blip r:embed="rId2">
-            <a:extLst>
-              <a:ext uri="{28A0092B-C50C-407E-A947-70E740481C1C}">
-                <a14:useLocalDpi xmlns:a14="http://schemas.microsoft.com/office/drawing/2010/main" val="0"/>
-              </a:ext>
-            </a:extLst>
-          </a:blip>
-          <a:stretch>
-            <a:fillRect/>
-          </a:stretch>
-        </p:blipFill>
-        <p:spPr>
-          <a:xfrm>
-            <a:off x="1828800" y="1632806"/>
-            <a:ext cx="9601200" cy="3080758"/>
-          </a:xfrm>
-        </p:spPr>
-      </p:pic>
+      <p:sp>
+        <p:nvSpPr>
+          <p:cNvPr id="2" name="Title 1"/>
+          <p:cNvSpPr>
+            <a:spLocks noGrp="1"/>
+          </p:cNvSpPr>
+          <p:nvPr>
+            <p:ph type="title"/>
+          </p:nvPr>
+        </p:nvSpPr>
+        <p:spPr>
+          <a:xfrm>
+            <a:off x="1792941" y="1438836"/>
+            <a:ext cx="9601200" cy="4289612"/>
+          </a:xfrm>
+        </p:spPr>
+        <p:txBody>
+          <a:bodyPr>
+            <a:normAutofit/>
+          </a:bodyPr>
+          <a:lstStyle/>
+          <a:p>
+            <a:pPr algn="ctr"/>
+            <a:r>
+              <a:rPr lang="en-US" dirty="0" err="1" smtClean="0"/>
+              <a:t>Node.js</a:t>
+            </a:r>
+            <a:r>
+              <a:rPr lang="en-US" dirty="0" smtClean="0"/>
+              <a:t> is single threaded</a:t>
+            </a:r>
+            <a:br>
+              <a:rPr lang="en-US" dirty="0" smtClean="0"/>
+            </a:br>
+            <a:r>
+              <a:rPr lang="en-US" dirty="0" smtClean="0"/>
+              <a:t/>
+            </a:r>
+            <a:br>
+              <a:rPr lang="en-US" dirty="0" smtClean="0"/>
+            </a:br>
+            <a:r>
+              <a:rPr lang="en-US" dirty="0" smtClean="0"/>
+              <a:t>So most of the APIs are ‘</a:t>
+            </a:r>
+            <a:r>
+              <a:rPr lang="en-US" dirty="0" err="1" smtClean="0"/>
+              <a:t>async</a:t>
+            </a:r>
+            <a:r>
+              <a:rPr lang="en-US" dirty="0" smtClean="0"/>
+              <a:t>’</a:t>
+            </a:r>
+            <a:br>
+              <a:rPr lang="en-US" dirty="0" smtClean="0"/>
+            </a:br>
+            <a:r>
+              <a:rPr lang="en-US" dirty="0" smtClean="0"/>
+              <a:t/>
+            </a:r>
+            <a:br>
+              <a:rPr lang="en-US" dirty="0" smtClean="0"/>
+            </a:br>
+            <a:r>
+              <a:rPr lang="en-US" dirty="0" smtClean="0"/>
+              <a:t>And we must use callback to handle IO and other time consuming tasks</a:t>
+            </a:r>
+            <a:endParaRPr lang="en-US" dirty="0"/>
+          </a:p>
+        </p:txBody>
+      </p:sp>
     </p:spTree>
     <p:extLst>
       <p:ext uri="{BB962C8B-B14F-4D97-AF65-F5344CB8AC3E}">
-        <p14:creationId xmlns:p14="http://schemas.microsoft.com/office/powerpoint/2010/main" val="472131489"/>
+        <p14:creationId xmlns:p14="http://schemas.microsoft.com/office/powerpoint/2010/main" val="1101709878"/>
       </p:ext>
     </p:extLst>
   </p:cSld>

--- a/Presentation.pptx
+++ b/Presentation.pptx
@@ -5,7 +5,7 @@
     <p:sldMasterId id="2147484050" r:id="rId1"/>
   </p:sldMasterIdLst>
   <p:notesMasterIdLst>
-    <p:notesMasterId r:id="rId33"/>
+    <p:notesMasterId r:id="rId39"/>
   </p:notesMasterIdLst>
   <p:sldIdLst>
     <p:sldId id="256" r:id="rId2"/>
@@ -17,28 +17,34 @@
     <p:sldId id="284" r:id="rId8"/>
     <p:sldId id="262" r:id="rId9"/>
     <p:sldId id="286" r:id="rId10"/>
-    <p:sldId id="285" r:id="rId11"/>
-    <p:sldId id="287" r:id="rId12"/>
-    <p:sldId id="263" r:id="rId13"/>
-    <p:sldId id="288" r:id="rId14"/>
-    <p:sldId id="265" r:id="rId15"/>
-    <p:sldId id="266" r:id="rId16"/>
-    <p:sldId id="267" r:id="rId17"/>
-    <p:sldId id="268" r:id="rId18"/>
-    <p:sldId id="269" r:id="rId19"/>
-    <p:sldId id="270" r:id="rId20"/>
-    <p:sldId id="271" r:id="rId21"/>
-    <p:sldId id="272" r:id="rId22"/>
-    <p:sldId id="273" r:id="rId23"/>
-    <p:sldId id="274" r:id="rId24"/>
-    <p:sldId id="275" r:id="rId25"/>
-    <p:sldId id="276" r:id="rId26"/>
-    <p:sldId id="277" r:id="rId27"/>
-    <p:sldId id="278" r:id="rId28"/>
-    <p:sldId id="279" r:id="rId29"/>
-    <p:sldId id="281" r:id="rId30"/>
-    <p:sldId id="283" r:id="rId31"/>
-    <p:sldId id="289" r:id="rId32"/>
+    <p:sldId id="290" r:id="rId11"/>
+    <p:sldId id="291" r:id="rId12"/>
+    <p:sldId id="285" r:id="rId13"/>
+    <p:sldId id="287" r:id="rId14"/>
+    <p:sldId id="263" r:id="rId15"/>
+    <p:sldId id="292" r:id="rId16"/>
+    <p:sldId id="293" r:id="rId17"/>
+    <p:sldId id="288" r:id="rId18"/>
+    <p:sldId id="265" r:id="rId19"/>
+    <p:sldId id="266" r:id="rId20"/>
+    <p:sldId id="267" r:id="rId21"/>
+    <p:sldId id="268" r:id="rId22"/>
+    <p:sldId id="269" r:id="rId23"/>
+    <p:sldId id="270" r:id="rId24"/>
+    <p:sldId id="271" r:id="rId25"/>
+    <p:sldId id="272" r:id="rId26"/>
+    <p:sldId id="273" r:id="rId27"/>
+    <p:sldId id="274" r:id="rId28"/>
+    <p:sldId id="275" r:id="rId29"/>
+    <p:sldId id="276" r:id="rId30"/>
+    <p:sldId id="294" r:id="rId31"/>
+    <p:sldId id="277" r:id="rId32"/>
+    <p:sldId id="278" r:id="rId33"/>
+    <p:sldId id="279" r:id="rId34"/>
+    <p:sldId id="281" r:id="rId35"/>
+    <p:sldId id="283" r:id="rId36"/>
+    <p:sldId id="295" r:id="rId37"/>
+    <p:sldId id="289" r:id="rId38"/>
   </p:sldIdLst>
   <p:sldSz cx="12192000" cy="6858000"/>
   <p:notesSz cx="6858000" cy="9144000"/>
@@ -137,6 +143,11 @@
       </a:defRPr>
     </a:lvl9pPr>
   </p:defaultTextStyle>
+  <p:extLst>
+    <p:ext uri="{EFAFB233-063F-42B5-8137-9DF3F51BA10A}">
+      <p15:sldGuideLst xmlns:p15="http://schemas.microsoft.com/office/powerpoint/2012/main"/>
+    </p:ext>
+  </p:extLst>
 </p:presentation>
 </file>
 
@@ -222,7 +233,7 @@
           <a:p>
             <a:fld id="{7C26EDD5-4D7E-3E47-88CD-90C801887D7D}" type="datetimeFigureOut">
               <a:rPr lang="en-US" smtClean="0"/>
-              <a:t>3/25/15</a:t>
+              <a:t>4/7/15</a:t>
             </a:fld>
             <a:endParaRPr lang="en-US"/>
           </a:p>
@@ -490,6 +501,90 @@
 </p:notesMaster>
 </file>
 
+<file path=ppt/notesSlides/notesSlide1.xml><?xml version="1.0" encoding="utf-8"?>
+<p:notes xmlns:a="http://schemas.openxmlformats.org/drawingml/2006/main" xmlns:r="http://schemas.openxmlformats.org/officeDocument/2006/relationships" xmlns:p="http://schemas.openxmlformats.org/presentationml/2006/main">
+  <p:cSld>
+    <p:spTree>
+      <p:nvGrpSpPr>
+        <p:cNvPr id="1" name=""/>
+        <p:cNvGrpSpPr/>
+        <p:nvPr/>
+      </p:nvGrpSpPr>
+      <p:grpSpPr>
+        <a:xfrm>
+          <a:off x="0" y="0"/>
+          <a:ext cx="0" cy="0"/>
+          <a:chOff x="0" y="0"/>
+          <a:chExt cx="0" cy="0"/>
+        </a:xfrm>
+      </p:grpSpPr>
+      <p:sp>
+        <p:nvSpPr>
+          <p:cNvPr id="2" name="Slide Image Placeholder 1"/>
+          <p:cNvSpPr>
+            <a:spLocks noGrp="1" noRot="1" noChangeAspect="1"/>
+          </p:cNvSpPr>
+          <p:nvPr>
+            <p:ph type="sldImg"/>
+          </p:nvPr>
+        </p:nvSpPr>
+        <p:spPr/>
+      </p:sp>
+      <p:sp>
+        <p:nvSpPr>
+          <p:cNvPr id="3" name="Notes Placeholder 2"/>
+          <p:cNvSpPr>
+            <a:spLocks noGrp="1"/>
+          </p:cNvSpPr>
+          <p:nvPr>
+            <p:ph type="body" idx="1"/>
+          </p:nvPr>
+        </p:nvSpPr>
+        <p:spPr/>
+        <p:txBody>
+          <a:bodyPr/>
+          <a:lstStyle/>
+          <a:p>
+            <a:endParaRPr lang="en-US" dirty="0"/>
+          </a:p>
+        </p:txBody>
+      </p:sp>
+      <p:sp>
+        <p:nvSpPr>
+          <p:cNvPr id="4" name="Slide Number Placeholder 3"/>
+          <p:cNvSpPr>
+            <a:spLocks noGrp="1"/>
+          </p:cNvSpPr>
+          <p:nvPr>
+            <p:ph type="sldNum" sz="quarter" idx="10"/>
+          </p:nvPr>
+        </p:nvSpPr>
+        <p:spPr/>
+        <p:txBody>
+          <a:bodyPr/>
+          <a:lstStyle/>
+          <a:p>
+            <a:fld id="{10060A38-33F9-F94F-B4AD-4A696DB15E66}" type="slidenum">
+              <a:rPr lang="en-US" smtClean="0"/>
+              <a:t>35</a:t>
+            </a:fld>
+            <a:endParaRPr lang="en-US"/>
+          </a:p>
+        </p:txBody>
+      </p:sp>
+    </p:spTree>
+    <p:extLst>
+      <p:ext uri="{BB962C8B-B14F-4D97-AF65-F5344CB8AC3E}">
+        <p14:creationId xmlns:p14="http://schemas.microsoft.com/office/powerpoint/2010/main" val="1141616124"/>
+      </p:ext>
+    </p:extLst>
+  </p:cSld>
+  <p:clrMapOvr>
+    <a:masterClrMapping/>
+  </p:clrMapOvr>
+</p:notes>
+</file>
+
 <file path=ppt/slideLayouts/slideLayout1.xml><?xml version="1.0" encoding="utf-8"?>
 <p:sldLayout xmlns:a="http://schemas.openxmlformats.org/drawingml/2006/main" xmlns:r="http://schemas.openxmlformats.org/officeDocument/2006/relationships" xmlns:p="http://schemas.openxmlformats.org/presentationml/2006/main" showMasterSp="0" type="title" preserve="1">
   <p:cSld name="Title Slide">
@@ -660,7 +755,7 @@
             <a:fld id="{B61BEF0D-F0BB-DE4B-95CE-6DB70DBA9567}" type="datetimeFigureOut">
               <a:rPr lang="en-US" smtClean="0"/>
               <a:pPr/>
-              <a:t>3/25/15</a:t>
+              <a:t>4/7/15</a:t>
             </a:fld>
             <a:endParaRPr lang="en-US" dirty="0"/>
           </a:p>
@@ -996,7 +1091,7 @@
           <a:p>
             <a:fld id="{55C6B4A9-1611-4792-9094-5F34BCA07E0B}" type="datetimeFigureOut">
               <a:rPr lang="en-US" smtClean="0"/>
-              <a:t>3/25/15</a:t>
+              <a:t>4/7/15</a:t>
             </a:fld>
             <a:endParaRPr lang="en-US" dirty="0"/>
           </a:p>
@@ -1177,7 +1272,7 @@
             <a:fld id="{B61BEF0D-F0BB-DE4B-95CE-6DB70DBA9567}" type="datetimeFigureOut">
               <a:rPr lang="en-US" smtClean="0"/>
               <a:pPr/>
-              <a:t>3/25/15</a:t>
+              <a:t>4/7/15</a:t>
             </a:fld>
             <a:endParaRPr lang="en-US" dirty="0"/>
           </a:p>
@@ -1354,7 +1449,7 @@
             <a:fld id="{B61BEF0D-F0BB-DE4B-95CE-6DB70DBA9567}" type="datetimeFigureOut">
               <a:rPr lang="en-US" smtClean="0"/>
               <a:pPr/>
-              <a:t>3/25/15</a:t>
+              <a:t>4/7/15</a:t>
             </a:fld>
             <a:endParaRPr lang="en-US" dirty="0"/>
           </a:p>
@@ -1633,7 +1728,7 @@
             <a:fld id="{B61BEF0D-F0BB-DE4B-95CE-6DB70DBA9567}" type="datetimeFigureOut">
               <a:rPr lang="en-US" smtClean="0"/>
               <a:pPr/>
-              <a:t>3/25/15</a:t>
+              <a:t>4/7/15</a:t>
             </a:fld>
             <a:endParaRPr lang="en-US" dirty="0"/>
           </a:p>
@@ -2033,7 +2128,7 @@
           <a:p>
             <a:fld id="{EB712588-04B1-427B-82EE-E8DB90309F08}" type="datetimeFigureOut">
               <a:rPr lang="en-US" smtClean="0"/>
-              <a:t>3/25/15</a:t>
+              <a:t>4/7/15</a:t>
             </a:fld>
             <a:endParaRPr lang="en-US" dirty="0"/>
           </a:p>
@@ -2516,7 +2611,7 @@
             <a:fld id="{B61BEF0D-F0BB-DE4B-95CE-6DB70DBA9567}" type="datetimeFigureOut">
               <a:rPr lang="en-US" smtClean="0"/>
               <a:pPr/>
-              <a:t>3/25/15</a:t>
+              <a:t>4/7/15</a:t>
             </a:fld>
             <a:endParaRPr lang="en-US" dirty="0"/>
           </a:p>
@@ -2641,7 +2736,7 @@
             <a:fld id="{B61BEF0D-F0BB-DE4B-95CE-6DB70DBA9567}" type="datetimeFigureOut">
               <a:rPr lang="en-US" smtClean="0"/>
               <a:pPr/>
-              <a:t>3/25/15</a:t>
+              <a:t>4/7/15</a:t>
             </a:fld>
             <a:endParaRPr lang="en-US" dirty="0"/>
           </a:p>
@@ -2738,7 +2833,7 @@
             <a:fld id="{B61BEF0D-F0BB-DE4B-95CE-6DB70DBA9567}" type="datetimeFigureOut">
               <a:rPr lang="en-US" smtClean="0"/>
               <a:pPr/>
-              <a:t>3/25/15</a:t>
+              <a:t>4/7/15</a:t>
             </a:fld>
             <a:endParaRPr lang="en-US" dirty="0"/>
           </a:p>
@@ -3085,7 +3180,7 @@
           <a:p>
             <a:fld id="{42A54C80-263E-416B-A8E0-580EDEADCBDC}" type="datetimeFigureOut">
               <a:rPr lang="en-US" smtClean="0"/>
-              <a:t>3/25/15</a:t>
+              <a:t>4/7/15</a:t>
             </a:fld>
             <a:endParaRPr lang="en-US" dirty="0"/>
           </a:p>
@@ -3479,7 +3574,7 @@
             <a:fld id="{B61BEF0D-F0BB-DE4B-95CE-6DB70DBA9567}" type="datetimeFigureOut">
               <a:rPr lang="en-US" smtClean="0"/>
               <a:pPr/>
-              <a:t>3/25/15</a:t>
+              <a:t>4/7/15</a:t>
             </a:fld>
             <a:endParaRPr lang="en-US" dirty="0"/>
           </a:p>
@@ -3759,7 +3854,7 @@
             <a:fld id="{B61BEF0D-F0BB-DE4B-95CE-6DB70DBA9567}" type="datetimeFigureOut">
               <a:rPr lang="en-US" smtClean="0"/>
               <a:pPr/>
-              <a:t>3/25/15</a:t>
+              <a:t>4/7/15</a:t>
             </a:fld>
             <a:endParaRPr lang="en-US" dirty="0"/>
           </a:p>
@@ -4366,6 +4461,72 @@
           <a:chExt cx="0" cy="0"/>
         </a:xfrm>
       </p:grpSpPr>
+      <p:pic>
+        <p:nvPicPr>
+          <p:cNvPr id="4" name="Content Placeholder 3" descr="node eventloop.png"/>
+          <p:cNvPicPr>
+            <a:picLocks noGrp="1" noChangeAspect="1"/>
+          </p:cNvPicPr>
+          <p:nvPr>
+            <p:ph idx="1"/>
+          </p:nvPr>
+        </p:nvPicPr>
+        <p:blipFill>
+          <a:blip r:embed="rId2">
+            <a:extLst>
+              <a:ext uri="{28A0092B-C50C-407E-A947-70E740481C1C}">
+                <a14:useLocalDpi xmlns:a14="http://schemas.microsoft.com/office/drawing/2010/main" val="0"/>
+              </a:ext>
+            </a:extLst>
+          </a:blip>
+          <a:stretch>
+            <a:fillRect/>
+          </a:stretch>
+        </p:blipFill>
+        <p:spPr>
+          <a:xfrm>
+            <a:off x="1620149" y="576942"/>
+            <a:ext cx="9891753" cy="5562600"/>
+          </a:xfrm>
+        </p:spPr>
+      </p:pic>
+    </p:spTree>
+    <p:extLst>
+      <p:ext uri="{BB962C8B-B14F-4D97-AF65-F5344CB8AC3E}">
+        <p14:creationId xmlns:p14="http://schemas.microsoft.com/office/powerpoint/2010/main" val="1315634022"/>
+      </p:ext>
+    </p:extLst>
+  </p:cSld>
+  <p:clrMapOvr>
+    <a:masterClrMapping/>
+  </p:clrMapOvr>
+  <p:timing>
+    <p:tnLst>
+      <p:par>
+        <p:cTn id="1" dur="indefinite" restart="never" nodeType="tmRoot"/>
+      </p:par>
+    </p:tnLst>
+  </p:timing>
+</p:sld>
+</file>
+
+<file path=ppt/slides/slide11.xml><?xml version="1.0" encoding="utf-8"?>
+<p:sld xmlns:a="http://schemas.openxmlformats.org/drawingml/2006/main" xmlns:r="http://schemas.openxmlformats.org/officeDocument/2006/relationships" xmlns:p="http://schemas.openxmlformats.org/presentationml/2006/main">
+  <p:cSld>
+    <p:spTree>
+      <p:nvGrpSpPr>
+        <p:cNvPr id="1" name=""/>
+        <p:cNvGrpSpPr/>
+        <p:nvPr/>
+      </p:nvGrpSpPr>
+      <p:grpSpPr>
+        <a:xfrm>
+          <a:off x="0" y="0"/>
+          <a:ext cx="0" cy="0"/>
+          <a:chOff x="0" y="0"/>
+          <a:chExt cx="0" cy="0"/>
+        </a:xfrm>
+      </p:grpSpPr>
       <p:sp>
         <p:nvSpPr>
           <p:cNvPr id="2" name="Title 1"/>
@@ -4378,20 +4539,97 @@
         </p:nvSpPr>
         <p:spPr>
           <a:xfrm>
-            <a:off x="1671917" y="2017059"/>
-            <a:ext cx="9959788" cy="1452283"/>
-          </a:xfrm>
-        </p:spPr>
-        <p:txBody>
-          <a:bodyPr/>
+            <a:off x="1719943" y="2590801"/>
+            <a:ext cx="9601200" cy="1485900"/>
+          </a:xfrm>
+        </p:spPr>
+        <p:txBody>
+          <a:bodyPr>
+            <a:noAutofit/>
+          </a:bodyPr>
           <a:lstStyle/>
           <a:p>
             <a:pPr algn="ctr"/>
             <a:r>
-              <a:rPr lang="en-US" dirty="0" smtClean="0"/>
+              <a:rPr lang="en-US" sz="6000" b="1" dirty="0" smtClean="0"/>
+              <a:t>Everything run in parallel</a:t>
+            </a:r>
+            <a:br>
+              <a:rPr lang="en-US" sz="6000" b="1" dirty="0" smtClean="0"/>
+            </a:br>
+            <a:r>
+              <a:rPr lang="en-US" sz="6000" b="1" dirty="0" smtClean="0"/>
+              <a:t>Except your code</a:t>
+            </a:r>
+            <a:endParaRPr lang="en-US" sz="6000" b="1" dirty="0"/>
+          </a:p>
+        </p:txBody>
+      </p:sp>
+    </p:spTree>
+    <p:extLst>
+      <p:ext uri="{BB962C8B-B14F-4D97-AF65-F5344CB8AC3E}">
+        <p14:creationId xmlns:p14="http://schemas.microsoft.com/office/powerpoint/2010/main" val="1656478042"/>
+      </p:ext>
+    </p:extLst>
+  </p:cSld>
+  <p:clrMapOvr>
+    <a:masterClrMapping/>
+  </p:clrMapOvr>
+  <p:timing>
+    <p:tnLst>
+      <p:par>
+        <p:cTn id="1" dur="indefinite" restart="never" nodeType="tmRoot"/>
+      </p:par>
+    </p:tnLst>
+  </p:timing>
+</p:sld>
+</file>
+
+<file path=ppt/slides/slide12.xml><?xml version="1.0" encoding="utf-8"?>
+<p:sld xmlns:a="http://schemas.openxmlformats.org/drawingml/2006/main" xmlns:r="http://schemas.openxmlformats.org/officeDocument/2006/relationships" xmlns:p="http://schemas.openxmlformats.org/presentationml/2006/main">
+  <p:cSld>
+    <p:spTree>
+      <p:nvGrpSpPr>
+        <p:cNvPr id="1" name=""/>
+        <p:cNvGrpSpPr/>
+        <p:nvPr/>
+      </p:nvGrpSpPr>
+      <p:grpSpPr>
+        <a:xfrm>
+          <a:off x="0" y="0"/>
+          <a:ext cx="0" cy="0"/>
+          <a:chOff x="0" y="0"/>
+          <a:chExt cx="0" cy="0"/>
+        </a:xfrm>
+      </p:grpSpPr>
+      <p:sp>
+        <p:nvSpPr>
+          <p:cNvPr id="2" name="Title 1"/>
+          <p:cNvSpPr>
+            <a:spLocks noGrp="1"/>
+          </p:cNvSpPr>
+          <p:nvPr>
+            <p:ph type="title"/>
+          </p:nvPr>
+        </p:nvSpPr>
+        <p:spPr>
+          <a:xfrm>
+            <a:off x="957943" y="1905001"/>
+            <a:ext cx="11103428" cy="1564342"/>
+          </a:xfrm>
+        </p:spPr>
+        <p:txBody>
+          <a:bodyPr>
+            <a:noAutofit/>
+          </a:bodyPr>
+          <a:lstStyle/>
+          <a:p>
+            <a:pPr algn="ctr"/>
+            <a:r>
+              <a:rPr lang="en-US" sz="5400" b="1" dirty="0" smtClean="0"/>
               <a:t>Is there any problem with this program ?</a:t>
             </a:r>
-            <a:endParaRPr lang="en-US" dirty="0"/>
+            <a:endParaRPr lang="en-US" sz="5400" b="1" dirty="0"/>
           </a:p>
         </p:txBody>
       </p:sp>
@@ -4403,8 +4641,8 @@
         </p:nvSpPr>
         <p:spPr>
           <a:xfrm>
-            <a:off x="3033929" y="3455896"/>
-            <a:ext cx="7235763" cy="769441"/>
+            <a:off x="2091460" y="4304981"/>
+            <a:ext cx="8836393" cy="923330"/>
           </a:xfrm>
           <a:prstGeom prst="rect">
             <a:avLst/>
@@ -4418,7 +4656,7 @@
           <a:lstStyle/>
           <a:p>
             <a:r>
-              <a:rPr lang="en-US" sz="4400" dirty="0" smtClean="0">
+              <a:rPr lang="en-US" sz="5400" b="1" dirty="0" smtClean="0">
                 <a:ln>
                   <a:solidFill>
                     <a:srgbClr val="FF0000"/>
@@ -4432,7 +4670,7 @@
               </a:rPr>
               <a:t>What if the file is very HUGE ?</a:t>
             </a:r>
-            <a:endParaRPr lang="en-US" sz="4400" dirty="0">
+            <a:endParaRPr lang="en-US" sz="5400" b="1" dirty="0">
               <a:ln>
                 <a:solidFill>
                   <a:srgbClr val="FF0000"/>
@@ -4538,158 +4776,6 @@
 </p:sld>
 </file>
 
-<file path=ppt/slides/slide11.xml><?xml version="1.0" encoding="utf-8"?>
-<p:sld xmlns:a="http://schemas.openxmlformats.org/drawingml/2006/main" xmlns:r="http://schemas.openxmlformats.org/officeDocument/2006/relationships" xmlns:p="http://schemas.openxmlformats.org/presentationml/2006/main">
-  <p:cSld>
-    <p:spTree>
-      <p:nvGrpSpPr>
-        <p:cNvPr id="1" name=""/>
-        <p:cNvGrpSpPr/>
-        <p:nvPr/>
-      </p:nvGrpSpPr>
-      <p:grpSpPr>
-        <a:xfrm>
-          <a:off x="0" y="0"/>
-          <a:ext cx="0" cy="0"/>
-          <a:chOff x="0" y="0"/>
-          <a:chExt cx="0" cy="0"/>
-        </a:xfrm>
-      </p:grpSpPr>
-      <p:sp>
-        <p:nvSpPr>
-          <p:cNvPr id="2" name="Title 1"/>
-          <p:cNvSpPr>
-            <a:spLocks noGrp="1"/>
-          </p:cNvSpPr>
-          <p:nvPr>
-            <p:ph type="title"/>
-          </p:nvPr>
-        </p:nvSpPr>
-        <p:spPr>
-          <a:xfrm>
-            <a:off x="1779494" y="2270631"/>
-            <a:ext cx="9601200" cy="2718227"/>
-          </a:xfrm>
-        </p:spPr>
-        <p:txBody>
-          <a:bodyPr>
-            <a:normAutofit/>
-          </a:bodyPr>
-          <a:lstStyle/>
-          <a:p>
-            <a:pPr algn="ctr"/>
-            <a:r>
-              <a:rPr lang="zh-CHT" altLang="en-US" sz="5400" dirty="0" smtClean="0"/>
-              <a:t>解決之道</a:t>
-            </a:r>
-            <a:r>
-              <a:rPr lang="zh-CHT" altLang="en-US" dirty="0" smtClean="0"/>
-              <a:t/>
-            </a:r>
-            <a:br>
-              <a:rPr lang="zh-CHT" altLang="en-US" dirty="0" smtClean="0"/>
-            </a:br>
-            <a:r>
-              <a:rPr lang="zh-CHT" altLang="en-US" dirty="0" smtClean="0"/>
-              <a:t/>
-            </a:r>
-            <a:br>
-              <a:rPr lang="zh-CHT" altLang="en-US" dirty="0" smtClean="0"/>
-            </a:br>
-            <a:r>
-              <a:rPr lang="zh-CHT" altLang="en-US" dirty="0" smtClean="0"/>
-              <a:t>把檔案切成一塊一塊分開處理</a:t>
-            </a:r>
-            <a:endParaRPr lang="en-US" dirty="0"/>
-          </a:p>
-        </p:txBody>
-      </p:sp>
-    </p:spTree>
-    <p:extLst>
-      <p:ext uri="{BB962C8B-B14F-4D97-AF65-F5344CB8AC3E}">
-        <p14:creationId xmlns:p14="http://schemas.microsoft.com/office/powerpoint/2010/main" val="447053428"/>
-      </p:ext>
-    </p:extLst>
-  </p:cSld>
-  <p:clrMapOvr>
-    <a:masterClrMapping/>
-  </p:clrMapOvr>
-  <p:timing>
-    <p:tnLst>
-      <p:par>
-        <p:cTn id="1" dur="indefinite" restart="never" nodeType="tmRoot"/>
-      </p:par>
-    </p:tnLst>
-  </p:timing>
-</p:sld>
-</file>
-
-<file path=ppt/slides/slide12.xml><?xml version="1.0" encoding="utf-8"?>
-<p:sld xmlns:a="http://schemas.openxmlformats.org/drawingml/2006/main" xmlns:r="http://schemas.openxmlformats.org/officeDocument/2006/relationships" xmlns:p="http://schemas.openxmlformats.org/presentationml/2006/main">
-  <p:cSld>
-    <p:spTree>
-      <p:nvGrpSpPr>
-        <p:cNvPr id="1" name=""/>
-        <p:cNvGrpSpPr/>
-        <p:nvPr/>
-      </p:nvGrpSpPr>
-      <p:grpSpPr>
-        <a:xfrm>
-          <a:off x="0" y="0"/>
-          <a:ext cx="0" cy="0"/>
-          <a:chOff x="0" y="0"/>
-          <a:chExt cx="0" cy="0"/>
-        </a:xfrm>
-      </p:grpSpPr>
-      <p:pic>
-        <p:nvPicPr>
-          <p:cNvPr id="4" name="Content Placeholder 3" descr="wc2.js.png"/>
-          <p:cNvPicPr>
-            <a:picLocks noGrp="1" noChangeAspect="1"/>
-          </p:cNvPicPr>
-          <p:nvPr>
-            <p:ph idx="1"/>
-          </p:nvPr>
-        </p:nvPicPr>
-        <p:blipFill>
-          <a:blip r:embed="rId2">
-            <a:extLst>
-              <a:ext uri="{28A0092B-C50C-407E-A947-70E740481C1C}">
-                <a14:useLocalDpi xmlns:a14="http://schemas.microsoft.com/office/drawing/2010/main" val="0"/>
-              </a:ext>
-            </a:extLst>
-          </a:blip>
-          <a:stretch>
-            <a:fillRect/>
-          </a:stretch>
-        </p:blipFill>
-        <p:spPr>
-          <a:xfrm>
-            <a:off x="1289146" y="290196"/>
-            <a:ext cx="10456895" cy="5882004"/>
-          </a:xfrm>
-        </p:spPr>
-      </p:pic>
-    </p:spTree>
-    <p:extLst>
-      <p:ext uri="{BB962C8B-B14F-4D97-AF65-F5344CB8AC3E}">
-        <p14:creationId xmlns:p14="http://schemas.microsoft.com/office/powerpoint/2010/main" val="2058907361"/>
-      </p:ext>
-    </p:extLst>
-  </p:cSld>
-  <p:clrMapOvr>
-    <a:masterClrMapping/>
-  </p:clrMapOvr>
-  <p:timing>
-    <p:tnLst>
-      <p:par>
-        <p:cTn id="1" dur="indefinite" restart="never" nodeType="tmRoot"/>
-      </p:par>
-    </p:tnLst>
-  </p:timing>
-</p:sld>
-</file>
-
 <file path=ppt/slides/slide13.xml><?xml version="1.0" encoding="utf-8"?>
 <p:sld xmlns:a="http://schemas.openxmlformats.org/drawingml/2006/main" xmlns:r="http://schemas.openxmlformats.org/officeDocument/2006/relationships" xmlns:p="http://schemas.openxmlformats.org/presentationml/2006/main">
   <p:cSld>
@@ -4717,61 +4803,49 @@
             <p:ph type="title"/>
           </p:nvPr>
         </p:nvSpPr>
-        <p:spPr/>
-        <p:txBody>
-          <a:bodyPr/>
+        <p:spPr>
+          <a:xfrm>
+            <a:off x="1779494" y="2270631"/>
+            <a:ext cx="9601200" cy="2718227"/>
+          </a:xfrm>
+        </p:spPr>
+        <p:txBody>
+          <a:bodyPr>
+            <a:normAutofit/>
+          </a:bodyPr>
           <a:lstStyle/>
           <a:p>
             <a:pPr algn="ctr"/>
             <a:r>
-              <a:rPr lang="en-US" dirty="0" smtClean="0"/>
-              <a:t>NPM – Node Package Manager</a:t>
+              <a:rPr lang="zh-CHT" altLang="en-US" sz="5400" dirty="0" smtClean="0"/>
+              <a:t>解決之道</a:t>
+            </a:r>
+            <a:r>
+              <a:rPr lang="zh-CHT" altLang="en-US" dirty="0" smtClean="0"/>
+              <a:t/>
             </a:r>
             <a:br>
-              <a:rPr lang="en-US" dirty="0" smtClean="0"/>
+              <a:rPr lang="zh-CHT" altLang="en-US" dirty="0" smtClean="0"/>
             </a:br>
             <a:r>
-              <a:rPr lang="en-US" dirty="0" smtClean="0"/>
-              <a:t>Leverage open source community</a:t>
+              <a:rPr lang="zh-CHT" altLang="en-US" dirty="0" smtClean="0"/>
+              <a:t/>
+            </a:r>
+            <a:br>
+              <a:rPr lang="zh-CHT" altLang="en-US" dirty="0" smtClean="0"/>
+            </a:br>
+            <a:r>
+              <a:rPr lang="zh-CHT" altLang="en-US" dirty="0" smtClean="0"/>
+              <a:t>把檔案切成一塊一塊分開處理</a:t>
             </a:r>
             <a:endParaRPr lang="en-US" dirty="0"/>
           </a:p>
         </p:txBody>
       </p:sp>
-      <p:pic>
-        <p:nvPicPr>
-          <p:cNvPr id="4" name="Content Placeholder 3" descr="npm.png"/>
-          <p:cNvPicPr>
-            <a:picLocks noChangeAspect="1"/>
-          </p:cNvPicPr>
-          <p:nvPr/>
-        </p:nvPicPr>
-        <p:blipFill>
-          <a:blip r:embed="rId2">
-            <a:extLst>
-              <a:ext uri="{28A0092B-C50C-407E-A947-70E740481C1C}">
-                <a14:useLocalDpi xmlns:a14="http://schemas.microsoft.com/office/drawing/2010/main" val="0"/>
-              </a:ext>
-            </a:extLst>
-          </a:blip>
-          <a:stretch>
-            <a:fillRect/>
-          </a:stretch>
-        </p:blipFill>
-        <p:spPr>
-          <a:xfrm>
-            <a:off x="1237130" y="2431419"/>
-            <a:ext cx="10381129" cy="3331016"/>
-          </a:xfrm>
-          <a:prstGeom prst="rect">
-            <a:avLst/>
-          </a:prstGeom>
-        </p:spPr>
-      </p:pic>
     </p:spTree>
     <p:extLst>
       <p:ext uri="{BB962C8B-B14F-4D97-AF65-F5344CB8AC3E}">
-        <p14:creationId xmlns:p14="http://schemas.microsoft.com/office/powerpoint/2010/main" val="2131953877"/>
+        <p14:creationId xmlns:p14="http://schemas.microsoft.com/office/powerpoint/2010/main" val="447053428"/>
       </p:ext>
     </p:extLst>
   </p:cSld>
@@ -4807,7 +4881,7 @@
       </p:grpSpPr>
       <p:pic>
         <p:nvPicPr>
-          <p:cNvPr id="4" name="Content Placeholder 3" descr="module count 1.png"/>
+          <p:cNvPr id="4" name="Content Placeholder 3" descr="wc2.js.png"/>
           <p:cNvPicPr>
             <a:picLocks noGrp="1" noChangeAspect="1"/>
           </p:cNvPicPr>
@@ -4829,49 +4903,15 @@
         </p:blipFill>
         <p:spPr>
           <a:xfrm>
-            <a:off x="2291766" y="391885"/>
-            <a:ext cx="8714691" cy="5268686"/>
+            <a:off x="1289146" y="290196"/>
+            <a:ext cx="10456895" cy="5882004"/>
           </a:xfrm>
         </p:spPr>
       </p:pic>
-      <p:sp>
-        <p:nvSpPr>
-          <p:cNvPr id="5" name="TextBox 4"/>
-          <p:cNvSpPr txBox="1"/>
-          <p:nvPr/>
-        </p:nvSpPr>
-        <p:spPr>
-          <a:xfrm>
-            <a:off x="4691743" y="5812971"/>
-            <a:ext cx="3211072" cy="369332"/>
-          </a:xfrm>
-          <a:prstGeom prst="rect">
-            <a:avLst/>
-          </a:prstGeom>
-          <a:noFill/>
-        </p:spPr>
-        <p:txBody>
-          <a:bodyPr wrap="none" rtlCol="0">
-            <a:spAutoFit/>
-          </a:bodyPr>
-          <a:lstStyle/>
-          <a:p>
-            <a:r>
-              <a:rPr lang="en-US" dirty="0" smtClean="0"/>
-              <a:t>http://</a:t>
-            </a:r>
-            <a:r>
-              <a:rPr lang="en-US" dirty="0" err="1" smtClean="0"/>
-              <a:t>www.modulecounts.com</a:t>
-            </a:r>
-            <a:endParaRPr lang="en-US" dirty="0"/>
-          </a:p>
-        </p:txBody>
-      </p:sp>
     </p:spTree>
     <p:extLst>
       <p:ext uri="{BB962C8B-B14F-4D97-AF65-F5344CB8AC3E}">
-        <p14:creationId xmlns:p14="http://schemas.microsoft.com/office/powerpoint/2010/main" val="1209734969"/>
+        <p14:creationId xmlns:p14="http://schemas.microsoft.com/office/powerpoint/2010/main" val="2058907361"/>
       </p:ext>
     </p:extLst>
   </p:cSld>
@@ -4905,183 +4945,88 @@
           <a:chExt cx="0" cy="0"/>
         </a:xfrm>
       </p:grpSpPr>
-      <p:pic>
-        <p:nvPicPr>
-          <p:cNvPr id="4" name="Content Placeholder 3" descr="module count 2.png"/>
-          <p:cNvPicPr>
-            <a:picLocks noGrp="1" noChangeAspect="1"/>
-          </p:cNvPicPr>
+      <p:sp>
+        <p:nvSpPr>
+          <p:cNvPr id="2" name="Title 1"/>
+          <p:cNvSpPr>
+            <a:spLocks noGrp="1"/>
+          </p:cNvSpPr>
+          <p:nvPr>
+            <p:ph type="title"/>
+          </p:nvPr>
+        </p:nvSpPr>
+        <p:spPr/>
+        <p:txBody>
+          <a:bodyPr/>
+          <a:lstStyle/>
+          <a:p>
+            <a:r>
+              <a:rPr lang="en-US" dirty="0" smtClean="0"/>
+              <a:t>Tools for high concurrency</a:t>
+            </a:r>
+            <a:endParaRPr lang="en-US" dirty="0"/>
+          </a:p>
+        </p:txBody>
+      </p:sp>
+      <p:sp>
+        <p:nvSpPr>
+          <p:cNvPr id="3" name="Content Placeholder 2"/>
+          <p:cNvSpPr>
+            <a:spLocks noGrp="1"/>
+          </p:cNvSpPr>
           <p:nvPr>
             <p:ph idx="1"/>
           </p:nvPr>
-        </p:nvPicPr>
-        <p:blipFill>
-          <a:blip r:embed="rId2">
-            <a:extLst>
-              <a:ext uri="{28A0092B-C50C-407E-A947-70E740481C1C}">
-                <a14:useLocalDpi xmlns:a14="http://schemas.microsoft.com/office/drawing/2010/main" val="0"/>
-              </a:ext>
-            </a:extLst>
-          </a:blip>
-          <a:stretch>
-            <a:fillRect/>
-          </a:stretch>
-        </p:blipFill>
-        <p:spPr>
-          <a:xfrm>
-            <a:off x="1304165" y="885523"/>
-            <a:ext cx="10498070" cy="4818590"/>
-          </a:xfrm>
-        </p:spPr>
-      </p:pic>
-      <p:sp>
-        <p:nvSpPr>
-          <p:cNvPr id="5" name="Rectangle 4"/>
-          <p:cNvSpPr/>
-          <p:nvPr/>
-        </p:nvSpPr>
-        <p:spPr>
-          <a:xfrm>
-            <a:off x="1415143" y="2645230"/>
-            <a:ext cx="10232571" cy="228600"/>
-          </a:xfrm>
-          <a:prstGeom prst="rect">
-            <a:avLst/>
-          </a:prstGeom>
-          <a:noFill/>
-          <a:ln>
-            <a:solidFill>
-              <a:schemeClr val="accent6">
-                <a:lumMod val="75000"/>
-              </a:schemeClr>
-            </a:solidFill>
-          </a:ln>
-        </p:spPr>
-        <p:style>
-          <a:lnRef idx="2">
-            <a:schemeClr val="accent1">
-              <a:shade val="50000"/>
-            </a:schemeClr>
-          </a:lnRef>
-          <a:fillRef idx="1">
-            <a:schemeClr val="accent1"/>
-          </a:fillRef>
-          <a:effectRef idx="0">
-            <a:schemeClr val="accent1"/>
-          </a:effectRef>
-          <a:fontRef idx="minor">
-            <a:schemeClr val="lt1"/>
-          </a:fontRef>
-        </p:style>
-        <p:txBody>
-          <a:bodyPr rtlCol="0" anchor="ctr"/>
+        </p:nvSpPr>
+        <p:spPr/>
+        <p:txBody>
+          <a:bodyPr/>
           <a:lstStyle/>
           <a:p>
-            <a:pPr algn="ctr"/>
-            <a:endParaRPr lang="en-US"/>
-          </a:p>
-        </p:txBody>
-      </p:sp>
-      <p:sp>
-        <p:nvSpPr>
-          <p:cNvPr id="6" name="Rectangle 5"/>
-          <p:cNvSpPr/>
-          <p:nvPr/>
-        </p:nvSpPr>
-        <p:spPr>
-          <a:xfrm>
-            <a:off x="1415143" y="4098472"/>
-            <a:ext cx="10232571" cy="244927"/>
-          </a:xfrm>
-          <a:prstGeom prst="rect">
-            <a:avLst/>
-          </a:prstGeom>
-          <a:noFill/>
-          <a:ln>
-            <a:solidFill>
-              <a:schemeClr val="accent6">
-                <a:lumMod val="75000"/>
-              </a:schemeClr>
-            </a:solidFill>
-          </a:ln>
-        </p:spPr>
-        <p:style>
-          <a:lnRef idx="2">
-            <a:schemeClr val="accent1">
-              <a:shade val="50000"/>
-            </a:schemeClr>
-          </a:lnRef>
-          <a:fillRef idx="1">
-            <a:schemeClr val="accent1"/>
-          </a:fillRef>
-          <a:effectRef idx="0">
-            <a:schemeClr val="accent1"/>
-          </a:effectRef>
-          <a:fontRef idx="minor">
-            <a:schemeClr val="lt1"/>
-          </a:fontRef>
-        </p:style>
-        <p:txBody>
-          <a:bodyPr rtlCol="0" anchor="ctr"/>
-          <a:lstStyle/>
-          <a:p>
-            <a:pPr algn="ctr"/>
-            <a:endParaRPr lang="en-US"/>
-          </a:p>
-        </p:txBody>
-      </p:sp>
-      <p:sp>
-        <p:nvSpPr>
-          <p:cNvPr id="7" name="Rectangle 6"/>
-          <p:cNvSpPr/>
-          <p:nvPr/>
-        </p:nvSpPr>
-        <p:spPr>
-          <a:xfrm>
-            <a:off x="1415143" y="1208314"/>
-            <a:ext cx="10232571" cy="244929"/>
-          </a:xfrm>
-          <a:prstGeom prst="rect">
-            <a:avLst/>
-          </a:prstGeom>
-          <a:noFill/>
-          <a:ln>
-            <a:solidFill>
-              <a:schemeClr val="accent6">
-                <a:lumMod val="75000"/>
-              </a:schemeClr>
-            </a:solidFill>
-          </a:ln>
-        </p:spPr>
-        <p:style>
-          <a:lnRef idx="2">
-            <a:schemeClr val="accent1">
-              <a:shade val="50000"/>
-            </a:schemeClr>
-          </a:lnRef>
-          <a:fillRef idx="1">
-            <a:schemeClr val="accent1"/>
-          </a:fillRef>
-          <a:effectRef idx="0">
-            <a:schemeClr val="accent1"/>
-          </a:effectRef>
-          <a:fontRef idx="minor">
-            <a:schemeClr val="lt1"/>
-          </a:fontRef>
-        </p:style>
-        <p:txBody>
-          <a:bodyPr rtlCol="0" anchor="ctr"/>
-          <a:lstStyle/>
-          <a:p>
-            <a:pPr algn="ctr"/>
-            <a:endParaRPr lang="en-US"/>
+            <a:r>
+              <a:rPr lang="en-US" dirty="0" smtClean="0"/>
+              <a:t>Nested callback is hard to manage ?</a:t>
+            </a:r>
+          </a:p>
+          <a:p>
+            <a:pPr lvl="1"/>
+            <a:r>
+              <a:rPr lang="en-US" dirty="0" smtClean="0"/>
+              <a:t>use Promise, </a:t>
+            </a:r>
+            <a:r>
+              <a:rPr lang="en-US" dirty="0" err="1" smtClean="0"/>
+              <a:t>Async</a:t>
+            </a:r>
+            <a:r>
+              <a:rPr lang="en-US" dirty="0" smtClean="0"/>
+              <a:t>, etc.</a:t>
+            </a:r>
+          </a:p>
+          <a:p>
+            <a:r>
+              <a:rPr lang="en-US" dirty="0" smtClean="0"/>
+              <a:t>CPU intensive or want to use all cores ?</a:t>
+            </a:r>
+          </a:p>
+          <a:p>
+            <a:pPr lvl="1"/>
+            <a:r>
+              <a:rPr lang="en-US" dirty="0" smtClean="0"/>
+              <a:t>use cluster, pm2, etc. </a:t>
+            </a:r>
+            <a:endParaRPr lang="en-US" dirty="0"/>
+          </a:p>
+          <a:p>
+            <a:pPr lvl="1"/>
+            <a:endParaRPr lang="en-US" dirty="0" smtClean="0"/>
           </a:p>
         </p:txBody>
       </p:sp>
     </p:spTree>
     <p:extLst>
       <p:ext uri="{BB962C8B-B14F-4D97-AF65-F5344CB8AC3E}">
-        <p14:creationId xmlns:p14="http://schemas.microsoft.com/office/powerpoint/2010/main" val="1369678468"/>
+        <p14:creationId xmlns:p14="http://schemas.microsoft.com/office/powerpoint/2010/main" val="593209441"/>
       </p:ext>
     </p:extLst>
   </p:cSld>
@@ -5131,54 +5076,95 @@
           <a:lstStyle/>
           <a:p>
             <a:r>
-              <a:rPr lang="en-US" dirty="0" err="1" smtClean="0"/>
-              <a:t>npm</a:t>
-            </a:r>
-            <a:r>
               <a:rPr lang="en-US" dirty="0" smtClean="0"/>
-              <a:t> &amp; </a:t>
-            </a:r>
-            <a:r>
-              <a:rPr lang="en-US" dirty="0" err="1" smtClean="0"/>
-              <a:t>package.json</a:t>
+              <a:t>Why Node ? </a:t>
+            </a:r>
+            <a:r>
+              <a:rPr lang="zh-CHT" altLang="en-US" dirty="0" smtClean="0"/>
+              <a:t>好像也沒有很好寫耶</a:t>
             </a:r>
             <a:endParaRPr lang="en-US" dirty="0"/>
           </a:p>
         </p:txBody>
       </p:sp>
-      <p:pic>
-        <p:nvPicPr>
-          <p:cNvPr id="5" name="Content Placeholder 4" descr="npm init.png"/>
-          <p:cNvPicPr>
-            <a:picLocks noGrp="1" noChangeAspect="1"/>
-          </p:cNvPicPr>
+      <p:sp>
+        <p:nvSpPr>
+          <p:cNvPr id="3" name="Content Placeholder 2"/>
+          <p:cNvSpPr>
+            <a:spLocks noGrp="1"/>
+          </p:cNvSpPr>
           <p:nvPr>
             <p:ph idx="1"/>
           </p:nvPr>
-        </p:nvPicPr>
-        <p:blipFill>
-          <a:blip r:embed="rId2">
-            <a:extLst>
-              <a:ext uri="{28A0092B-C50C-407E-A947-70E740481C1C}">
-                <a14:useLocalDpi xmlns:a14="http://schemas.microsoft.com/office/drawing/2010/main" val="0"/>
-              </a:ext>
-            </a:extLst>
-          </a:blip>
-          <a:stretch>
-            <a:fillRect/>
-          </a:stretch>
-        </p:blipFill>
-        <p:spPr>
-          <a:xfrm>
-            <a:off x="1360714" y="2313744"/>
-            <a:ext cx="9601200" cy="1718884"/>
-          </a:xfrm>
-        </p:spPr>
-      </p:pic>
+        </p:nvSpPr>
+        <p:spPr/>
+        <p:txBody>
+          <a:bodyPr>
+            <a:normAutofit lnSpcReduction="10000"/>
+          </a:bodyPr>
+          <a:lstStyle/>
+          <a:p>
+            <a:r>
+              <a:rPr lang="en-US" sz="2800" dirty="0" err="1" smtClean="0"/>
+              <a:t>Javascript</a:t>
+            </a:r>
+            <a:r>
+              <a:rPr lang="en-US" sz="2800" dirty="0" smtClean="0"/>
+              <a:t> is a mainstream language: it is the only language that all browsers speak</a:t>
+            </a:r>
+          </a:p>
+          <a:p>
+            <a:r>
+              <a:rPr lang="en-US" sz="2800" dirty="0" smtClean="0"/>
+              <a:t>One language to get you from backend to frontend: share code and style</a:t>
+            </a:r>
+          </a:p>
+          <a:p>
+            <a:r>
+              <a:rPr lang="en-US" sz="2800" dirty="0" smtClean="0"/>
+              <a:t>Development speed is super FAST</a:t>
+            </a:r>
+          </a:p>
+          <a:p>
+            <a:pPr marL="0" indent="0">
+              <a:buNone/>
+            </a:pPr>
+            <a:endParaRPr lang="en-US" sz="3200" b="1" dirty="0" smtClean="0">
+              <a:solidFill>
+                <a:schemeClr val="accent6">
+                  <a:lumMod val="75000"/>
+                </a:schemeClr>
+              </a:solidFill>
+            </a:endParaRPr>
+          </a:p>
+          <a:p>
+            <a:pPr marL="0" indent="0" algn="ctr">
+              <a:buNone/>
+            </a:pPr>
+            <a:r>
+              <a:rPr lang="en-US" sz="3200" b="1" dirty="0" smtClean="0">
+                <a:solidFill>
+                  <a:schemeClr val="accent6">
+                    <a:lumMod val="75000"/>
+                  </a:schemeClr>
+                </a:solidFill>
+              </a:rPr>
+              <a:t>NPM: leverage open source community !!</a:t>
+            </a:r>
+            <a:endParaRPr lang="en-US" sz="3200" b="1" dirty="0">
+              <a:solidFill>
+                <a:schemeClr val="accent6">
+                  <a:lumMod val="75000"/>
+                </a:schemeClr>
+              </a:solidFill>
+            </a:endParaRPr>
+          </a:p>
+        </p:txBody>
+      </p:sp>
     </p:spTree>
     <p:extLst>
       <p:ext uri="{BB962C8B-B14F-4D97-AF65-F5344CB8AC3E}">
-        <p14:creationId xmlns:p14="http://schemas.microsoft.com/office/powerpoint/2010/main" val="379366797"/>
+        <p14:creationId xmlns:p14="http://schemas.microsoft.com/office/powerpoint/2010/main" val="524688209"/>
       </p:ext>
     </p:extLst>
   </p:cSld>
@@ -5188,7 +5174,226 @@
   <p:timing>
     <p:tnLst>
       <p:par>
-        <p:cTn id="1" dur="indefinite" restart="never" nodeType="tmRoot"/>
+        <p:cTn id="1" dur="indefinite" restart="never" nodeType="tmRoot">
+          <p:childTnLst>
+            <p:seq concurrent="1" nextAc="seek">
+              <p:cTn id="2" dur="indefinite" nodeType="mainSeq">
+                <p:childTnLst>
+                  <p:par>
+                    <p:cTn id="3" fill="hold">
+                      <p:stCondLst>
+                        <p:cond delay="indefinite"/>
+                      </p:stCondLst>
+                      <p:childTnLst>
+                        <p:par>
+                          <p:cTn id="4" fill="hold">
+                            <p:stCondLst>
+                              <p:cond delay="0"/>
+                            </p:stCondLst>
+                            <p:childTnLst>
+                              <p:par>
+                                <p:cTn id="5" presetID="1" presetClass="entr" presetSubtype="0" fill="hold" nodeType="clickEffect">
+                                  <p:stCondLst>
+                                    <p:cond delay="0"/>
+                                  </p:stCondLst>
+                                  <p:childTnLst>
+                                    <p:set>
+                                      <p:cBhvr>
+                                        <p:cTn id="6" dur="1" fill="hold">
+                                          <p:stCondLst>
+                                            <p:cond delay="0"/>
+                                          </p:stCondLst>
+                                        </p:cTn>
+                                        <p:tgtEl>
+                                          <p:spTgt spid="3">
+                                            <p:txEl>
+                                              <p:pRg st="0" end="0"/>
+                                            </p:txEl>
+                                          </p:spTgt>
+                                        </p:tgtEl>
+                                        <p:attrNameLst>
+                                          <p:attrName>style.visibility</p:attrName>
+                                        </p:attrNameLst>
+                                      </p:cBhvr>
+                                      <p:to>
+                                        <p:strVal val="visible"/>
+                                      </p:to>
+                                    </p:set>
+                                  </p:childTnLst>
+                                </p:cTn>
+                              </p:par>
+                            </p:childTnLst>
+                          </p:cTn>
+                        </p:par>
+                      </p:childTnLst>
+                    </p:cTn>
+                  </p:par>
+                  <p:par>
+                    <p:cTn id="7" fill="hold">
+                      <p:stCondLst>
+                        <p:cond delay="indefinite"/>
+                      </p:stCondLst>
+                      <p:childTnLst>
+                        <p:par>
+                          <p:cTn id="8" fill="hold">
+                            <p:stCondLst>
+                              <p:cond delay="0"/>
+                            </p:stCondLst>
+                            <p:childTnLst>
+                              <p:par>
+                                <p:cTn id="9" presetID="1" presetClass="entr" presetSubtype="0" fill="hold" nodeType="clickEffect">
+                                  <p:stCondLst>
+                                    <p:cond delay="0"/>
+                                  </p:stCondLst>
+                                  <p:childTnLst>
+                                    <p:set>
+                                      <p:cBhvr>
+                                        <p:cTn id="10" dur="1" fill="hold">
+                                          <p:stCondLst>
+                                            <p:cond delay="0"/>
+                                          </p:stCondLst>
+                                        </p:cTn>
+                                        <p:tgtEl>
+                                          <p:spTgt spid="3">
+                                            <p:txEl>
+                                              <p:pRg st="1" end="1"/>
+                                            </p:txEl>
+                                          </p:spTgt>
+                                        </p:tgtEl>
+                                        <p:attrNameLst>
+                                          <p:attrName>style.visibility</p:attrName>
+                                        </p:attrNameLst>
+                                      </p:cBhvr>
+                                      <p:to>
+                                        <p:strVal val="visible"/>
+                                      </p:to>
+                                    </p:set>
+                                  </p:childTnLst>
+                                </p:cTn>
+                              </p:par>
+                            </p:childTnLst>
+                          </p:cTn>
+                        </p:par>
+                      </p:childTnLst>
+                    </p:cTn>
+                  </p:par>
+                  <p:par>
+                    <p:cTn id="11" fill="hold">
+                      <p:stCondLst>
+                        <p:cond delay="indefinite"/>
+                      </p:stCondLst>
+                      <p:childTnLst>
+                        <p:par>
+                          <p:cTn id="12" fill="hold">
+                            <p:stCondLst>
+                              <p:cond delay="0"/>
+                            </p:stCondLst>
+                            <p:childTnLst>
+                              <p:par>
+                                <p:cTn id="13" presetID="1" presetClass="entr" presetSubtype="0" fill="hold" nodeType="clickEffect">
+                                  <p:stCondLst>
+                                    <p:cond delay="0"/>
+                                  </p:stCondLst>
+                                  <p:childTnLst>
+                                    <p:set>
+                                      <p:cBhvr>
+                                        <p:cTn id="14" dur="1" fill="hold">
+                                          <p:stCondLst>
+                                            <p:cond delay="0"/>
+                                          </p:stCondLst>
+                                        </p:cTn>
+                                        <p:tgtEl>
+                                          <p:spTgt spid="3">
+                                            <p:txEl>
+                                              <p:pRg st="2" end="2"/>
+                                            </p:txEl>
+                                          </p:spTgt>
+                                        </p:tgtEl>
+                                        <p:attrNameLst>
+                                          <p:attrName>style.visibility</p:attrName>
+                                        </p:attrNameLst>
+                                      </p:cBhvr>
+                                      <p:to>
+                                        <p:strVal val="visible"/>
+                                      </p:to>
+                                    </p:set>
+                                  </p:childTnLst>
+                                </p:cTn>
+                              </p:par>
+                            </p:childTnLst>
+                          </p:cTn>
+                        </p:par>
+                      </p:childTnLst>
+                    </p:cTn>
+                  </p:par>
+                  <p:par>
+                    <p:cTn id="15" fill="hold">
+                      <p:stCondLst>
+                        <p:cond delay="indefinite"/>
+                      </p:stCondLst>
+                      <p:childTnLst>
+                        <p:par>
+                          <p:cTn id="16" fill="hold">
+                            <p:stCondLst>
+                              <p:cond delay="0"/>
+                            </p:stCondLst>
+                            <p:childTnLst>
+                              <p:par>
+                                <p:cTn id="17" presetID="1" presetClass="entr" presetSubtype="0" fill="hold" nodeType="clickEffect">
+                                  <p:stCondLst>
+                                    <p:cond delay="0"/>
+                                  </p:stCondLst>
+                                  <p:childTnLst>
+                                    <p:set>
+                                      <p:cBhvr>
+                                        <p:cTn id="18" dur="1" fill="hold">
+                                          <p:stCondLst>
+                                            <p:cond delay="0"/>
+                                          </p:stCondLst>
+                                        </p:cTn>
+                                        <p:tgtEl>
+                                          <p:spTgt spid="3">
+                                            <p:txEl>
+                                              <p:pRg st="4" end="4"/>
+                                            </p:txEl>
+                                          </p:spTgt>
+                                        </p:tgtEl>
+                                        <p:attrNameLst>
+                                          <p:attrName>style.visibility</p:attrName>
+                                        </p:attrNameLst>
+                                      </p:cBhvr>
+                                      <p:to>
+                                        <p:strVal val="visible"/>
+                                      </p:to>
+                                    </p:set>
+                                  </p:childTnLst>
+                                </p:cTn>
+                              </p:par>
+                            </p:childTnLst>
+                          </p:cTn>
+                        </p:par>
+                      </p:childTnLst>
+                    </p:cTn>
+                  </p:par>
+                </p:childTnLst>
+              </p:cTn>
+              <p:prevCondLst>
+                <p:cond evt="onPrev" delay="0">
+                  <p:tgtEl>
+                    <p:sldTgt/>
+                  </p:tgtEl>
+                </p:cond>
+              </p:prevCondLst>
+              <p:nextCondLst>
+                <p:cond evt="onNext" delay="0">
+                  <p:tgtEl>
+                    <p:sldTgt/>
+                  </p:tgtEl>
+                </p:cond>
+              </p:nextCondLst>
+            </p:seq>
+          </p:childTnLst>
+        </p:cTn>
       </p:par>
     </p:tnLst>
   </p:timing>
@@ -5212,15 +5417,37 @@
           <a:chExt cx="0" cy="0"/>
         </a:xfrm>
       </p:grpSpPr>
+      <p:sp>
+        <p:nvSpPr>
+          <p:cNvPr id="2" name="Title 1"/>
+          <p:cNvSpPr>
+            <a:spLocks noGrp="1"/>
+          </p:cNvSpPr>
+          <p:nvPr>
+            <p:ph type="title"/>
+          </p:nvPr>
+        </p:nvSpPr>
+        <p:spPr/>
+        <p:txBody>
+          <a:bodyPr/>
+          <a:lstStyle/>
+          <a:p>
+            <a:pPr algn="ctr"/>
+            <a:r>
+              <a:rPr lang="en-US" dirty="0" smtClean="0"/>
+              <a:t>NPM – Node Package Manager</a:t>
+            </a:r>
+            <a:endParaRPr lang="en-US" dirty="0"/>
+          </a:p>
+        </p:txBody>
+      </p:sp>
       <p:pic>
         <p:nvPicPr>
-          <p:cNvPr id="4" name="Content Placeholder 3" descr="package.json.png"/>
+          <p:cNvPr id="4" name="Content Placeholder 3" descr="npm.png"/>
           <p:cNvPicPr>
-            <a:picLocks noGrp="1" noChangeAspect="1"/>
+            <a:picLocks noChangeAspect="1"/>
           </p:cNvPicPr>
-          <p:nvPr>
-            <p:ph idx="1"/>
-          </p:nvPr>
+          <p:nvPr/>
         </p:nvPicPr>
         <p:blipFill>
           <a:blip r:embed="rId2">
@@ -5236,49 +5463,18 @@
         </p:blipFill>
         <p:spPr>
           <a:xfrm>
-            <a:off x="1709058" y="1251338"/>
-            <a:ext cx="9491829" cy="4474547"/>
-          </a:xfrm>
-        </p:spPr>
-      </p:pic>
-      <p:sp>
-        <p:nvSpPr>
-          <p:cNvPr id="5" name="TextBox 4"/>
-          <p:cNvSpPr txBox="1"/>
-          <p:nvPr/>
-        </p:nvSpPr>
-        <p:spPr>
-          <a:xfrm>
-            <a:off x="5270607" y="656985"/>
-            <a:ext cx="1899302" cy="461665"/>
+            <a:off x="1237130" y="2431419"/>
+            <a:ext cx="10381129" cy="3331016"/>
           </a:xfrm>
           <a:prstGeom prst="rect">
             <a:avLst/>
           </a:prstGeom>
-          <a:noFill/>
-        </p:spPr>
-        <p:txBody>
-          <a:bodyPr wrap="none" rtlCol="0">
-            <a:spAutoFit/>
-          </a:bodyPr>
-          <a:lstStyle/>
-          <a:p>
-            <a:r>
-              <a:rPr lang="en-US" sz="2400" dirty="0" err="1"/>
-              <a:t>p</a:t>
-            </a:r>
-            <a:r>
-              <a:rPr lang="en-US" sz="2400" dirty="0" err="1" smtClean="0"/>
-              <a:t>ackage.json</a:t>
-            </a:r>
-            <a:endParaRPr lang="en-US" sz="2400" dirty="0"/>
-          </a:p>
-        </p:txBody>
-      </p:sp>
+        </p:spPr>
+      </p:pic>
     </p:spTree>
     <p:extLst>
       <p:ext uri="{BB962C8B-B14F-4D97-AF65-F5344CB8AC3E}">
-        <p14:creationId xmlns:p14="http://schemas.microsoft.com/office/powerpoint/2010/main" val="213952386"/>
+        <p14:creationId xmlns:p14="http://schemas.microsoft.com/office/powerpoint/2010/main" val="2131953877"/>
       </p:ext>
     </p:extLst>
   </p:cSld>
@@ -5314,7 +5510,7 @@
       </p:grpSpPr>
       <p:pic>
         <p:nvPicPr>
-          <p:cNvPr id="4" name="Content Placeholder 3" descr="npm install.png"/>
+          <p:cNvPr id="4" name="Content Placeholder 3" descr="module count 1.png"/>
           <p:cNvPicPr>
             <a:picLocks noGrp="1" noChangeAspect="1"/>
           </p:cNvPicPr>
@@ -5336,111 +5532,21 @@
         </p:blipFill>
         <p:spPr>
           <a:xfrm>
-            <a:off x="1567543" y="1066885"/>
-            <a:ext cx="9601200" cy="925115"/>
+            <a:off x="2291766" y="391885"/>
+            <a:ext cx="8714691" cy="5268686"/>
           </a:xfrm>
         </p:spPr>
       </p:pic>
-      <p:pic>
-        <p:nvPicPr>
-          <p:cNvPr id="5" name="Picture 4" descr="npm install global.png"/>
-          <p:cNvPicPr>
-            <a:picLocks noChangeAspect="1"/>
-          </p:cNvPicPr>
-          <p:nvPr/>
-        </p:nvPicPr>
-        <p:blipFill>
-          <a:blip r:embed="rId3">
-            <a:extLst>
-              <a:ext uri="{28A0092B-C50C-407E-A947-70E740481C1C}">
-                <a14:useLocalDpi xmlns:a14="http://schemas.microsoft.com/office/drawing/2010/main" val="0"/>
-              </a:ext>
-            </a:extLst>
-          </a:blip>
-          <a:stretch>
-            <a:fillRect/>
-          </a:stretch>
-        </p:blipFill>
-        <p:spPr>
-          <a:xfrm>
-            <a:off x="1567543" y="2351314"/>
-            <a:ext cx="9601200" cy="1186104"/>
-          </a:xfrm>
-          <a:prstGeom prst="rect">
-            <a:avLst/>
-          </a:prstGeom>
-        </p:spPr>
-      </p:pic>
-      <p:pic>
-        <p:nvPicPr>
-          <p:cNvPr id="6" name="Picture 5" descr="npm uninstall.png"/>
-          <p:cNvPicPr>
-            <a:picLocks noChangeAspect="1"/>
-          </p:cNvPicPr>
-          <p:nvPr/>
-        </p:nvPicPr>
-        <p:blipFill>
-          <a:blip r:embed="rId4">
-            <a:extLst>
-              <a:ext uri="{28A0092B-C50C-407E-A947-70E740481C1C}">
-                <a14:useLocalDpi xmlns:a14="http://schemas.microsoft.com/office/drawing/2010/main" val="0"/>
-              </a:ext>
-            </a:extLst>
-          </a:blip>
-          <a:stretch>
-            <a:fillRect/>
-          </a:stretch>
-        </p:blipFill>
-        <p:spPr>
-          <a:xfrm>
-            <a:off x="1567543" y="3896732"/>
-            <a:ext cx="9601200" cy="877394"/>
-          </a:xfrm>
-          <a:prstGeom prst="rect">
-            <a:avLst/>
-          </a:prstGeom>
-        </p:spPr>
-      </p:pic>
-      <p:pic>
-        <p:nvPicPr>
-          <p:cNvPr id="7" name="Picture 6" descr="npm install to another computer.png"/>
-          <p:cNvPicPr>
-            <a:picLocks noChangeAspect="1"/>
-          </p:cNvPicPr>
-          <p:nvPr/>
-        </p:nvPicPr>
-        <p:blipFill>
-          <a:blip r:embed="rId5">
-            <a:extLst>
-              <a:ext uri="{28A0092B-C50C-407E-A947-70E740481C1C}">
-                <a14:useLocalDpi xmlns:a14="http://schemas.microsoft.com/office/drawing/2010/main" val="0"/>
-              </a:ext>
-            </a:extLst>
-          </a:blip>
-          <a:stretch>
-            <a:fillRect/>
-          </a:stretch>
-        </p:blipFill>
-        <p:spPr>
-          <a:xfrm>
-            <a:off x="1567543" y="5133440"/>
-            <a:ext cx="9563100" cy="977900"/>
-          </a:xfrm>
-          <a:prstGeom prst="rect">
-            <a:avLst/>
-          </a:prstGeom>
-        </p:spPr>
-      </p:pic>
-      <p:sp>
-        <p:nvSpPr>
-          <p:cNvPr id="8" name="TextBox 7"/>
+      <p:sp>
+        <p:nvSpPr>
+          <p:cNvPr id="5" name="TextBox 4"/>
           <p:cNvSpPr txBox="1"/>
           <p:nvPr/>
         </p:nvSpPr>
         <p:spPr>
           <a:xfrm>
-            <a:off x="5055454" y="425563"/>
-            <a:ext cx="2071849" cy="461665"/>
+            <a:off x="4691743" y="5812971"/>
+            <a:ext cx="3211072" cy="369332"/>
           </a:xfrm>
           <a:prstGeom prst="rect">
             <a:avLst/>
@@ -5454,29 +5560,21 @@
           <a:lstStyle/>
           <a:p>
             <a:r>
-              <a:rPr lang="en-US" sz="2400" dirty="0" err="1"/>
-              <a:t>n</a:t>
-            </a:r>
-            <a:r>
-              <a:rPr lang="en-US" sz="2400" dirty="0" err="1" smtClean="0"/>
-              <a:t>pm</a:t>
-            </a:r>
-            <a:r>
-              <a:rPr lang="en-US" sz="2400" dirty="0" smtClean="0"/>
-              <a:t> </a:t>
-            </a:r>
-            <a:r>
-              <a:rPr lang="zh-CHT" altLang="en-US" sz="2400" dirty="0" smtClean="0"/>
-              <a:t>常用指令</a:t>
-            </a:r>
-            <a:endParaRPr lang="en-US" sz="2400" dirty="0"/>
+              <a:rPr lang="en-US" dirty="0" smtClean="0"/>
+              <a:t>http://</a:t>
+            </a:r>
+            <a:r>
+              <a:rPr lang="en-US" dirty="0" err="1" smtClean="0"/>
+              <a:t>www.modulecounts.com</a:t>
+            </a:r>
+            <a:endParaRPr lang="en-US" dirty="0"/>
           </a:p>
         </p:txBody>
       </p:sp>
     </p:spTree>
     <p:extLst>
       <p:ext uri="{BB962C8B-B14F-4D97-AF65-F5344CB8AC3E}">
-        <p14:creationId xmlns:p14="http://schemas.microsoft.com/office/powerpoint/2010/main" val="67874133"/>
+        <p14:creationId xmlns:p14="http://schemas.microsoft.com/office/powerpoint/2010/main" val="1209734969"/>
       </p:ext>
     </p:extLst>
   </p:cSld>
@@ -5510,39 +5608,183 @@
           <a:chExt cx="0" cy="0"/>
         </a:xfrm>
       </p:grpSpPr>
-      <p:sp>
-        <p:nvSpPr>
-          <p:cNvPr id="2" name="Title 1"/>
-          <p:cNvSpPr>
-            <a:spLocks noGrp="1"/>
-          </p:cNvSpPr>
-          <p:nvPr>
-            <p:ph type="title"/>
-          </p:nvPr>
-        </p:nvSpPr>
-        <p:spPr>
-          <a:xfrm>
-            <a:off x="1752600" y="2808514"/>
-            <a:ext cx="9601200" cy="1485900"/>
-          </a:xfrm>
-        </p:spPr>
-        <p:txBody>
-          <a:bodyPr/>
+      <p:pic>
+        <p:nvPicPr>
+          <p:cNvPr id="4" name="Content Placeholder 3" descr="module count 2.png"/>
+          <p:cNvPicPr>
+            <a:picLocks noGrp="1" noChangeAspect="1"/>
+          </p:cNvPicPr>
+          <p:nvPr>
+            <p:ph idx="1"/>
+          </p:nvPr>
+        </p:nvPicPr>
+        <p:blipFill>
+          <a:blip r:embed="rId2">
+            <a:extLst>
+              <a:ext uri="{28A0092B-C50C-407E-A947-70E740481C1C}">
+                <a14:useLocalDpi xmlns:a14="http://schemas.microsoft.com/office/drawing/2010/main" val="0"/>
+              </a:ext>
+            </a:extLst>
+          </a:blip>
+          <a:stretch>
+            <a:fillRect/>
+          </a:stretch>
+        </p:blipFill>
+        <p:spPr>
+          <a:xfrm>
+            <a:off x="1304165" y="885523"/>
+            <a:ext cx="10498070" cy="4818590"/>
+          </a:xfrm>
+        </p:spPr>
+      </p:pic>
+      <p:sp>
+        <p:nvSpPr>
+          <p:cNvPr id="5" name="Rectangle 4"/>
+          <p:cNvSpPr/>
+          <p:nvPr/>
+        </p:nvSpPr>
+        <p:spPr>
+          <a:xfrm>
+            <a:off x="1415143" y="2645230"/>
+            <a:ext cx="10232571" cy="228600"/>
+          </a:xfrm>
+          <a:prstGeom prst="rect">
+            <a:avLst/>
+          </a:prstGeom>
+          <a:noFill/>
+          <a:ln>
+            <a:solidFill>
+              <a:schemeClr val="accent6">
+                <a:lumMod val="75000"/>
+              </a:schemeClr>
+            </a:solidFill>
+          </a:ln>
+        </p:spPr>
+        <p:style>
+          <a:lnRef idx="2">
+            <a:schemeClr val="accent1">
+              <a:shade val="50000"/>
+            </a:schemeClr>
+          </a:lnRef>
+          <a:fillRef idx="1">
+            <a:schemeClr val="accent1"/>
+          </a:fillRef>
+          <a:effectRef idx="0">
+            <a:schemeClr val="accent1"/>
+          </a:effectRef>
+          <a:fontRef idx="minor">
+            <a:schemeClr val="lt1"/>
+          </a:fontRef>
+        </p:style>
+        <p:txBody>
+          <a:bodyPr rtlCol="0" anchor="ctr"/>
           <a:lstStyle/>
           <a:p>
             <a:pPr algn="ctr"/>
-            <a:r>
-              <a:rPr lang="en-US" dirty="0" smtClean="0"/>
-              <a:t>How to write our own modules ?</a:t>
-            </a:r>
-            <a:endParaRPr lang="en-US" dirty="0"/>
+            <a:endParaRPr lang="en-US"/>
+          </a:p>
+        </p:txBody>
+      </p:sp>
+      <p:sp>
+        <p:nvSpPr>
+          <p:cNvPr id="6" name="Rectangle 5"/>
+          <p:cNvSpPr/>
+          <p:nvPr/>
+        </p:nvSpPr>
+        <p:spPr>
+          <a:xfrm>
+            <a:off x="1415143" y="4098472"/>
+            <a:ext cx="10232571" cy="244927"/>
+          </a:xfrm>
+          <a:prstGeom prst="rect">
+            <a:avLst/>
+          </a:prstGeom>
+          <a:noFill/>
+          <a:ln>
+            <a:solidFill>
+              <a:schemeClr val="accent6">
+                <a:lumMod val="75000"/>
+              </a:schemeClr>
+            </a:solidFill>
+          </a:ln>
+        </p:spPr>
+        <p:style>
+          <a:lnRef idx="2">
+            <a:schemeClr val="accent1">
+              <a:shade val="50000"/>
+            </a:schemeClr>
+          </a:lnRef>
+          <a:fillRef idx="1">
+            <a:schemeClr val="accent1"/>
+          </a:fillRef>
+          <a:effectRef idx="0">
+            <a:schemeClr val="accent1"/>
+          </a:effectRef>
+          <a:fontRef idx="minor">
+            <a:schemeClr val="lt1"/>
+          </a:fontRef>
+        </p:style>
+        <p:txBody>
+          <a:bodyPr rtlCol="0" anchor="ctr"/>
+          <a:lstStyle/>
+          <a:p>
+            <a:pPr algn="ctr"/>
+            <a:endParaRPr lang="en-US"/>
+          </a:p>
+        </p:txBody>
+      </p:sp>
+      <p:sp>
+        <p:nvSpPr>
+          <p:cNvPr id="7" name="Rectangle 6"/>
+          <p:cNvSpPr/>
+          <p:nvPr/>
+        </p:nvSpPr>
+        <p:spPr>
+          <a:xfrm>
+            <a:off x="1415143" y="1208314"/>
+            <a:ext cx="10232571" cy="244929"/>
+          </a:xfrm>
+          <a:prstGeom prst="rect">
+            <a:avLst/>
+          </a:prstGeom>
+          <a:noFill/>
+          <a:ln>
+            <a:solidFill>
+              <a:schemeClr val="accent6">
+                <a:lumMod val="75000"/>
+              </a:schemeClr>
+            </a:solidFill>
+          </a:ln>
+        </p:spPr>
+        <p:style>
+          <a:lnRef idx="2">
+            <a:schemeClr val="accent1">
+              <a:shade val="50000"/>
+            </a:schemeClr>
+          </a:lnRef>
+          <a:fillRef idx="1">
+            <a:schemeClr val="accent1"/>
+          </a:fillRef>
+          <a:effectRef idx="0">
+            <a:schemeClr val="accent1"/>
+          </a:effectRef>
+          <a:fontRef idx="minor">
+            <a:schemeClr val="lt1"/>
+          </a:fontRef>
+        </p:style>
+        <p:txBody>
+          <a:bodyPr rtlCol="0" anchor="ctr"/>
+          <a:lstStyle/>
+          <a:p>
+            <a:pPr algn="ctr"/>
+            <a:endParaRPr lang="en-US"/>
           </a:p>
         </p:txBody>
       </p:sp>
     </p:spTree>
     <p:extLst>
       <p:ext uri="{BB962C8B-B14F-4D97-AF65-F5344CB8AC3E}">
-        <p14:creationId xmlns:p14="http://schemas.microsoft.com/office/powerpoint/2010/main" val="1684677418"/>
+        <p14:creationId xmlns:p14="http://schemas.microsoft.com/office/powerpoint/2010/main" val="1369678468"/>
       </p:ext>
     </p:extLst>
   </p:cSld>
@@ -5669,9 +5911,40 @@
           <a:chExt cx="0" cy="0"/>
         </a:xfrm>
       </p:grpSpPr>
+      <p:sp>
+        <p:nvSpPr>
+          <p:cNvPr id="2" name="Title 1"/>
+          <p:cNvSpPr>
+            <a:spLocks noGrp="1"/>
+          </p:cNvSpPr>
+          <p:nvPr>
+            <p:ph type="title"/>
+          </p:nvPr>
+        </p:nvSpPr>
+        <p:spPr/>
+        <p:txBody>
+          <a:bodyPr/>
+          <a:lstStyle/>
+          <a:p>
+            <a:r>
+              <a:rPr lang="en-US" dirty="0" err="1" smtClean="0"/>
+              <a:t>npm</a:t>
+            </a:r>
+            <a:r>
+              <a:rPr lang="en-US" dirty="0" smtClean="0"/>
+              <a:t> &amp; </a:t>
+            </a:r>
+            <a:r>
+              <a:rPr lang="en-US" dirty="0" err="1" smtClean="0"/>
+              <a:t>package.json</a:t>
+            </a:r>
+            <a:endParaRPr lang="en-US" dirty="0"/>
+          </a:p>
+        </p:txBody>
+      </p:sp>
       <p:pic>
         <p:nvPicPr>
-          <p:cNvPr id="4" name="Content Placeholder 3" descr="wordcount object.png"/>
+          <p:cNvPr id="5" name="Content Placeholder 4" descr="npm init.png"/>
           <p:cNvPicPr>
             <a:picLocks noGrp="1" noChangeAspect="1"/>
           </p:cNvPicPr>
@@ -5693,95 +5966,15 @@
         </p:blipFill>
         <p:spPr>
           <a:xfrm>
-            <a:off x="2166914" y="707572"/>
-            <a:ext cx="8912120" cy="5965371"/>
+            <a:off x="1360714" y="2313744"/>
+            <a:ext cx="9601200" cy="1718884"/>
           </a:xfrm>
         </p:spPr>
       </p:pic>
-      <p:sp>
-        <p:nvSpPr>
-          <p:cNvPr id="5" name="TextBox 4"/>
-          <p:cNvSpPr txBox="1"/>
-          <p:nvPr/>
-        </p:nvSpPr>
-        <p:spPr>
-          <a:xfrm>
-            <a:off x="5312229" y="115277"/>
-            <a:ext cx="1828706" cy="461665"/>
-          </a:xfrm>
-          <a:prstGeom prst="rect">
-            <a:avLst/>
-          </a:prstGeom>
-          <a:noFill/>
-        </p:spPr>
-        <p:txBody>
-          <a:bodyPr wrap="none" rtlCol="0">
-            <a:spAutoFit/>
-          </a:bodyPr>
-          <a:lstStyle/>
-          <a:p>
-            <a:r>
-              <a:rPr lang="en-US" sz="2400" dirty="0" err="1"/>
-              <a:t>w</a:t>
-            </a:r>
-            <a:r>
-              <a:rPr lang="en-US" sz="2400" dirty="0" err="1" smtClean="0"/>
-              <a:t>ordcount.js</a:t>
-            </a:r>
-            <a:endParaRPr lang="en-US" sz="2400" dirty="0"/>
-          </a:p>
-        </p:txBody>
-      </p:sp>
-      <p:sp>
-        <p:nvSpPr>
-          <p:cNvPr id="6" name="Rectangle 5"/>
-          <p:cNvSpPr/>
-          <p:nvPr/>
-        </p:nvSpPr>
-        <p:spPr>
-          <a:xfrm>
-            <a:off x="2569030" y="6215742"/>
-            <a:ext cx="8371114" cy="326571"/>
-          </a:xfrm>
-          <a:prstGeom prst="rect">
-            <a:avLst/>
-          </a:prstGeom>
-          <a:noFill/>
-          <a:ln>
-            <a:solidFill>
-              <a:srgbClr val="FF0000"/>
-            </a:solidFill>
-          </a:ln>
-        </p:spPr>
-        <p:style>
-          <a:lnRef idx="2">
-            <a:schemeClr val="accent1">
-              <a:shade val="50000"/>
-            </a:schemeClr>
-          </a:lnRef>
-          <a:fillRef idx="1">
-            <a:schemeClr val="accent1"/>
-          </a:fillRef>
-          <a:effectRef idx="0">
-            <a:schemeClr val="accent1"/>
-          </a:effectRef>
-          <a:fontRef idx="minor">
-            <a:schemeClr val="lt1"/>
-          </a:fontRef>
-        </p:style>
-        <p:txBody>
-          <a:bodyPr rtlCol="0" anchor="ctr"/>
-          <a:lstStyle/>
-          <a:p>
-            <a:pPr algn="ctr"/>
-            <a:endParaRPr lang="en-US"/>
-          </a:p>
-        </p:txBody>
-      </p:sp>
     </p:spTree>
     <p:extLst>
       <p:ext uri="{BB962C8B-B14F-4D97-AF65-F5344CB8AC3E}">
-        <p14:creationId xmlns:p14="http://schemas.microsoft.com/office/powerpoint/2010/main" val="274325361"/>
+        <p14:creationId xmlns:p14="http://schemas.microsoft.com/office/powerpoint/2010/main" val="379366797"/>
       </p:ext>
     </p:extLst>
   </p:cSld>
@@ -5817,7 +6010,7 @@
       </p:grpSpPr>
       <p:pic>
         <p:nvPicPr>
-          <p:cNvPr id="4" name="Content Placeholder 3" descr="wc3.js use wordcount object.png"/>
+          <p:cNvPr id="4" name="Content Placeholder 3" descr="package.json.png"/>
           <p:cNvPicPr>
             <a:picLocks noGrp="1" noChangeAspect="1"/>
           </p:cNvPicPr>
@@ -5839,66 +6032,49 @@
         </p:blipFill>
         <p:spPr>
           <a:xfrm>
-            <a:off x="1687285" y="1573087"/>
-            <a:ext cx="9601200" cy="3483226"/>
+            <a:off x="1709058" y="1251338"/>
+            <a:ext cx="9491829" cy="4474547"/>
           </a:xfrm>
         </p:spPr>
       </p:pic>
       <p:sp>
         <p:nvSpPr>
-          <p:cNvPr id="5" name="Rectangle 4"/>
-          <p:cNvSpPr/>
+          <p:cNvPr id="5" name="TextBox 4"/>
+          <p:cNvSpPr txBox="1"/>
           <p:nvPr/>
         </p:nvSpPr>
         <p:spPr>
           <a:xfrm>
-            <a:off x="2111828" y="2133600"/>
-            <a:ext cx="8969829" cy="293914"/>
+            <a:off x="5270607" y="656985"/>
+            <a:ext cx="1899302" cy="461665"/>
           </a:xfrm>
           <a:prstGeom prst="rect">
             <a:avLst/>
           </a:prstGeom>
           <a:noFill/>
-          <a:ln>
-            <a:solidFill>
-              <a:srgbClr val="FF0000"/>
-            </a:solidFill>
-          </a:ln>
-        </p:spPr>
-        <p:style>
-          <a:lnRef idx="2">
-            <a:schemeClr val="accent1">
-              <a:shade val="50000"/>
-            </a:schemeClr>
-          </a:lnRef>
-          <a:fillRef idx="1">
-            <a:schemeClr val="accent1"/>
-          </a:fillRef>
-          <a:effectRef idx="0">
-            <a:schemeClr val="accent1"/>
-          </a:effectRef>
-          <a:fontRef idx="minor">
-            <a:schemeClr val="lt1"/>
-          </a:fontRef>
-        </p:style>
-        <p:txBody>
-          <a:bodyPr rot="0" spcFirstLastPara="0" vertOverflow="overflow" horzOverflow="overflow" vert="horz" wrap="square" lIns="91440" tIns="45720" rIns="91440" bIns="45720" numCol="1" spcCol="0" rtlCol="0" fromWordArt="0" anchor="ctr" anchorCtr="0" forceAA="0" compatLnSpc="1">
-            <a:prstTxWarp prst="textNoShape">
-              <a:avLst/>
-            </a:prstTxWarp>
-            <a:noAutofit/>
+        </p:spPr>
+        <p:txBody>
+          <a:bodyPr wrap="none" rtlCol="0">
+            <a:spAutoFit/>
           </a:bodyPr>
           <a:lstStyle/>
           <a:p>
-            <a:pPr algn="ctr"/>
-            <a:endParaRPr lang="en-US"/>
+            <a:r>
+              <a:rPr lang="en-US" sz="2400" dirty="0" err="1"/>
+              <a:t>p</a:t>
+            </a:r>
+            <a:r>
+              <a:rPr lang="en-US" sz="2400" dirty="0" err="1" smtClean="0"/>
+              <a:t>ackage.json</a:t>
+            </a:r>
+            <a:endParaRPr lang="en-US" sz="2400" dirty="0"/>
           </a:p>
         </p:txBody>
       </p:sp>
     </p:spTree>
     <p:extLst>
       <p:ext uri="{BB962C8B-B14F-4D97-AF65-F5344CB8AC3E}">
-        <p14:creationId xmlns:p14="http://schemas.microsoft.com/office/powerpoint/2010/main" val="1777288820"/>
+        <p14:creationId xmlns:p14="http://schemas.microsoft.com/office/powerpoint/2010/main" val="213952386"/>
       </p:ext>
     </p:extLst>
   </p:cSld>
@@ -5932,75 +6108,171 @@
           <a:chExt cx="0" cy="0"/>
         </a:xfrm>
       </p:grpSpPr>
-      <p:sp>
-        <p:nvSpPr>
-          <p:cNvPr id="2" name="Title 1"/>
-          <p:cNvSpPr>
-            <a:spLocks noGrp="1"/>
-          </p:cNvSpPr>
-          <p:nvPr>
-            <p:ph type="title"/>
-          </p:nvPr>
-        </p:nvSpPr>
-        <p:spPr>
-          <a:xfrm>
-            <a:off x="1620051" y="2653553"/>
-            <a:ext cx="9601200" cy="2106706"/>
-          </a:xfrm>
-        </p:spPr>
-        <p:txBody>
-          <a:bodyPr>
-            <a:normAutofit/>
+      <p:pic>
+        <p:nvPicPr>
+          <p:cNvPr id="4" name="Content Placeholder 3" descr="npm install.png"/>
+          <p:cNvPicPr>
+            <a:picLocks noGrp="1" noChangeAspect="1"/>
+          </p:cNvPicPr>
+          <p:nvPr>
+            <p:ph idx="1"/>
+          </p:nvPr>
+        </p:nvPicPr>
+        <p:blipFill>
+          <a:blip r:embed="rId2">
+            <a:extLst>
+              <a:ext uri="{28A0092B-C50C-407E-A947-70E740481C1C}">
+                <a14:useLocalDpi xmlns:a14="http://schemas.microsoft.com/office/drawing/2010/main" val="0"/>
+              </a:ext>
+            </a:extLst>
+          </a:blip>
+          <a:stretch>
+            <a:fillRect/>
+          </a:stretch>
+        </p:blipFill>
+        <p:spPr>
+          <a:xfrm>
+            <a:off x="1567543" y="1066885"/>
+            <a:ext cx="9601200" cy="925115"/>
+          </a:xfrm>
+        </p:spPr>
+      </p:pic>
+      <p:pic>
+        <p:nvPicPr>
+          <p:cNvPr id="5" name="Picture 4" descr="npm install global.png"/>
+          <p:cNvPicPr>
+            <a:picLocks noChangeAspect="1"/>
+          </p:cNvPicPr>
+          <p:nvPr/>
+        </p:nvPicPr>
+        <p:blipFill>
+          <a:blip r:embed="rId3">
+            <a:extLst>
+              <a:ext uri="{28A0092B-C50C-407E-A947-70E740481C1C}">
+                <a14:useLocalDpi xmlns:a14="http://schemas.microsoft.com/office/drawing/2010/main" val="0"/>
+              </a:ext>
+            </a:extLst>
+          </a:blip>
+          <a:stretch>
+            <a:fillRect/>
+          </a:stretch>
+        </p:blipFill>
+        <p:spPr>
+          <a:xfrm>
+            <a:off x="1567543" y="2351314"/>
+            <a:ext cx="9601200" cy="1186104"/>
+          </a:xfrm>
+          <a:prstGeom prst="rect">
+            <a:avLst/>
+          </a:prstGeom>
+        </p:spPr>
+      </p:pic>
+      <p:pic>
+        <p:nvPicPr>
+          <p:cNvPr id="6" name="Picture 5" descr="npm uninstall.png"/>
+          <p:cNvPicPr>
+            <a:picLocks noChangeAspect="1"/>
+          </p:cNvPicPr>
+          <p:nvPr/>
+        </p:nvPicPr>
+        <p:blipFill>
+          <a:blip r:embed="rId4">
+            <a:extLst>
+              <a:ext uri="{28A0092B-C50C-407E-A947-70E740481C1C}">
+                <a14:useLocalDpi xmlns:a14="http://schemas.microsoft.com/office/drawing/2010/main" val="0"/>
+              </a:ext>
+            </a:extLst>
+          </a:blip>
+          <a:stretch>
+            <a:fillRect/>
+          </a:stretch>
+        </p:blipFill>
+        <p:spPr>
+          <a:xfrm>
+            <a:off x="1567543" y="3896732"/>
+            <a:ext cx="9601200" cy="877394"/>
+          </a:xfrm>
+          <a:prstGeom prst="rect">
+            <a:avLst/>
+          </a:prstGeom>
+        </p:spPr>
+      </p:pic>
+      <p:pic>
+        <p:nvPicPr>
+          <p:cNvPr id="7" name="Picture 6" descr="npm install to another computer.png"/>
+          <p:cNvPicPr>
+            <a:picLocks noChangeAspect="1"/>
+          </p:cNvPicPr>
+          <p:nvPr/>
+        </p:nvPicPr>
+        <p:blipFill>
+          <a:blip r:embed="rId5">
+            <a:extLst>
+              <a:ext uri="{28A0092B-C50C-407E-A947-70E740481C1C}">
+                <a14:useLocalDpi xmlns:a14="http://schemas.microsoft.com/office/drawing/2010/main" val="0"/>
+              </a:ext>
+            </a:extLst>
+          </a:blip>
+          <a:stretch>
+            <a:fillRect/>
+          </a:stretch>
+        </p:blipFill>
+        <p:spPr>
+          <a:xfrm>
+            <a:off x="1567543" y="5133440"/>
+            <a:ext cx="9563100" cy="977900"/>
+          </a:xfrm>
+          <a:prstGeom prst="rect">
+            <a:avLst/>
+          </a:prstGeom>
+        </p:spPr>
+      </p:pic>
+      <p:sp>
+        <p:nvSpPr>
+          <p:cNvPr id="8" name="TextBox 7"/>
+          <p:cNvSpPr txBox="1"/>
+          <p:nvPr/>
+        </p:nvSpPr>
+        <p:spPr>
+          <a:xfrm>
+            <a:off x="5055454" y="425563"/>
+            <a:ext cx="2071849" cy="461665"/>
+          </a:xfrm>
+          <a:prstGeom prst="rect">
+            <a:avLst/>
+          </a:prstGeom>
+          <a:noFill/>
+        </p:spPr>
+        <p:txBody>
+          <a:bodyPr wrap="none" rtlCol="0">
+            <a:spAutoFit/>
           </a:bodyPr>
           <a:lstStyle/>
           <a:p>
-            <a:pPr algn="ctr"/>
-            <a:r>
-              <a:rPr lang="en-US" dirty="0" err="1" smtClean="0"/>
-              <a:t>Node.js</a:t>
-            </a:r>
-            <a:r>
-              <a:rPr lang="zh-CHT" altLang="en-US" dirty="0" smtClean="0"/>
-              <a:t>內建</a:t>
-            </a:r>
-            <a:r>
-              <a:rPr lang="en-US" altLang="zh-CHT" dirty="0" smtClean="0"/>
-              <a:t>HTTP/NET</a:t>
-            </a:r>
-            <a:r>
-              <a:rPr lang="zh-CHT" altLang="en-US" dirty="0" smtClean="0"/>
-              <a:t>模組</a:t>
-            </a:r>
-            <a:r>
-              <a:rPr lang="en-US" altLang="zh-CHT" dirty="0" smtClean="0"/>
-              <a:t/>
-            </a:r>
-            <a:br>
-              <a:rPr lang="en-US" altLang="zh-CHT" dirty="0" smtClean="0"/>
-            </a:br>
-            <a:r>
-              <a:rPr lang="en-US" dirty="0" smtClean="0"/>
-              <a:t/>
-            </a:r>
-            <a:br>
-              <a:rPr lang="en-US" dirty="0" smtClean="0"/>
-            </a:br>
-            <a:r>
-              <a:rPr lang="en-US" dirty="0" err="1" smtClean="0"/>
-              <a:t>WebServer</a:t>
-            </a:r>
-            <a:r>
-              <a:rPr lang="en-US" dirty="0" smtClean="0"/>
-              <a:t> Example (ca 1990)</a:t>
-            </a:r>
-            <a:endParaRPr lang="en-US" dirty="0"/>
+            <a:r>
+              <a:rPr lang="en-US" sz="2400" dirty="0" err="1"/>
+              <a:t>n</a:t>
+            </a:r>
+            <a:r>
+              <a:rPr lang="en-US" sz="2400" dirty="0" err="1" smtClean="0"/>
+              <a:t>pm</a:t>
+            </a:r>
+            <a:r>
+              <a:rPr lang="en-US" sz="2400" dirty="0" smtClean="0"/>
+              <a:t> </a:t>
+            </a:r>
+            <a:r>
+              <a:rPr lang="zh-CHT" altLang="en-US" sz="2400" dirty="0" smtClean="0"/>
+              <a:t>常用指令</a:t>
+            </a:r>
+            <a:endParaRPr lang="en-US" sz="2400" dirty="0"/>
           </a:p>
         </p:txBody>
       </p:sp>
     </p:spTree>
     <p:extLst>
       <p:ext uri="{BB962C8B-B14F-4D97-AF65-F5344CB8AC3E}">
-        <p14:creationId xmlns:p14="http://schemas.microsoft.com/office/powerpoint/2010/main" val="1390865725"/>
+        <p14:creationId xmlns:p14="http://schemas.microsoft.com/office/powerpoint/2010/main" val="67874133"/>
       </p:ext>
     </p:extLst>
   </p:cSld>
@@ -6034,39 +6306,39 @@
           <a:chExt cx="0" cy="0"/>
         </a:xfrm>
       </p:grpSpPr>
-      <p:pic>
-        <p:nvPicPr>
-          <p:cNvPr id="4" name="Content Placeholder 3" descr="webserver.js.png"/>
-          <p:cNvPicPr>
-            <a:picLocks noGrp="1" noChangeAspect="1"/>
-          </p:cNvPicPr>
-          <p:nvPr>
-            <p:ph idx="1"/>
-          </p:nvPr>
-        </p:nvPicPr>
-        <p:blipFill>
-          <a:blip r:embed="rId2">
-            <a:extLst>
-              <a:ext uri="{28A0092B-C50C-407E-A947-70E740481C1C}">
-                <a14:useLocalDpi xmlns:a14="http://schemas.microsoft.com/office/drawing/2010/main" val="0"/>
-              </a:ext>
-            </a:extLst>
-          </a:blip>
-          <a:stretch>
-            <a:fillRect/>
-          </a:stretch>
-        </p:blipFill>
-        <p:spPr>
-          <a:xfrm>
-            <a:off x="1774371" y="158648"/>
-            <a:ext cx="9481457" cy="6461198"/>
-          </a:xfrm>
-        </p:spPr>
-      </p:pic>
+      <p:sp>
+        <p:nvSpPr>
+          <p:cNvPr id="2" name="Title 1"/>
+          <p:cNvSpPr>
+            <a:spLocks noGrp="1"/>
+          </p:cNvSpPr>
+          <p:nvPr>
+            <p:ph type="title"/>
+          </p:nvPr>
+        </p:nvSpPr>
+        <p:spPr>
+          <a:xfrm>
+            <a:off x="1752600" y="2808514"/>
+            <a:ext cx="9601200" cy="1485900"/>
+          </a:xfrm>
+        </p:spPr>
+        <p:txBody>
+          <a:bodyPr/>
+          <a:lstStyle/>
+          <a:p>
+            <a:pPr algn="ctr"/>
+            <a:r>
+              <a:rPr lang="en-US" dirty="0" smtClean="0"/>
+              <a:t>How to write our own modules ?</a:t>
+            </a:r>
+            <a:endParaRPr lang="en-US" dirty="0"/>
+          </a:p>
+        </p:txBody>
+      </p:sp>
     </p:spTree>
     <p:extLst>
       <p:ext uri="{BB962C8B-B14F-4D97-AF65-F5344CB8AC3E}">
-        <p14:creationId xmlns:p14="http://schemas.microsoft.com/office/powerpoint/2010/main" val="912194650"/>
+        <p14:creationId xmlns:p14="http://schemas.microsoft.com/office/powerpoint/2010/main" val="1684677418"/>
       </p:ext>
     </p:extLst>
   </p:cSld>
@@ -6100,57 +6372,119 @@
           <a:chExt cx="0" cy="0"/>
         </a:xfrm>
       </p:grpSpPr>
-      <p:sp>
-        <p:nvSpPr>
-          <p:cNvPr id="2" name="Title 1"/>
-          <p:cNvSpPr>
-            <a:spLocks noGrp="1"/>
-          </p:cNvSpPr>
-          <p:nvPr>
-            <p:ph type="title"/>
-          </p:nvPr>
-        </p:nvSpPr>
-        <p:spPr>
-          <a:xfrm>
-            <a:off x="1593156" y="2586316"/>
-            <a:ext cx="9675479" cy="2294965"/>
-          </a:xfrm>
-        </p:spPr>
-        <p:txBody>
-          <a:bodyPr/>
+      <p:pic>
+        <p:nvPicPr>
+          <p:cNvPr id="4" name="Content Placeholder 3" descr="wordcount object.png"/>
+          <p:cNvPicPr>
+            <a:picLocks noGrp="1" noChangeAspect="1"/>
+          </p:cNvPicPr>
+          <p:nvPr>
+            <p:ph idx="1"/>
+          </p:nvPr>
+        </p:nvPicPr>
+        <p:blipFill>
+          <a:blip r:embed="rId2">
+            <a:extLst>
+              <a:ext uri="{28A0092B-C50C-407E-A947-70E740481C1C}">
+                <a14:useLocalDpi xmlns:a14="http://schemas.microsoft.com/office/drawing/2010/main" val="0"/>
+              </a:ext>
+            </a:extLst>
+          </a:blip>
+          <a:stretch>
+            <a:fillRect/>
+          </a:stretch>
+        </p:blipFill>
+        <p:spPr>
+          <a:xfrm>
+            <a:off x="2166914" y="707572"/>
+            <a:ext cx="8912120" cy="5965371"/>
+          </a:xfrm>
+        </p:spPr>
+      </p:pic>
+      <p:sp>
+        <p:nvSpPr>
+          <p:cNvPr id="5" name="TextBox 4"/>
+          <p:cNvSpPr txBox="1"/>
+          <p:nvPr/>
+        </p:nvSpPr>
+        <p:spPr>
+          <a:xfrm>
+            <a:off x="5312229" y="115277"/>
+            <a:ext cx="1828706" cy="461665"/>
+          </a:xfrm>
+          <a:prstGeom prst="rect">
+            <a:avLst/>
+          </a:prstGeom>
+          <a:noFill/>
+        </p:spPr>
+        <p:txBody>
+          <a:bodyPr wrap="none" rtlCol="0">
+            <a:spAutoFit/>
+          </a:bodyPr>
           <a:lstStyle/>
           <a:p>
+            <a:r>
+              <a:rPr lang="en-US" sz="2400" dirty="0" err="1"/>
+              <a:t>w</a:t>
+            </a:r>
+            <a:r>
+              <a:rPr lang="en-US" sz="2400" dirty="0" err="1" smtClean="0"/>
+              <a:t>ordcount.js</a:t>
+            </a:r>
+            <a:endParaRPr lang="en-US" sz="2400" dirty="0"/>
+          </a:p>
+        </p:txBody>
+      </p:sp>
+      <p:sp>
+        <p:nvSpPr>
+          <p:cNvPr id="6" name="Rectangle 5"/>
+          <p:cNvSpPr/>
+          <p:nvPr/>
+        </p:nvSpPr>
+        <p:spPr>
+          <a:xfrm>
+            <a:off x="2569030" y="6215742"/>
+            <a:ext cx="8371114" cy="326571"/>
+          </a:xfrm>
+          <a:prstGeom prst="rect">
+            <a:avLst/>
+          </a:prstGeom>
+          <a:noFill/>
+          <a:ln>
+            <a:solidFill>
+              <a:srgbClr val="FF0000"/>
+            </a:solidFill>
+          </a:ln>
+        </p:spPr>
+        <p:style>
+          <a:lnRef idx="2">
+            <a:schemeClr val="accent1">
+              <a:shade val="50000"/>
+            </a:schemeClr>
+          </a:lnRef>
+          <a:fillRef idx="1">
+            <a:schemeClr val="accent1"/>
+          </a:fillRef>
+          <a:effectRef idx="0">
+            <a:schemeClr val="accent1"/>
+          </a:effectRef>
+          <a:fontRef idx="minor">
+            <a:schemeClr val="lt1"/>
+          </a:fontRef>
+        </p:style>
+        <p:txBody>
+          <a:bodyPr rtlCol="0" anchor="ctr"/>
+          <a:lstStyle/>
+          <a:p>
             <a:pPr algn="ctr"/>
-            <a:r>
-              <a:rPr lang="en-US" dirty="0" err="1" smtClean="0"/>
-              <a:t>WebServer</a:t>
-            </a:r>
-            <a:r>
-              <a:rPr lang="en-US" dirty="0" smtClean="0"/>
-              <a:t> Example </a:t>
-            </a:r>
-            <a:br>
-              <a:rPr lang="en-US" dirty="0" smtClean="0"/>
-            </a:br>
-            <a:r>
-              <a:rPr lang="en-US" dirty="0" smtClean="0"/>
-              <a:t/>
-            </a:r>
-            <a:br>
-              <a:rPr lang="en-US" dirty="0" smtClean="0"/>
-            </a:br>
-            <a:r>
-              <a:rPr lang="en-US" dirty="0" smtClean="0"/>
-              <a:t>(using express framework)</a:t>
-            </a:r>
-            <a:endParaRPr lang="en-US" dirty="0"/>
+            <a:endParaRPr lang="en-US"/>
           </a:p>
         </p:txBody>
       </p:sp>
     </p:spTree>
     <p:extLst>
       <p:ext uri="{BB962C8B-B14F-4D97-AF65-F5344CB8AC3E}">
-        <p14:creationId xmlns:p14="http://schemas.microsoft.com/office/powerpoint/2010/main" val="419914800"/>
+        <p14:creationId xmlns:p14="http://schemas.microsoft.com/office/powerpoint/2010/main" val="274325361"/>
       </p:ext>
     </p:extLst>
   </p:cSld>
@@ -6186,7 +6520,7 @@
       </p:grpSpPr>
       <p:pic>
         <p:nvPicPr>
-          <p:cNvPr id="4" name="Content Placeholder 3" descr="webserver2.js.png"/>
+          <p:cNvPr id="4" name="Content Placeholder 3" descr="wc3.js use wordcount object.png"/>
           <p:cNvPicPr>
             <a:picLocks noGrp="1" noChangeAspect="1"/>
           </p:cNvPicPr>
@@ -6208,15 +6542,66 @@
         </p:blipFill>
         <p:spPr>
           <a:xfrm>
-            <a:off x="1676400" y="283383"/>
-            <a:ext cx="9557657" cy="6315447"/>
+            <a:off x="1687285" y="1573087"/>
+            <a:ext cx="9601200" cy="3483226"/>
           </a:xfrm>
         </p:spPr>
       </p:pic>
+      <p:sp>
+        <p:nvSpPr>
+          <p:cNvPr id="5" name="Rectangle 4"/>
+          <p:cNvSpPr/>
+          <p:nvPr/>
+        </p:nvSpPr>
+        <p:spPr>
+          <a:xfrm>
+            <a:off x="2111828" y="2133600"/>
+            <a:ext cx="8969829" cy="293914"/>
+          </a:xfrm>
+          <a:prstGeom prst="rect">
+            <a:avLst/>
+          </a:prstGeom>
+          <a:noFill/>
+          <a:ln>
+            <a:solidFill>
+              <a:srgbClr val="FF0000"/>
+            </a:solidFill>
+          </a:ln>
+        </p:spPr>
+        <p:style>
+          <a:lnRef idx="2">
+            <a:schemeClr val="accent1">
+              <a:shade val="50000"/>
+            </a:schemeClr>
+          </a:lnRef>
+          <a:fillRef idx="1">
+            <a:schemeClr val="accent1"/>
+          </a:fillRef>
+          <a:effectRef idx="0">
+            <a:schemeClr val="accent1"/>
+          </a:effectRef>
+          <a:fontRef idx="minor">
+            <a:schemeClr val="lt1"/>
+          </a:fontRef>
+        </p:style>
+        <p:txBody>
+          <a:bodyPr rot="0" spcFirstLastPara="0" vertOverflow="overflow" horzOverflow="overflow" vert="horz" wrap="square" lIns="91440" tIns="45720" rIns="91440" bIns="45720" numCol="1" spcCol="0" rtlCol="0" fromWordArt="0" anchor="ctr" anchorCtr="0" forceAA="0" compatLnSpc="1">
+            <a:prstTxWarp prst="textNoShape">
+              <a:avLst/>
+            </a:prstTxWarp>
+            <a:noAutofit/>
+          </a:bodyPr>
+          <a:lstStyle/>
+          <a:p>
+            <a:pPr algn="ctr"/>
+            <a:endParaRPr lang="en-US"/>
+          </a:p>
+        </p:txBody>
+      </p:sp>
     </p:spTree>
     <p:extLst>
       <p:ext uri="{BB962C8B-B14F-4D97-AF65-F5344CB8AC3E}">
-        <p14:creationId xmlns:p14="http://schemas.microsoft.com/office/powerpoint/2010/main" val="838139053"/>
+        <p14:creationId xmlns:p14="http://schemas.microsoft.com/office/powerpoint/2010/main" val="1777288820"/>
       </p:ext>
     </p:extLst>
   </p:cSld>
@@ -6262,26 +6647,54 @@
         </p:nvSpPr>
         <p:spPr>
           <a:xfrm>
-            <a:off x="1458686" y="2895600"/>
-            <a:ext cx="9601200" cy="1485900"/>
-          </a:xfrm>
-        </p:spPr>
-        <p:txBody>
-          <a:bodyPr/>
+            <a:off x="1620051" y="2653553"/>
+            <a:ext cx="9601200" cy="2106706"/>
+          </a:xfrm>
+        </p:spPr>
+        <p:txBody>
+          <a:bodyPr>
+            <a:normAutofit/>
+          </a:bodyPr>
           <a:lstStyle/>
           <a:p>
             <a:pPr algn="ctr"/>
             <a:r>
+              <a:rPr lang="en-US" dirty="0" err="1" smtClean="0"/>
+              <a:t>Node.js</a:t>
+            </a:r>
+            <a:r>
+              <a:rPr lang="zh-CHT" altLang="en-US" dirty="0" smtClean="0"/>
+              <a:t>內建</a:t>
+            </a:r>
+            <a:r>
+              <a:rPr lang="en-US" altLang="zh-CHT" dirty="0" smtClean="0"/>
+              <a:t>HTTP/NET</a:t>
+            </a:r>
+            <a:r>
+              <a:rPr lang="zh-CHT" altLang="en-US" dirty="0" smtClean="0"/>
+              <a:t>模組</a:t>
+            </a:r>
+            <a:r>
+              <a:rPr lang="en-US" altLang="zh-CHT" dirty="0" smtClean="0"/>
+              <a:t/>
+            </a:r>
+            <a:br>
+              <a:rPr lang="en-US" altLang="zh-CHT" dirty="0" smtClean="0"/>
+            </a:br>
+            <a:r>
               <a:rPr lang="en-US" dirty="0" smtClean="0"/>
-              <a:t>NW.JS (was node-</a:t>
-            </a:r>
+              <a:t/>
+            </a:r>
+            <a:br>
+              <a:rPr lang="en-US" dirty="0" smtClean="0"/>
+            </a:br>
             <a:r>
               <a:rPr lang="en-US" dirty="0" err="1" smtClean="0"/>
-              <a:t>webkit</a:t>
+              <a:t>WebServer</a:t>
             </a:r>
             <a:r>
               <a:rPr lang="en-US" dirty="0" smtClean="0"/>
-              <a:t>)</a:t>
+              <a:t> Example (ca 1990)</a:t>
             </a:r>
             <a:endParaRPr lang="en-US" dirty="0"/>
           </a:p>
@@ -6290,7 +6703,7 @@
     </p:spTree>
     <p:extLst>
       <p:ext uri="{BB962C8B-B14F-4D97-AF65-F5344CB8AC3E}">
-        <p14:creationId xmlns:p14="http://schemas.microsoft.com/office/powerpoint/2010/main" val="2145854098"/>
+        <p14:creationId xmlns:p14="http://schemas.microsoft.com/office/powerpoint/2010/main" val="1390865725"/>
       </p:ext>
     </p:extLst>
   </p:cSld>
@@ -6326,7 +6739,7 @@
       </p:grpSpPr>
       <p:pic>
         <p:nvPicPr>
-          <p:cNvPr id="4" name="Content Placeholder 3" descr="nw.js.png"/>
+          <p:cNvPr id="4" name="Content Placeholder 3" descr="webserver.js.png"/>
           <p:cNvPicPr>
             <a:picLocks noGrp="1" noChangeAspect="1"/>
           </p:cNvPicPr>
@@ -6348,15 +6761,15 @@
         </p:blipFill>
         <p:spPr>
           <a:xfrm>
-            <a:off x="1959016" y="511630"/>
-            <a:ext cx="9220477" cy="5595256"/>
+            <a:off x="1774371" y="158648"/>
+            <a:ext cx="9481457" cy="6461198"/>
           </a:xfrm>
         </p:spPr>
       </p:pic>
     </p:spTree>
     <p:extLst>
       <p:ext uri="{BB962C8B-B14F-4D97-AF65-F5344CB8AC3E}">
-        <p14:creationId xmlns:p14="http://schemas.microsoft.com/office/powerpoint/2010/main" val="959162035"/>
+        <p14:creationId xmlns:p14="http://schemas.microsoft.com/office/powerpoint/2010/main" val="912194650"/>
       </p:ext>
     </p:extLst>
   </p:cSld>
@@ -6402,47 +6815,36 @@
         </p:nvSpPr>
         <p:spPr>
           <a:xfrm>
-            <a:off x="1774371" y="2699656"/>
-            <a:ext cx="9615287" cy="1522720"/>
-          </a:xfrm>
-        </p:spPr>
-        <p:txBody>
-          <a:bodyPr>
-            <a:normAutofit/>
-          </a:bodyPr>
+            <a:off x="1593156" y="2586316"/>
+            <a:ext cx="9675479" cy="2294965"/>
+          </a:xfrm>
+        </p:spPr>
+        <p:txBody>
+          <a:bodyPr/>
           <a:lstStyle/>
           <a:p>
             <a:pPr algn="ctr"/>
             <a:r>
-              <a:rPr lang="zh-CHT" altLang="en-US" dirty="0" smtClean="0"/>
-              <a:t>一個可以用</a:t>
-            </a:r>
-            <a:r>
-              <a:rPr lang="en-US" altLang="zh-CHT" dirty="0" err="1" smtClean="0"/>
-              <a:t>node.js</a:t>
-            </a:r>
-            <a:r>
-              <a:rPr lang="en-US" altLang="zh-CHT" dirty="0" smtClean="0"/>
-              <a:t> + html5</a:t>
-            </a:r>
-            <a:r>
-              <a:rPr lang="zh-CHT" altLang="en-US" dirty="0" smtClean="0"/>
-              <a:t>來撰寫</a:t>
-            </a:r>
-            <a:r>
-              <a:rPr lang="en-US" altLang="zh-CHT" dirty="0" smtClean="0"/>
+              <a:rPr lang="en-US" dirty="0" err="1" smtClean="0"/>
+              <a:t>WebServer</a:t>
+            </a:r>
+            <a:r>
+              <a:rPr lang="en-US" dirty="0" smtClean="0"/>
+              <a:t> Example </a:t>
+            </a:r>
+            <a:br>
+              <a:rPr lang="en-US" dirty="0" smtClean="0"/>
+            </a:br>
+            <a:r>
+              <a:rPr lang="en-US" dirty="0" smtClean="0"/>
               <a:t/>
             </a:r>
             <a:br>
-              <a:rPr lang="en-US" altLang="zh-CHT" dirty="0" smtClean="0"/>
+              <a:rPr lang="en-US" dirty="0" smtClean="0"/>
             </a:br>
             <a:r>
-              <a:rPr lang="en-US" altLang="zh-CHT" dirty="0" smtClean="0"/>
-              <a:t>desktop</a:t>
-            </a:r>
-            <a:r>
-              <a:rPr lang="zh-CHT" altLang="en-US" dirty="0" smtClean="0"/>
-              <a:t>程式的平台</a:t>
+              <a:rPr lang="en-US" dirty="0" smtClean="0"/>
+              <a:t>(using express framework)</a:t>
             </a:r>
             <a:endParaRPr lang="en-US" dirty="0"/>
           </a:p>
@@ -6451,7 +6853,7 @@
     </p:spTree>
     <p:extLst>
       <p:ext uri="{BB962C8B-B14F-4D97-AF65-F5344CB8AC3E}">
-        <p14:creationId xmlns:p14="http://schemas.microsoft.com/office/powerpoint/2010/main" val="1244453596"/>
+        <p14:creationId xmlns:p14="http://schemas.microsoft.com/office/powerpoint/2010/main" val="419914800"/>
       </p:ext>
     </p:extLst>
   </p:cSld>
@@ -6485,40 +6887,15 @@
           <a:chExt cx="0" cy="0"/>
         </a:xfrm>
       </p:grpSpPr>
-      <p:sp>
-        <p:nvSpPr>
-          <p:cNvPr id="2" name="Title 1"/>
-          <p:cNvSpPr>
-            <a:spLocks noGrp="1"/>
-          </p:cNvSpPr>
-          <p:nvPr>
-            <p:ph type="title"/>
-          </p:nvPr>
-        </p:nvSpPr>
-        <p:spPr/>
-        <p:txBody>
-          <a:bodyPr/>
-          <a:lstStyle/>
-          <a:p>
-            <a:r>
-              <a:rPr lang="en-US" dirty="0" smtClean="0"/>
-              <a:t>Simple way to run </a:t>
-            </a:r>
-            <a:r>
-              <a:rPr lang="en-US" dirty="0" err="1" smtClean="0"/>
-              <a:t>nw.js</a:t>
-            </a:r>
-            <a:endParaRPr lang="en-US" dirty="0"/>
-          </a:p>
-        </p:txBody>
-      </p:sp>
       <p:pic>
         <p:nvPicPr>
-          <p:cNvPr id="4" name="Content Placeholder 3" descr="nw.js package.json.png"/>
+          <p:cNvPr id="4" name="Content Placeholder 3" descr="webserver2.js.png"/>
           <p:cNvPicPr>
-            <a:picLocks noChangeAspect="1"/>
+            <a:picLocks noGrp="1" noChangeAspect="1"/>
           </p:cNvPicPr>
-          <p:nvPr/>
+          <p:nvPr>
+            <p:ph idx="1"/>
+          </p:nvPr>
         </p:nvPicPr>
         <p:blipFill>
           <a:blip r:embed="rId2">
@@ -6534,102 +6911,15 @@
         </p:blipFill>
         <p:spPr>
           <a:xfrm>
-            <a:off x="1654629" y="2124356"/>
-            <a:ext cx="9601200" cy="3237904"/>
-          </a:xfrm>
-          <a:prstGeom prst="rect">
-            <a:avLst/>
-          </a:prstGeom>
+            <a:off x="1676400" y="283383"/>
+            <a:ext cx="9557657" cy="6315447"/>
+          </a:xfrm>
         </p:spPr>
       </p:pic>
-      <p:sp>
-        <p:nvSpPr>
-          <p:cNvPr id="5" name="TextBox 4"/>
-          <p:cNvSpPr txBox="1"/>
-          <p:nvPr/>
-        </p:nvSpPr>
-        <p:spPr>
-          <a:xfrm>
-            <a:off x="1538088" y="1566689"/>
-            <a:ext cx="2980431" cy="461665"/>
-          </a:xfrm>
-          <a:prstGeom prst="rect">
-            <a:avLst/>
-          </a:prstGeom>
-          <a:noFill/>
-        </p:spPr>
-        <p:txBody>
-          <a:bodyPr wrap="none" rtlCol="0">
-            <a:spAutoFit/>
-          </a:bodyPr>
-          <a:lstStyle/>
-          <a:p>
-            <a:r>
-              <a:rPr lang="en-US" sz="2400" dirty="0" err="1" smtClean="0"/>
-              <a:t>nw</a:t>
-            </a:r>
-            <a:r>
-              <a:rPr lang="en-US" sz="2400" dirty="0" smtClean="0"/>
-              <a:t>-app/</a:t>
-            </a:r>
-            <a:r>
-              <a:rPr lang="en-US" sz="2400" dirty="0" err="1" smtClean="0"/>
-              <a:t>package.json</a:t>
-            </a:r>
-            <a:endParaRPr lang="en-US" sz="2400" dirty="0"/>
-          </a:p>
-        </p:txBody>
-      </p:sp>
-      <p:sp>
-        <p:nvSpPr>
-          <p:cNvPr id="6" name="TextBox 5"/>
-          <p:cNvSpPr txBox="1"/>
-          <p:nvPr/>
-        </p:nvSpPr>
-        <p:spPr>
-          <a:xfrm>
-            <a:off x="1538088" y="5577574"/>
-            <a:ext cx="2511457" cy="461665"/>
-          </a:xfrm>
-          <a:prstGeom prst="rect">
-            <a:avLst/>
-          </a:prstGeom>
-          <a:noFill/>
-        </p:spPr>
-        <p:txBody>
-          <a:bodyPr wrap="none" rtlCol="0">
-            <a:spAutoFit/>
-          </a:bodyPr>
-          <a:lstStyle/>
-          <a:p>
-            <a:r>
-              <a:rPr lang="en-US" sz="2400" dirty="0" smtClean="0"/>
-              <a:t>C&gt; </a:t>
-            </a:r>
-            <a:r>
-              <a:rPr lang="en-US" sz="2400" dirty="0" err="1" smtClean="0"/>
-              <a:t>nw.exe</a:t>
-            </a:r>
-            <a:r>
-              <a:rPr lang="en-US" sz="2400" dirty="0" smtClean="0"/>
-              <a:t> </a:t>
-            </a:r>
-            <a:r>
-              <a:rPr lang="en-US" sz="2400" dirty="0" err="1" smtClean="0"/>
-              <a:t>nw</a:t>
-            </a:r>
-            <a:r>
-              <a:rPr lang="en-US" sz="2400" dirty="0" smtClean="0"/>
-              <a:t>-app</a:t>
-            </a:r>
-            <a:endParaRPr lang="en-US" sz="2400" dirty="0"/>
-          </a:p>
-        </p:txBody>
-      </p:sp>
     </p:spTree>
     <p:extLst>
       <p:ext uri="{BB962C8B-B14F-4D97-AF65-F5344CB8AC3E}">
-        <p14:creationId xmlns:p14="http://schemas.microsoft.com/office/powerpoint/2010/main" val="204428608"/>
+        <p14:creationId xmlns:p14="http://schemas.microsoft.com/office/powerpoint/2010/main" val="838139053"/>
       </p:ext>
     </p:extLst>
   </p:cSld>
@@ -6756,6 +7046,485 @@
           <a:chExt cx="0" cy="0"/>
         </a:xfrm>
       </p:grpSpPr>
+      <p:pic>
+        <p:nvPicPr>
+          <p:cNvPr id="4" name="Content Placeholder 3" descr="express middleware.jpg"/>
+          <p:cNvPicPr>
+            <a:picLocks noGrp="1" noChangeAspect="1"/>
+          </p:cNvPicPr>
+          <p:nvPr>
+            <p:ph idx="1"/>
+          </p:nvPr>
+        </p:nvPicPr>
+        <p:blipFill>
+          <a:blip r:embed="rId2">
+            <a:extLst>
+              <a:ext uri="{28A0092B-C50C-407E-A947-70E740481C1C}">
+                <a14:useLocalDpi xmlns:a14="http://schemas.microsoft.com/office/drawing/2010/main" val="0"/>
+              </a:ext>
+            </a:extLst>
+          </a:blip>
+          <a:stretch>
+            <a:fillRect/>
+          </a:stretch>
+        </p:blipFill>
+        <p:spPr>
+          <a:xfrm>
+            <a:off x="2380129" y="201939"/>
+            <a:ext cx="8404411" cy="6309895"/>
+          </a:xfrm>
+        </p:spPr>
+      </p:pic>
+    </p:spTree>
+    <p:extLst>
+      <p:ext uri="{BB962C8B-B14F-4D97-AF65-F5344CB8AC3E}">
+        <p14:creationId xmlns:p14="http://schemas.microsoft.com/office/powerpoint/2010/main" val="1135771559"/>
+      </p:ext>
+    </p:extLst>
+  </p:cSld>
+  <p:clrMapOvr>
+    <a:masterClrMapping/>
+  </p:clrMapOvr>
+  <p:timing>
+    <p:tnLst>
+      <p:par>
+        <p:cTn id="1" dur="indefinite" restart="never" nodeType="tmRoot"/>
+      </p:par>
+    </p:tnLst>
+  </p:timing>
+</p:sld>
+</file>
+
+<file path=ppt/slides/slide31.xml><?xml version="1.0" encoding="utf-8"?>
+<p:sld xmlns:a="http://schemas.openxmlformats.org/drawingml/2006/main" xmlns:r="http://schemas.openxmlformats.org/officeDocument/2006/relationships" xmlns:p="http://schemas.openxmlformats.org/presentationml/2006/main">
+  <p:cSld>
+    <p:spTree>
+      <p:nvGrpSpPr>
+        <p:cNvPr id="1" name=""/>
+        <p:cNvGrpSpPr/>
+        <p:nvPr/>
+      </p:nvGrpSpPr>
+      <p:grpSpPr>
+        <a:xfrm>
+          <a:off x="0" y="0"/>
+          <a:ext cx="0" cy="0"/>
+          <a:chOff x="0" y="0"/>
+          <a:chExt cx="0" cy="0"/>
+        </a:xfrm>
+      </p:grpSpPr>
+      <p:sp>
+        <p:nvSpPr>
+          <p:cNvPr id="2" name="Title 1"/>
+          <p:cNvSpPr>
+            <a:spLocks noGrp="1"/>
+          </p:cNvSpPr>
+          <p:nvPr>
+            <p:ph type="title"/>
+          </p:nvPr>
+        </p:nvSpPr>
+        <p:spPr>
+          <a:xfrm>
+            <a:off x="1458686" y="2895600"/>
+            <a:ext cx="9601200" cy="1485900"/>
+          </a:xfrm>
+        </p:spPr>
+        <p:txBody>
+          <a:bodyPr/>
+          <a:lstStyle/>
+          <a:p>
+            <a:pPr algn="ctr"/>
+            <a:r>
+              <a:rPr lang="en-US" dirty="0" smtClean="0"/>
+              <a:t>NW.JS (was node-</a:t>
+            </a:r>
+            <a:r>
+              <a:rPr lang="en-US" dirty="0" err="1" smtClean="0"/>
+              <a:t>webkit</a:t>
+            </a:r>
+            <a:r>
+              <a:rPr lang="en-US" dirty="0" smtClean="0"/>
+              <a:t>)</a:t>
+            </a:r>
+            <a:endParaRPr lang="en-US" dirty="0"/>
+          </a:p>
+        </p:txBody>
+      </p:sp>
+    </p:spTree>
+    <p:extLst>
+      <p:ext uri="{BB962C8B-B14F-4D97-AF65-F5344CB8AC3E}">
+        <p14:creationId xmlns:p14="http://schemas.microsoft.com/office/powerpoint/2010/main" val="2145854098"/>
+      </p:ext>
+    </p:extLst>
+  </p:cSld>
+  <p:clrMapOvr>
+    <a:masterClrMapping/>
+  </p:clrMapOvr>
+  <p:timing>
+    <p:tnLst>
+      <p:par>
+        <p:cTn id="1" dur="indefinite" restart="never" nodeType="tmRoot"/>
+      </p:par>
+    </p:tnLst>
+  </p:timing>
+</p:sld>
+</file>
+
+<file path=ppt/slides/slide32.xml><?xml version="1.0" encoding="utf-8"?>
+<p:sld xmlns:a="http://schemas.openxmlformats.org/drawingml/2006/main" xmlns:r="http://schemas.openxmlformats.org/officeDocument/2006/relationships" xmlns:p="http://schemas.openxmlformats.org/presentationml/2006/main">
+  <p:cSld>
+    <p:spTree>
+      <p:nvGrpSpPr>
+        <p:cNvPr id="1" name=""/>
+        <p:cNvGrpSpPr/>
+        <p:nvPr/>
+      </p:nvGrpSpPr>
+      <p:grpSpPr>
+        <a:xfrm>
+          <a:off x="0" y="0"/>
+          <a:ext cx="0" cy="0"/>
+          <a:chOff x="0" y="0"/>
+          <a:chExt cx="0" cy="0"/>
+        </a:xfrm>
+      </p:grpSpPr>
+      <p:pic>
+        <p:nvPicPr>
+          <p:cNvPr id="4" name="Content Placeholder 3" descr="nw.js.png"/>
+          <p:cNvPicPr>
+            <a:picLocks noGrp="1" noChangeAspect="1"/>
+          </p:cNvPicPr>
+          <p:nvPr>
+            <p:ph idx="1"/>
+          </p:nvPr>
+        </p:nvPicPr>
+        <p:blipFill>
+          <a:blip r:embed="rId2">
+            <a:extLst>
+              <a:ext uri="{28A0092B-C50C-407E-A947-70E740481C1C}">
+                <a14:useLocalDpi xmlns:a14="http://schemas.microsoft.com/office/drawing/2010/main" val="0"/>
+              </a:ext>
+            </a:extLst>
+          </a:blip>
+          <a:stretch>
+            <a:fillRect/>
+          </a:stretch>
+        </p:blipFill>
+        <p:spPr>
+          <a:xfrm>
+            <a:off x="1959016" y="511630"/>
+            <a:ext cx="9220477" cy="5595256"/>
+          </a:xfrm>
+        </p:spPr>
+      </p:pic>
+    </p:spTree>
+    <p:extLst>
+      <p:ext uri="{BB962C8B-B14F-4D97-AF65-F5344CB8AC3E}">
+        <p14:creationId xmlns:p14="http://schemas.microsoft.com/office/powerpoint/2010/main" val="959162035"/>
+      </p:ext>
+    </p:extLst>
+  </p:cSld>
+  <p:clrMapOvr>
+    <a:masterClrMapping/>
+  </p:clrMapOvr>
+  <p:timing>
+    <p:tnLst>
+      <p:par>
+        <p:cTn id="1" dur="indefinite" restart="never" nodeType="tmRoot"/>
+      </p:par>
+    </p:tnLst>
+  </p:timing>
+</p:sld>
+</file>
+
+<file path=ppt/slides/slide33.xml><?xml version="1.0" encoding="utf-8"?>
+<p:sld xmlns:a="http://schemas.openxmlformats.org/drawingml/2006/main" xmlns:r="http://schemas.openxmlformats.org/officeDocument/2006/relationships" xmlns:p="http://schemas.openxmlformats.org/presentationml/2006/main">
+  <p:cSld>
+    <p:spTree>
+      <p:nvGrpSpPr>
+        <p:cNvPr id="1" name=""/>
+        <p:cNvGrpSpPr/>
+        <p:nvPr/>
+      </p:nvGrpSpPr>
+      <p:grpSpPr>
+        <a:xfrm>
+          <a:off x="0" y="0"/>
+          <a:ext cx="0" cy="0"/>
+          <a:chOff x="0" y="0"/>
+          <a:chExt cx="0" cy="0"/>
+        </a:xfrm>
+      </p:grpSpPr>
+      <p:sp>
+        <p:nvSpPr>
+          <p:cNvPr id="2" name="Title 1"/>
+          <p:cNvSpPr>
+            <a:spLocks noGrp="1"/>
+          </p:cNvSpPr>
+          <p:nvPr>
+            <p:ph type="title"/>
+          </p:nvPr>
+        </p:nvSpPr>
+        <p:spPr>
+          <a:xfrm>
+            <a:off x="1774371" y="2699656"/>
+            <a:ext cx="9615287" cy="1522720"/>
+          </a:xfrm>
+        </p:spPr>
+        <p:txBody>
+          <a:bodyPr>
+            <a:normAutofit/>
+          </a:bodyPr>
+          <a:lstStyle/>
+          <a:p>
+            <a:pPr algn="ctr"/>
+            <a:r>
+              <a:rPr lang="zh-CHT" altLang="en-US" dirty="0" smtClean="0"/>
+              <a:t>一個可以用</a:t>
+            </a:r>
+            <a:r>
+              <a:rPr lang="en-US" altLang="zh-CHT" dirty="0" err="1" smtClean="0"/>
+              <a:t>node.js</a:t>
+            </a:r>
+            <a:r>
+              <a:rPr lang="en-US" altLang="zh-CHT" dirty="0" smtClean="0"/>
+              <a:t> + html5</a:t>
+            </a:r>
+            <a:r>
+              <a:rPr lang="zh-CHT" altLang="en-US" dirty="0" smtClean="0"/>
+              <a:t>來撰寫</a:t>
+            </a:r>
+            <a:r>
+              <a:rPr lang="en-US" altLang="zh-CHT" dirty="0" smtClean="0"/>
+              <a:t/>
+            </a:r>
+            <a:br>
+              <a:rPr lang="en-US" altLang="zh-CHT" dirty="0" smtClean="0"/>
+            </a:br>
+            <a:r>
+              <a:rPr lang="en-US" altLang="zh-CHT" dirty="0" smtClean="0"/>
+              <a:t>desktop</a:t>
+            </a:r>
+            <a:r>
+              <a:rPr lang="zh-CHT" altLang="en-US" dirty="0" smtClean="0"/>
+              <a:t>程式的平台</a:t>
+            </a:r>
+            <a:endParaRPr lang="en-US" dirty="0"/>
+          </a:p>
+        </p:txBody>
+      </p:sp>
+    </p:spTree>
+    <p:extLst>
+      <p:ext uri="{BB962C8B-B14F-4D97-AF65-F5344CB8AC3E}">
+        <p14:creationId xmlns:p14="http://schemas.microsoft.com/office/powerpoint/2010/main" val="1244453596"/>
+      </p:ext>
+    </p:extLst>
+  </p:cSld>
+  <p:clrMapOvr>
+    <a:masterClrMapping/>
+  </p:clrMapOvr>
+  <p:timing>
+    <p:tnLst>
+      <p:par>
+        <p:cTn id="1" dur="indefinite" restart="never" nodeType="tmRoot"/>
+      </p:par>
+    </p:tnLst>
+  </p:timing>
+</p:sld>
+</file>
+
+<file path=ppt/slides/slide34.xml><?xml version="1.0" encoding="utf-8"?>
+<p:sld xmlns:a="http://schemas.openxmlformats.org/drawingml/2006/main" xmlns:r="http://schemas.openxmlformats.org/officeDocument/2006/relationships" xmlns:p="http://schemas.openxmlformats.org/presentationml/2006/main">
+  <p:cSld>
+    <p:spTree>
+      <p:nvGrpSpPr>
+        <p:cNvPr id="1" name=""/>
+        <p:cNvGrpSpPr/>
+        <p:nvPr/>
+      </p:nvGrpSpPr>
+      <p:grpSpPr>
+        <a:xfrm>
+          <a:off x="0" y="0"/>
+          <a:ext cx="0" cy="0"/>
+          <a:chOff x="0" y="0"/>
+          <a:chExt cx="0" cy="0"/>
+        </a:xfrm>
+      </p:grpSpPr>
+      <p:sp>
+        <p:nvSpPr>
+          <p:cNvPr id="2" name="Title 1"/>
+          <p:cNvSpPr>
+            <a:spLocks noGrp="1"/>
+          </p:cNvSpPr>
+          <p:nvPr>
+            <p:ph type="title"/>
+          </p:nvPr>
+        </p:nvSpPr>
+        <p:spPr/>
+        <p:txBody>
+          <a:bodyPr/>
+          <a:lstStyle/>
+          <a:p>
+            <a:r>
+              <a:rPr lang="en-US" dirty="0" smtClean="0"/>
+              <a:t>Simple way to run </a:t>
+            </a:r>
+            <a:r>
+              <a:rPr lang="en-US" dirty="0" err="1" smtClean="0"/>
+              <a:t>nw.js</a:t>
+            </a:r>
+            <a:endParaRPr lang="en-US" dirty="0"/>
+          </a:p>
+        </p:txBody>
+      </p:sp>
+      <p:pic>
+        <p:nvPicPr>
+          <p:cNvPr id="4" name="Content Placeholder 3" descr="nw.js package.json.png"/>
+          <p:cNvPicPr>
+            <a:picLocks noChangeAspect="1"/>
+          </p:cNvPicPr>
+          <p:nvPr/>
+        </p:nvPicPr>
+        <p:blipFill>
+          <a:blip r:embed="rId2">
+            <a:extLst>
+              <a:ext uri="{28A0092B-C50C-407E-A947-70E740481C1C}">
+                <a14:useLocalDpi xmlns:a14="http://schemas.microsoft.com/office/drawing/2010/main" val="0"/>
+              </a:ext>
+            </a:extLst>
+          </a:blip>
+          <a:stretch>
+            <a:fillRect/>
+          </a:stretch>
+        </p:blipFill>
+        <p:spPr>
+          <a:xfrm>
+            <a:off x="1654629" y="2124356"/>
+            <a:ext cx="9601200" cy="3237904"/>
+          </a:xfrm>
+          <a:prstGeom prst="rect">
+            <a:avLst/>
+          </a:prstGeom>
+        </p:spPr>
+      </p:pic>
+      <p:sp>
+        <p:nvSpPr>
+          <p:cNvPr id="5" name="TextBox 4"/>
+          <p:cNvSpPr txBox="1"/>
+          <p:nvPr/>
+        </p:nvSpPr>
+        <p:spPr>
+          <a:xfrm>
+            <a:off x="1538088" y="1566689"/>
+            <a:ext cx="2980431" cy="461665"/>
+          </a:xfrm>
+          <a:prstGeom prst="rect">
+            <a:avLst/>
+          </a:prstGeom>
+          <a:noFill/>
+        </p:spPr>
+        <p:txBody>
+          <a:bodyPr wrap="none" rtlCol="0">
+            <a:spAutoFit/>
+          </a:bodyPr>
+          <a:lstStyle/>
+          <a:p>
+            <a:r>
+              <a:rPr lang="en-US" sz="2400" dirty="0" err="1" smtClean="0"/>
+              <a:t>nw</a:t>
+            </a:r>
+            <a:r>
+              <a:rPr lang="en-US" sz="2400" dirty="0" smtClean="0"/>
+              <a:t>-app/</a:t>
+            </a:r>
+            <a:r>
+              <a:rPr lang="en-US" sz="2400" dirty="0" err="1" smtClean="0"/>
+              <a:t>package.json</a:t>
+            </a:r>
+            <a:endParaRPr lang="en-US" sz="2400" dirty="0"/>
+          </a:p>
+        </p:txBody>
+      </p:sp>
+      <p:sp>
+        <p:nvSpPr>
+          <p:cNvPr id="6" name="TextBox 5"/>
+          <p:cNvSpPr txBox="1"/>
+          <p:nvPr/>
+        </p:nvSpPr>
+        <p:spPr>
+          <a:xfrm>
+            <a:off x="1538088" y="5577574"/>
+            <a:ext cx="2511457" cy="461665"/>
+          </a:xfrm>
+          <a:prstGeom prst="rect">
+            <a:avLst/>
+          </a:prstGeom>
+          <a:noFill/>
+        </p:spPr>
+        <p:txBody>
+          <a:bodyPr wrap="none" rtlCol="0">
+            <a:spAutoFit/>
+          </a:bodyPr>
+          <a:lstStyle/>
+          <a:p>
+            <a:r>
+              <a:rPr lang="en-US" sz="2400" dirty="0" smtClean="0"/>
+              <a:t>C&gt; </a:t>
+            </a:r>
+            <a:r>
+              <a:rPr lang="en-US" sz="2400" dirty="0" err="1" smtClean="0"/>
+              <a:t>nw.exe</a:t>
+            </a:r>
+            <a:r>
+              <a:rPr lang="en-US" sz="2400" dirty="0" smtClean="0"/>
+              <a:t> </a:t>
+            </a:r>
+            <a:r>
+              <a:rPr lang="en-US" sz="2400" dirty="0" err="1" smtClean="0"/>
+              <a:t>nw</a:t>
+            </a:r>
+            <a:r>
+              <a:rPr lang="en-US" sz="2400" dirty="0" smtClean="0"/>
+              <a:t>-app</a:t>
+            </a:r>
+            <a:endParaRPr lang="en-US" sz="2400" dirty="0"/>
+          </a:p>
+        </p:txBody>
+      </p:sp>
+    </p:spTree>
+    <p:extLst>
+      <p:ext uri="{BB962C8B-B14F-4D97-AF65-F5344CB8AC3E}">
+        <p14:creationId xmlns:p14="http://schemas.microsoft.com/office/powerpoint/2010/main" val="204428608"/>
+      </p:ext>
+    </p:extLst>
+  </p:cSld>
+  <p:clrMapOvr>
+    <a:masterClrMapping/>
+  </p:clrMapOvr>
+  <p:timing>
+    <p:tnLst>
+      <p:par>
+        <p:cTn id="1" dur="indefinite" restart="never" nodeType="tmRoot"/>
+      </p:par>
+    </p:tnLst>
+  </p:timing>
+</p:sld>
+</file>
+
+<file path=ppt/slides/slide35.xml><?xml version="1.0" encoding="utf-8"?>
+<p:sld xmlns:a="http://schemas.openxmlformats.org/drawingml/2006/main" xmlns:r="http://schemas.openxmlformats.org/officeDocument/2006/relationships" xmlns:p="http://schemas.openxmlformats.org/presentationml/2006/main">
+  <p:cSld>
+    <p:spTree>
+      <p:nvGrpSpPr>
+        <p:cNvPr id="1" name=""/>
+        <p:cNvGrpSpPr/>
+        <p:nvPr/>
+      </p:nvGrpSpPr>
+      <p:grpSpPr>
+        <a:xfrm>
+          <a:off x="0" y="0"/>
+          <a:ext cx="0" cy="0"/>
+          <a:chOff x="0" y="0"/>
+          <a:chExt cx="0" cy="0"/>
+        </a:xfrm>
+      </p:grpSpPr>
       <p:sp>
         <p:nvSpPr>
           <p:cNvPr id="2" name="Title 1"/>
@@ -6860,7 +7629,429 @@
 </p:sld>
 </file>
 
-<file path=ppt/slides/slide31.xml><?xml version="1.0" encoding="utf-8"?>
+<file path=ppt/slides/slide36.xml><?xml version="1.0" encoding="utf-8"?>
+<p:sld xmlns:a="http://schemas.openxmlformats.org/drawingml/2006/main" xmlns:r="http://schemas.openxmlformats.org/officeDocument/2006/relationships" xmlns:p="http://schemas.openxmlformats.org/presentationml/2006/main">
+  <p:cSld>
+    <p:spTree>
+      <p:nvGrpSpPr>
+        <p:cNvPr id="1" name=""/>
+        <p:cNvGrpSpPr/>
+        <p:nvPr/>
+      </p:nvGrpSpPr>
+      <p:grpSpPr>
+        <a:xfrm>
+          <a:off x="0" y="0"/>
+          <a:ext cx="0" cy="0"/>
+          <a:chOff x="0" y="0"/>
+          <a:chExt cx="0" cy="0"/>
+        </a:xfrm>
+      </p:grpSpPr>
+      <p:sp>
+        <p:nvSpPr>
+          <p:cNvPr id="2" name="Title 1"/>
+          <p:cNvSpPr>
+            <a:spLocks noGrp="1"/>
+          </p:cNvSpPr>
+          <p:nvPr>
+            <p:ph type="title"/>
+          </p:nvPr>
+        </p:nvSpPr>
+        <p:spPr/>
+        <p:txBody>
+          <a:bodyPr/>
+          <a:lstStyle/>
+          <a:p>
+            <a:r>
+              <a:rPr lang="en-US" dirty="0" err="1" smtClean="0"/>
+              <a:t>ExtWebNW</a:t>
+            </a:r>
+            <a:r>
+              <a:rPr lang="en-US" dirty="0" smtClean="0"/>
+              <a:t> </a:t>
+            </a:r>
+            <a:r>
+              <a:rPr lang="zh-CHT" altLang="en-US" dirty="0" smtClean="0"/>
+              <a:t>操作流程</a:t>
+            </a:r>
+            <a:endParaRPr lang="en-US" dirty="0"/>
+          </a:p>
+        </p:txBody>
+      </p:sp>
+      <p:sp>
+        <p:nvSpPr>
+          <p:cNvPr id="3" name="Content Placeholder 2"/>
+          <p:cNvSpPr>
+            <a:spLocks noGrp="1"/>
+          </p:cNvSpPr>
+          <p:nvPr>
+            <p:ph idx="1"/>
+          </p:nvPr>
+        </p:nvSpPr>
+        <p:spPr>
+          <a:xfrm>
+            <a:off x="1371600" y="1562793"/>
+            <a:ext cx="9601200" cy="5070763"/>
+          </a:xfrm>
+        </p:spPr>
+        <p:txBody>
+          <a:bodyPr>
+            <a:normAutofit fontScale="77500" lnSpcReduction="20000"/>
+          </a:bodyPr>
+          <a:lstStyle/>
+          <a:p>
+            <a:r>
+              <a:rPr lang="en-US" dirty="0"/>
+              <a:t>C&gt; </a:t>
+            </a:r>
+            <a:r>
+              <a:rPr lang="en-US" dirty="0" err="1"/>
+              <a:t>git</a:t>
+            </a:r>
+            <a:r>
+              <a:rPr lang="en-US" dirty="0"/>
+              <a:t> clone https://</a:t>
+            </a:r>
+            <a:r>
+              <a:rPr lang="en-US" dirty="0" err="1"/>
+              <a:t>github.com</a:t>
+            </a:r>
+            <a:r>
+              <a:rPr lang="en-US" dirty="0"/>
+              <a:t>/</a:t>
+            </a:r>
+            <a:r>
+              <a:rPr lang="en-US" dirty="0" err="1"/>
+              <a:t>derektu</a:t>
+            </a:r>
+            <a:r>
+              <a:rPr lang="en-US" dirty="0"/>
+              <a:t>/</a:t>
+            </a:r>
+            <a:r>
+              <a:rPr lang="en-US" dirty="0" err="1"/>
+              <a:t>ExtWebNW</a:t>
+            </a:r>
+            <a:endParaRPr lang="en-US" dirty="0"/>
+          </a:p>
+          <a:p>
+            <a:r>
+              <a:rPr lang="en-US" dirty="0"/>
+              <a:t>C&gt; cd </a:t>
+            </a:r>
+            <a:r>
+              <a:rPr lang="en-US" dirty="0" err="1"/>
+              <a:t>ExtWebNW</a:t>
+            </a:r>
+            <a:endParaRPr lang="en-US" dirty="0"/>
+          </a:p>
+          <a:p>
+            <a:r>
+              <a:rPr lang="en-US" dirty="0"/>
+              <a:t>C&gt; </a:t>
+            </a:r>
+            <a:r>
+              <a:rPr lang="en-US" dirty="0" err="1"/>
+              <a:t>npm</a:t>
+            </a:r>
+            <a:r>
+              <a:rPr lang="en-US" dirty="0"/>
+              <a:t> </a:t>
+            </a:r>
+            <a:r>
+              <a:rPr lang="en-US" dirty="0" smtClean="0"/>
+              <a:t>install</a:t>
+            </a:r>
+          </a:p>
+          <a:p>
+            <a:r>
+              <a:rPr lang="en-US" dirty="0" smtClean="0"/>
+              <a:t>C&gt; </a:t>
+            </a:r>
+            <a:r>
+              <a:rPr lang="en-US" dirty="0" err="1" smtClean="0"/>
+              <a:t>nw.exe</a:t>
+            </a:r>
+            <a:r>
+              <a:rPr lang="en-US" dirty="0" smtClean="0"/>
+              <a:t> </a:t>
+            </a:r>
+            <a:r>
+              <a:rPr lang="en-US" dirty="0" err="1" smtClean="0"/>
+              <a:t>ExtWebNW</a:t>
+            </a:r>
+            <a:endParaRPr lang="en-US" dirty="0" smtClean="0"/>
+          </a:p>
+          <a:p>
+            <a:pPr marL="0" indent="0">
+              <a:buNone/>
+            </a:pPr>
+            <a:r>
+              <a:rPr lang="en-US" dirty="0" smtClean="0"/>
+              <a:t>//Windows Task manager: look for </a:t>
+            </a:r>
+            <a:r>
+              <a:rPr lang="en-US" dirty="0" err="1" smtClean="0"/>
+              <a:t>nw.exe</a:t>
+            </a:r>
+            <a:r>
+              <a:rPr lang="en-US" dirty="0" smtClean="0"/>
+              <a:t> process</a:t>
+            </a:r>
+          </a:p>
+          <a:p>
+            <a:pPr marL="0" indent="0">
+              <a:buNone/>
+            </a:pPr>
+            <a:r>
+              <a:rPr lang="en-US" dirty="0" smtClean="0"/>
+              <a:t>//Browser</a:t>
+            </a:r>
+            <a:r>
+              <a:rPr lang="en-US" dirty="0"/>
+              <a:t>: http://localhost:3000/</a:t>
+            </a:r>
+            <a:r>
+              <a:rPr lang="en-US" dirty="0" err="1"/>
+              <a:t>api</a:t>
+            </a:r>
+            <a:r>
+              <a:rPr lang="en-US" dirty="0"/>
+              <a:t>/hello</a:t>
+            </a:r>
+          </a:p>
+          <a:p>
+            <a:pPr marL="0" indent="0">
+              <a:buNone/>
+            </a:pPr>
+            <a:r>
+              <a:rPr lang="en-US" dirty="0" smtClean="0"/>
+              <a:t>//Browser</a:t>
+            </a:r>
+            <a:r>
+              <a:rPr lang="en-US" dirty="0"/>
+              <a:t>: http://localhost:3000/</a:t>
+            </a:r>
+            <a:r>
+              <a:rPr lang="en-US" dirty="0" err="1"/>
+              <a:t>api</a:t>
+            </a:r>
+            <a:r>
+              <a:rPr lang="en-US" dirty="0"/>
+              <a:t>/list</a:t>
+            </a:r>
+          </a:p>
+          <a:p>
+            <a:pPr marL="0" indent="0">
+              <a:buNone/>
+            </a:pPr>
+            <a:r>
+              <a:rPr lang="en-US" dirty="0" smtClean="0"/>
+              <a:t>//Browser</a:t>
+            </a:r>
+            <a:r>
+              <a:rPr lang="en-US" dirty="0"/>
+              <a:t>: </a:t>
+            </a:r>
+            <a:r>
+              <a:rPr lang="en-US" dirty="0">
+                <a:hlinkClick r:id="rId2"/>
+              </a:rPr>
+              <a:t>http://</a:t>
+            </a:r>
+            <a:r>
+              <a:rPr lang="en-US" dirty="0" smtClean="0">
+                <a:hlinkClick r:id="rId2"/>
+              </a:rPr>
+              <a:t>localhost:3000/api/quit</a:t>
+            </a:r>
+            <a:endParaRPr lang="en-US" dirty="0" smtClean="0"/>
+          </a:p>
+          <a:p>
+            <a:r>
+              <a:rPr lang="en-US" dirty="0"/>
+              <a:t>C&gt; </a:t>
+            </a:r>
+            <a:r>
+              <a:rPr lang="en-US" dirty="0" err="1"/>
+              <a:t>choco</a:t>
+            </a:r>
+            <a:r>
+              <a:rPr lang="en-US" dirty="0"/>
+              <a:t> install curl</a:t>
+            </a:r>
+          </a:p>
+          <a:p>
+            <a:r>
+              <a:rPr lang="en-US" dirty="0"/>
+              <a:t>C&gt; curl -H "Content-Type: application/</a:t>
+            </a:r>
+            <a:r>
+              <a:rPr lang="en-US" dirty="0" err="1"/>
+              <a:t>json</a:t>
+            </a:r>
+            <a:r>
+              <a:rPr lang="en-US" dirty="0"/>
+              <a:t>" -X POST -d "{\"id\":\"1\",\"title\":\"Google\",\"</a:t>
+            </a:r>
+            <a:r>
+              <a:rPr lang="en-US" dirty="0" err="1"/>
+              <a:t>url</a:t>
+            </a:r>
+            <a:r>
+              <a:rPr lang="en-US" dirty="0"/>
+              <a:t>\":\"http://</a:t>
+            </a:r>
+            <a:r>
+              <a:rPr lang="en-US" dirty="0" err="1"/>
+              <a:t>www.google.com</a:t>
+            </a:r>
+            <a:r>
+              <a:rPr lang="en-US" dirty="0"/>
+              <a:t>\"}" </a:t>
+            </a:r>
+            <a:r>
+              <a:rPr lang="en-US" dirty="0">
+                <a:hlinkClick r:id="rId3"/>
+              </a:rPr>
+              <a:t>http://localhost:3000/</a:t>
+            </a:r>
+            <a:r>
+              <a:rPr lang="en-US" dirty="0" err="1">
+                <a:hlinkClick r:id="rId3"/>
+              </a:rPr>
+              <a:t>api</a:t>
+            </a:r>
+            <a:r>
+              <a:rPr lang="en-US" dirty="0">
+                <a:hlinkClick r:id="rId3"/>
+              </a:rPr>
+              <a:t>/launch</a:t>
+            </a:r>
+            <a:endParaRPr lang="en-US" dirty="0"/>
+          </a:p>
+          <a:p>
+            <a:pPr marL="0" indent="0">
+              <a:buNone/>
+            </a:pPr>
+            <a:r>
+              <a:rPr lang="en-US" dirty="0" smtClean="0"/>
+              <a:t>//minimize </a:t>
+            </a:r>
+            <a:r>
+              <a:rPr lang="en-US" dirty="0"/>
+              <a:t>or close, and run the post again</a:t>
+            </a:r>
+          </a:p>
+          <a:p>
+            <a:pPr marL="0" indent="0">
+              <a:buNone/>
+            </a:pPr>
+            <a:r>
+              <a:rPr lang="en-US" dirty="0"/>
+              <a:t>//Browser: </a:t>
+            </a:r>
+            <a:r>
+              <a:rPr lang="en-US" dirty="0">
+                <a:hlinkClick r:id="rId4"/>
+              </a:rPr>
+              <a:t>http://</a:t>
+            </a:r>
+            <a:r>
+              <a:rPr lang="en-US" dirty="0" smtClean="0">
+                <a:hlinkClick r:id="rId4"/>
+              </a:rPr>
+              <a:t>localhost:3000/api/list</a:t>
+            </a:r>
+            <a:endParaRPr lang="en-US" dirty="0" smtClean="0"/>
+          </a:p>
+          <a:p>
+            <a:pPr marL="0" indent="0">
+              <a:buNone/>
+            </a:pPr>
+            <a:r>
+              <a:rPr lang="en-US" dirty="0"/>
+              <a:t>C&gt; curl -H "Content-Type: application/</a:t>
+            </a:r>
+            <a:r>
+              <a:rPr lang="en-US" dirty="0" err="1"/>
+              <a:t>json</a:t>
+            </a:r>
+            <a:r>
+              <a:rPr lang="en-US" dirty="0"/>
+              <a:t>" -X POST -d "{\"id\":\”2\",\"title\":\”YouTube\",\"</a:t>
+            </a:r>
+            <a:r>
+              <a:rPr lang="en-US" dirty="0" err="1"/>
+              <a:t>url</a:t>
+            </a:r>
+            <a:r>
+              <a:rPr lang="en-US" dirty="0"/>
+              <a:t>\":\"http://</a:t>
+            </a:r>
+            <a:r>
+              <a:rPr lang="en-US" dirty="0" err="1"/>
+              <a:t>www.youtube.com</a:t>
+            </a:r>
+            <a:r>
+              <a:rPr lang="en-US" dirty="0"/>
+              <a:t>\"}" http://localhost:3000/</a:t>
+            </a:r>
+            <a:r>
+              <a:rPr lang="en-US" dirty="0" err="1"/>
+              <a:t>api</a:t>
+            </a:r>
+            <a:r>
+              <a:rPr lang="en-US" dirty="0"/>
+              <a:t>/launch</a:t>
+            </a:r>
+          </a:p>
+          <a:p>
+            <a:pPr marL="0" indent="0">
+              <a:buNone/>
+            </a:pPr>
+            <a:endParaRPr lang="en-US" dirty="0"/>
+          </a:p>
+          <a:p>
+            <a:pPr marL="0" indent="0">
+              <a:buNone/>
+            </a:pPr>
+            <a:endParaRPr lang="en-US" dirty="0" smtClean="0"/>
+          </a:p>
+          <a:p>
+            <a:pPr marL="0" indent="0">
+              <a:buNone/>
+            </a:pPr>
+            <a:endParaRPr lang="en-US" dirty="0"/>
+          </a:p>
+          <a:p>
+            <a:endParaRPr lang="en-US" dirty="0"/>
+          </a:p>
+          <a:p>
+            <a:endParaRPr lang="en-US" dirty="0"/>
+          </a:p>
+        </p:txBody>
+      </p:sp>
+    </p:spTree>
+    <p:extLst>
+      <p:ext uri="{BB962C8B-B14F-4D97-AF65-F5344CB8AC3E}">
+        <p14:creationId xmlns:p14="http://schemas.microsoft.com/office/powerpoint/2010/main" val="84353895"/>
+      </p:ext>
+    </p:extLst>
+  </p:cSld>
+  <p:clrMapOvr>
+    <a:masterClrMapping/>
+  </p:clrMapOvr>
+  <p:timing>
+    <p:tnLst>
+      <p:par>
+        <p:cTn id="1" dur="indefinite" restart="never" nodeType="tmRoot"/>
+      </p:par>
+    </p:tnLst>
+  </p:timing>
+</p:sld>
+</file>
+
+<file path=ppt/slides/slide37.xml><?xml version="1.0" encoding="utf-8"?>
 <p:sld xmlns:a="http://schemas.openxmlformats.org/drawingml/2006/main" xmlns:r="http://schemas.openxmlformats.org/officeDocument/2006/relationships" xmlns:p="http://schemas.openxmlformats.org/presentationml/2006/main">
   <p:cSld>
     <p:spTree>
